--- a/Assessment/Study Material/Algorithmic Patterns for Coding Interviews/Algorithmic Patterns for Coding Interviews.pptx
+++ b/Assessment/Study Material/Algorithmic Patterns for Coding Interviews/Algorithmic Patterns for Coding Interviews.pptx
@@ -5,88 +5,90 @@
     <p:sldMasterId id="2147483648" r:id="rId1"/>
   </p:sldMasterIdLst>
   <p:sldIdLst>
-    <p:sldId id="256" r:id="rId2"/>
-    <p:sldId id="257" r:id="rId3"/>
-    <p:sldId id="258" r:id="rId4"/>
+    <p:sldId id="339" r:id="rId2"/>
+    <p:sldId id="256" r:id="rId3"/>
+    <p:sldId id="257" r:id="rId4"/>
     <p:sldId id="259" r:id="rId5"/>
-    <p:sldId id="260" r:id="rId6"/>
-    <p:sldId id="261" r:id="rId7"/>
-    <p:sldId id="262" r:id="rId8"/>
-    <p:sldId id="263" r:id="rId9"/>
-    <p:sldId id="264" r:id="rId10"/>
-    <p:sldId id="265" r:id="rId11"/>
-    <p:sldId id="266" r:id="rId12"/>
-    <p:sldId id="267" r:id="rId13"/>
-    <p:sldId id="268" r:id="rId14"/>
-    <p:sldId id="269" r:id="rId15"/>
-    <p:sldId id="270" r:id="rId16"/>
-    <p:sldId id="271" r:id="rId17"/>
-    <p:sldId id="272" r:id="rId18"/>
-    <p:sldId id="273" r:id="rId19"/>
-    <p:sldId id="274" r:id="rId20"/>
-    <p:sldId id="275" r:id="rId21"/>
-    <p:sldId id="276" r:id="rId22"/>
-    <p:sldId id="277" r:id="rId23"/>
-    <p:sldId id="278" r:id="rId24"/>
-    <p:sldId id="279" r:id="rId25"/>
-    <p:sldId id="280" r:id="rId26"/>
-    <p:sldId id="281" r:id="rId27"/>
-    <p:sldId id="282" r:id="rId28"/>
-    <p:sldId id="283" r:id="rId29"/>
-    <p:sldId id="284" r:id="rId30"/>
-    <p:sldId id="285" r:id="rId31"/>
-    <p:sldId id="286" r:id="rId32"/>
-    <p:sldId id="287" r:id="rId33"/>
-    <p:sldId id="288" r:id="rId34"/>
-    <p:sldId id="289" r:id="rId35"/>
-    <p:sldId id="290" r:id="rId36"/>
-    <p:sldId id="291" r:id="rId37"/>
-    <p:sldId id="292" r:id="rId38"/>
-    <p:sldId id="293" r:id="rId39"/>
-    <p:sldId id="294" r:id="rId40"/>
-    <p:sldId id="295" r:id="rId41"/>
-    <p:sldId id="296" r:id="rId42"/>
-    <p:sldId id="297" r:id="rId43"/>
-    <p:sldId id="298" r:id="rId44"/>
-    <p:sldId id="299" r:id="rId45"/>
-    <p:sldId id="300" r:id="rId46"/>
-    <p:sldId id="301" r:id="rId47"/>
-    <p:sldId id="302" r:id="rId48"/>
-    <p:sldId id="303" r:id="rId49"/>
-    <p:sldId id="304" r:id="rId50"/>
-    <p:sldId id="305" r:id="rId51"/>
-    <p:sldId id="306" r:id="rId52"/>
-    <p:sldId id="307" r:id="rId53"/>
-    <p:sldId id="308" r:id="rId54"/>
-    <p:sldId id="309" r:id="rId55"/>
-    <p:sldId id="310" r:id="rId56"/>
-    <p:sldId id="311" r:id="rId57"/>
-    <p:sldId id="312" r:id="rId58"/>
-    <p:sldId id="313" r:id="rId59"/>
-    <p:sldId id="314" r:id="rId60"/>
-    <p:sldId id="315" r:id="rId61"/>
-    <p:sldId id="316" r:id="rId62"/>
-    <p:sldId id="317" r:id="rId63"/>
-    <p:sldId id="318" r:id="rId64"/>
-    <p:sldId id="319" r:id="rId65"/>
-    <p:sldId id="320" r:id="rId66"/>
-    <p:sldId id="321" r:id="rId67"/>
-    <p:sldId id="322" r:id="rId68"/>
-    <p:sldId id="323" r:id="rId69"/>
-    <p:sldId id="324" r:id="rId70"/>
-    <p:sldId id="325" r:id="rId71"/>
-    <p:sldId id="326" r:id="rId72"/>
-    <p:sldId id="327" r:id="rId73"/>
-    <p:sldId id="328" r:id="rId74"/>
-    <p:sldId id="329" r:id="rId75"/>
-    <p:sldId id="330" r:id="rId76"/>
-    <p:sldId id="331" r:id="rId77"/>
-    <p:sldId id="332" r:id="rId78"/>
-    <p:sldId id="333" r:id="rId79"/>
-    <p:sldId id="334" r:id="rId80"/>
-    <p:sldId id="335" r:id="rId81"/>
-    <p:sldId id="336" r:id="rId82"/>
-    <p:sldId id="337" r:id="rId83"/>
+    <p:sldId id="258" r:id="rId6"/>
+    <p:sldId id="338" r:id="rId7"/>
+    <p:sldId id="260" r:id="rId8"/>
+    <p:sldId id="262" r:id="rId9"/>
+    <p:sldId id="261" r:id="rId10"/>
+    <p:sldId id="263" r:id="rId11"/>
+    <p:sldId id="264" r:id="rId12"/>
+    <p:sldId id="265" r:id="rId13"/>
+    <p:sldId id="266" r:id="rId14"/>
+    <p:sldId id="267" r:id="rId15"/>
+    <p:sldId id="268" r:id="rId16"/>
+    <p:sldId id="269" r:id="rId17"/>
+    <p:sldId id="270" r:id="rId18"/>
+    <p:sldId id="271" r:id="rId19"/>
+    <p:sldId id="272" r:id="rId20"/>
+    <p:sldId id="273" r:id="rId21"/>
+    <p:sldId id="274" r:id="rId22"/>
+    <p:sldId id="275" r:id="rId23"/>
+    <p:sldId id="276" r:id="rId24"/>
+    <p:sldId id="277" r:id="rId25"/>
+    <p:sldId id="278" r:id="rId26"/>
+    <p:sldId id="279" r:id="rId27"/>
+    <p:sldId id="280" r:id="rId28"/>
+    <p:sldId id="281" r:id="rId29"/>
+    <p:sldId id="282" r:id="rId30"/>
+    <p:sldId id="283" r:id="rId31"/>
+    <p:sldId id="284" r:id="rId32"/>
+    <p:sldId id="285" r:id="rId33"/>
+    <p:sldId id="286" r:id="rId34"/>
+    <p:sldId id="287" r:id="rId35"/>
+    <p:sldId id="288" r:id="rId36"/>
+    <p:sldId id="289" r:id="rId37"/>
+    <p:sldId id="290" r:id="rId38"/>
+    <p:sldId id="291" r:id="rId39"/>
+    <p:sldId id="292" r:id="rId40"/>
+    <p:sldId id="293" r:id="rId41"/>
+    <p:sldId id="294" r:id="rId42"/>
+    <p:sldId id="295" r:id="rId43"/>
+    <p:sldId id="296" r:id="rId44"/>
+    <p:sldId id="297" r:id="rId45"/>
+    <p:sldId id="298" r:id="rId46"/>
+    <p:sldId id="299" r:id="rId47"/>
+    <p:sldId id="300" r:id="rId48"/>
+    <p:sldId id="301" r:id="rId49"/>
+    <p:sldId id="302" r:id="rId50"/>
+    <p:sldId id="303" r:id="rId51"/>
+    <p:sldId id="304" r:id="rId52"/>
+    <p:sldId id="305" r:id="rId53"/>
+    <p:sldId id="306" r:id="rId54"/>
+    <p:sldId id="307" r:id="rId55"/>
+    <p:sldId id="308" r:id="rId56"/>
+    <p:sldId id="309" r:id="rId57"/>
+    <p:sldId id="310" r:id="rId58"/>
+    <p:sldId id="311" r:id="rId59"/>
+    <p:sldId id="312" r:id="rId60"/>
+    <p:sldId id="313" r:id="rId61"/>
+    <p:sldId id="314" r:id="rId62"/>
+    <p:sldId id="315" r:id="rId63"/>
+    <p:sldId id="316" r:id="rId64"/>
+    <p:sldId id="317" r:id="rId65"/>
+    <p:sldId id="318" r:id="rId66"/>
+    <p:sldId id="319" r:id="rId67"/>
+    <p:sldId id="320" r:id="rId68"/>
+    <p:sldId id="321" r:id="rId69"/>
+    <p:sldId id="322" r:id="rId70"/>
+    <p:sldId id="323" r:id="rId71"/>
+    <p:sldId id="324" r:id="rId72"/>
+    <p:sldId id="325" r:id="rId73"/>
+    <p:sldId id="326" r:id="rId74"/>
+    <p:sldId id="327" r:id="rId75"/>
+    <p:sldId id="328" r:id="rId76"/>
+    <p:sldId id="329" r:id="rId77"/>
+    <p:sldId id="330" r:id="rId78"/>
+    <p:sldId id="331" r:id="rId79"/>
+    <p:sldId id="332" r:id="rId80"/>
+    <p:sldId id="333" r:id="rId81"/>
+    <p:sldId id="334" r:id="rId82"/>
+    <p:sldId id="335" r:id="rId83"/>
+    <p:sldId id="336" r:id="rId84"/>
+    <p:sldId id="337" r:id="rId85"/>
   </p:sldIdLst>
   <p:sldSz cx="12192000" cy="6858000"/>
   <p:notesSz cx="6858000" cy="9144000"/>
@@ -185,6 +187,11 @@
       </a:defRPr>
     </a:lvl9pPr>
   </p:defaultTextStyle>
+  <p:extLst>
+    <p:ext uri="{EFAFB233-063F-42B5-8137-9DF3F51BA10A}">
+      <p15:sldGuideLst xmlns:p15="http://schemas.microsoft.com/office/powerpoint/2012/main"/>
+    </p:ext>
+  </p:extLst>
 </p:presentation>
 </file>
 
@@ -337,7 +344,7 @@
           <a:p>
             <a:fld id="{A5D9CF3B-017A-47C3-B257-C0B7AD22F4AD}" type="datetimeFigureOut">
               <a:rPr lang="en-IN" smtClean="0"/>
-              <a:t>04/17/22</a:t>
+              <a:t>05/03/22</a:t>
             </a:fld>
             <a:endParaRPr lang="en-IN"/>
           </a:p>
@@ -537,7 +544,7 @@
           <a:p>
             <a:fld id="{A5D9CF3B-017A-47C3-B257-C0B7AD22F4AD}" type="datetimeFigureOut">
               <a:rPr lang="en-IN" smtClean="0"/>
-              <a:t>04/17/22</a:t>
+              <a:t>05/03/22</a:t>
             </a:fld>
             <a:endParaRPr lang="en-IN"/>
           </a:p>
@@ -747,7 +754,7 @@
           <a:p>
             <a:fld id="{A5D9CF3B-017A-47C3-B257-C0B7AD22F4AD}" type="datetimeFigureOut">
               <a:rPr lang="en-IN" smtClean="0"/>
-              <a:t>04/17/22</a:t>
+              <a:t>05/03/22</a:t>
             </a:fld>
             <a:endParaRPr lang="en-IN"/>
           </a:p>
@@ -947,7 +954,7 @@
           <a:p>
             <a:fld id="{A5D9CF3B-017A-47C3-B257-C0B7AD22F4AD}" type="datetimeFigureOut">
               <a:rPr lang="en-IN" smtClean="0"/>
-              <a:t>04/17/22</a:t>
+              <a:t>05/03/22</a:t>
             </a:fld>
             <a:endParaRPr lang="en-IN"/>
           </a:p>
@@ -1223,7 +1230,7 @@
           <a:p>
             <a:fld id="{A5D9CF3B-017A-47C3-B257-C0B7AD22F4AD}" type="datetimeFigureOut">
               <a:rPr lang="en-IN" smtClean="0"/>
-              <a:t>04/17/22</a:t>
+              <a:t>05/03/22</a:t>
             </a:fld>
             <a:endParaRPr lang="en-IN"/>
           </a:p>
@@ -1491,7 +1498,7 @@
           <a:p>
             <a:fld id="{A5D9CF3B-017A-47C3-B257-C0B7AD22F4AD}" type="datetimeFigureOut">
               <a:rPr lang="en-IN" smtClean="0"/>
-              <a:t>04/17/22</a:t>
+              <a:t>05/03/22</a:t>
             </a:fld>
             <a:endParaRPr lang="en-IN"/>
           </a:p>
@@ -1906,7 +1913,7 @@
           <a:p>
             <a:fld id="{A5D9CF3B-017A-47C3-B257-C0B7AD22F4AD}" type="datetimeFigureOut">
               <a:rPr lang="en-IN" smtClean="0"/>
-              <a:t>04/17/22</a:t>
+              <a:t>05/03/22</a:t>
             </a:fld>
             <a:endParaRPr lang="en-IN"/>
           </a:p>
@@ -2048,7 +2055,7 @@
           <a:p>
             <a:fld id="{A5D9CF3B-017A-47C3-B257-C0B7AD22F4AD}" type="datetimeFigureOut">
               <a:rPr lang="en-IN" smtClean="0"/>
-              <a:t>04/17/22</a:t>
+              <a:t>05/03/22</a:t>
             </a:fld>
             <a:endParaRPr lang="en-IN"/>
           </a:p>
@@ -2161,7 +2168,7 @@
           <a:p>
             <a:fld id="{A5D9CF3B-017A-47C3-B257-C0B7AD22F4AD}" type="datetimeFigureOut">
               <a:rPr lang="en-IN" smtClean="0"/>
-              <a:t>04/17/22</a:t>
+              <a:t>05/03/22</a:t>
             </a:fld>
             <a:endParaRPr lang="en-IN"/>
           </a:p>
@@ -2474,7 +2481,7 @@
           <a:p>
             <a:fld id="{A5D9CF3B-017A-47C3-B257-C0B7AD22F4AD}" type="datetimeFigureOut">
               <a:rPr lang="en-IN" smtClean="0"/>
-              <a:t>04/17/22</a:t>
+              <a:t>05/03/22</a:t>
             </a:fld>
             <a:endParaRPr lang="en-IN"/>
           </a:p>
@@ -2763,7 +2770,7 @@
           <a:p>
             <a:fld id="{A5D9CF3B-017A-47C3-B257-C0B7AD22F4AD}" type="datetimeFigureOut">
               <a:rPr lang="en-IN" smtClean="0"/>
-              <a:t>04/17/22</a:t>
+              <a:t>05/03/22</a:t>
             </a:fld>
             <a:endParaRPr lang="en-IN"/>
           </a:p>
@@ -3006,7 +3013,7 @@
           <a:p>
             <a:fld id="{A5D9CF3B-017A-47C3-B257-C0B7AD22F4AD}" type="datetimeFigureOut">
               <a:rPr lang="en-IN" smtClean="0"/>
-              <a:t>04/17/22</a:t>
+              <a:t>05/03/22</a:t>
             </a:fld>
             <a:endParaRPr lang="en-IN"/>
           </a:p>
@@ -3423,6 +3430,431 @@
           <a:chExt cx="0" cy="0"/>
         </a:xfrm>
       </p:grpSpPr>
+      <p:pic>
+        <p:nvPicPr>
+          <p:cNvPr id="3" name="Picture 2">
+            <a:extLst>
+              <a:ext uri="{FF2B5EF4-FFF2-40B4-BE49-F238E27FC236}">
+                <a16:creationId xmlns:a16="http://schemas.microsoft.com/office/drawing/2014/main" id="{A786290B-4505-88D3-EDD5-6D4348A65886}"/>
+              </a:ext>
+            </a:extLst>
+          </p:cNvPr>
+          <p:cNvPicPr>
+            <a:picLocks noChangeAspect="1"/>
+          </p:cNvPicPr>
+          <p:nvPr/>
+        </p:nvPicPr>
+        <p:blipFill>
+          <a:blip r:embed="rId2"/>
+          <a:stretch>
+            <a:fillRect/>
+          </a:stretch>
+        </p:blipFill>
+        <p:spPr>
+          <a:xfrm>
+            <a:off x="2811495" y="1672438"/>
+            <a:ext cx="6569009" cy="3513124"/>
+          </a:xfrm>
+          <a:prstGeom prst="rect">
+            <a:avLst/>
+          </a:prstGeom>
+        </p:spPr>
+      </p:pic>
+      <p:sp>
+        <p:nvSpPr>
+          <p:cNvPr id="4" name="TextBox 3">
+            <a:extLst>
+              <a:ext uri="{FF2B5EF4-FFF2-40B4-BE49-F238E27FC236}">
+                <a16:creationId xmlns:a16="http://schemas.microsoft.com/office/drawing/2014/main" id="{6BF42F2E-3A45-0903-216A-E2BCC2CBBF91}"/>
+              </a:ext>
+            </a:extLst>
+          </p:cNvPr>
+          <p:cNvSpPr txBox="1"/>
+          <p:nvPr/>
+        </p:nvSpPr>
+        <p:spPr>
+          <a:xfrm>
+            <a:off x="1131216" y="5872899"/>
+            <a:ext cx="4839595" cy="369332"/>
+          </a:xfrm>
+          <a:prstGeom prst="rect">
+            <a:avLst/>
+          </a:prstGeom>
+          <a:noFill/>
+        </p:spPr>
+        <p:txBody>
+          <a:bodyPr wrap="none" rtlCol="0">
+            <a:spAutoFit/>
+          </a:bodyPr>
+          <a:lstStyle/>
+          <a:p>
+            <a:r>
+              <a:rPr lang="en-IN"/>
+              <a:t>https://www.youtube.com/watch?v=g6TLB_tAaCI</a:t>
+            </a:r>
+          </a:p>
+        </p:txBody>
+      </p:sp>
+    </p:spTree>
+    <p:extLst>
+      <p:ext uri="{BB962C8B-B14F-4D97-AF65-F5344CB8AC3E}">
+        <p14:creationId xmlns:p14="http://schemas.microsoft.com/office/powerpoint/2010/main" val="224961686"/>
+      </p:ext>
+    </p:extLst>
+  </p:cSld>
+  <p:clrMapOvr>
+    <a:masterClrMapping/>
+  </p:clrMapOvr>
+</p:sld>
+</file>
+
+<file path=ppt/slides/slide10.xml><?xml version="1.0" encoding="utf-8"?>
+<p:sld xmlns:a="http://schemas.openxmlformats.org/drawingml/2006/main" xmlns:r="http://schemas.openxmlformats.org/officeDocument/2006/relationships" xmlns:p="http://schemas.openxmlformats.org/presentationml/2006/main">
+  <p:cSld>
+    <p:spTree>
+      <p:nvGrpSpPr>
+        <p:cNvPr id="1" name=""/>
+        <p:cNvGrpSpPr/>
+        <p:nvPr/>
+      </p:nvGrpSpPr>
+      <p:grpSpPr>
+        <a:xfrm>
+          <a:off x="0" y="0"/>
+          <a:ext cx="0" cy="0"/>
+          <a:chOff x="0" y="0"/>
+          <a:chExt cx="0" cy="0"/>
+        </a:xfrm>
+      </p:grpSpPr>
+      <p:pic>
+        <p:nvPicPr>
+          <p:cNvPr id="3" name="Picture 2">
+            <a:extLst>
+              <a:ext uri="{FF2B5EF4-FFF2-40B4-BE49-F238E27FC236}">
+                <a16:creationId xmlns:a16="http://schemas.microsoft.com/office/drawing/2014/main" id="{D66E30DA-93C8-4A15-8735-5264A9D59407}"/>
+              </a:ext>
+            </a:extLst>
+          </p:cNvPr>
+          <p:cNvPicPr>
+            <a:picLocks noChangeAspect="1"/>
+          </p:cNvPicPr>
+          <p:nvPr/>
+        </p:nvPicPr>
+        <p:blipFill>
+          <a:blip r:embed="rId2"/>
+          <a:stretch>
+            <a:fillRect/>
+          </a:stretch>
+        </p:blipFill>
+        <p:spPr>
+          <a:xfrm>
+            <a:off x="0" y="0"/>
+            <a:ext cx="12192000" cy="6858000"/>
+          </a:xfrm>
+          <a:prstGeom prst="rect">
+            <a:avLst/>
+          </a:prstGeom>
+        </p:spPr>
+      </p:pic>
+    </p:spTree>
+    <p:extLst>
+      <p:ext uri="{BB962C8B-B14F-4D97-AF65-F5344CB8AC3E}">
+        <p14:creationId xmlns:p14="http://schemas.microsoft.com/office/powerpoint/2010/main" val="956517794"/>
+      </p:ext>
+    </p:extLst>
+  </p:cSld>
+  <p:clrMapOvr>
+    <a:masterClrMapping/>
+  </p:clrMapOvr>
+</p:sld>
+</file>
+
+<file path=ppt/slides/slide11.xml><?xml version="1.0" encoding="utf-8"?>
+<p:sld xmlns:a="http://schemas.openxmlformats.org/drawingml/2006/main" xmlns:r="http://schemas.openxmlformats.org/officeDocument/2006/relationships" xmlns:p="http://schemas.openxmlformats.org/presentationml/2006/main">
+  <p:cSld>
+    <p:spTree>
+      <p:nvGrpSpPr>
+        <p:cNvPr id="1" name=""/>
+        <p:cNvGrpSpPr/>
+        <p:nvPr/>
+      </p:nvGrpSpPr>
+      <p:grpSpPr>
+        <a:xfrm>
+          <a:off x="0" y="0"/>
+          <a:ext cx="0" cy="0"/>
+          <a:chOff x="0" y="0"/>
+          <a:chExt cx="0" cy="0"/>
+        </a:xfrm>
+      </p:grpSpPr>
+    </p:spTree>
+    <p:extLst>
+      <p:ext uri="{BB962C8B-B14F-4D97-AF65-F5344CB8AC3E}">
+        <p14:creationId xmlns:p14="http://schemas.microsoft.com/office/powerpoint/2010/main" val="1189626705"/>
+      </p:ext>
+    </p:extLst>
+  </p:cSld>
+  <p:clrMapOvr>
+    <a:masterClrMapping/>
+  </p:clrMapOvr>
+</p:sld>
+</file>
+
+<file path=ppt/slides/slide12.xml><?xml version="1.0" encoding="utf-8"?>
+<p:sld xmlns:a="http://schemas.openxmlformats.org/drawingml/2006/main" xmlns:r="http://schemas.openxmlformats.org/officeDocument/2006/relationships" xmlns:p="http://schemas.openxmlformats.org/presentationml/2006/main">
+  <p:cSld>
+    <p:spTree>
+      <p:nvGrpSpPr>
+        <p:cNvPr id="1" name=""/>
+        <p:cNvGrpSpPr/>
+        <p:nvPr/>
+      </p:nvGrpSpPr>
+      <p:grpSpPr>
+        <a:xfrm>
+          <a:off x="0" y="0"/>
+          <a:ext cx="0" cy="0"/>
+          <a:chOff x="0" y="0"/>
+          <a:chExt cx="0" cy="0"/>
+        </a:xfrm>
+      </p:grpSpPr>
+    </p:spTree>
+    <p:extLst>
+      <p:ext uri="{BB962C8B-B14F-4D97-AF65-F5344CB8AC3E}">
+        <p14:creationId xmlns:p14="http://schemas.microsoft.com/office/powerpoint/2010/main" val="529159839"/>
+      </p:ext>
+    </p:extLst>
+  </p:cSld>
+  <p:clrMapOvr>
+    <a:masterClrMapping/>
+  </p:clrMapOvr>
+</p:sld>
+</file>
+
+<file path=ppt/slides/slide13.xml><?xml version="1.0" encoding="utf-8"?>
+<p:sld xmlns:a="http://schemas.openxmlformats.org/drawingml/2006/main" xmlns:r="http://schemas.openxmlformats.org/officeDocument/2006/relationships" xmlns:p="http://schemas.openxmlformats.org/presentationml/2006/main">
+  <p:cSld>
+    <p:spTree>
+      <p:nvGrpSpPr>
+        <p:cNvPr id="1" name=""/>
+        <p:cNvGrpSpPr/>
+        <p:nvPr/>
+      </p:nvGrpSpPr>
+      <p:grpSpPr>
+        <a:xfrm>
+          <a:off x="0" y="0"/>
+          <a:ext cx="0" cy="0"/>
+          <a:chOff x="0" y="0"/>
+          <a:chExt cx="0" cy="0"/>
+        </a:xfrm>
+      </p:grpSpPr>
+    </p:spTree>
+    <p:extLst>
+      <p:ext uri="{BB962C8B-B14F-4D97-AF65-F5344CB8AC3E}">
+        <p14:creationId xmlns:p14="http://schemas.microsoft.com/office/powerpoint/2010/main" val="295316050"/>
+      </p:ext>
+    </p:extLst>
+  </p:cSld>
+  <p:clrMapOvr>
+    <a:masterClrMapping/>
+  </p:clrMapOvr>
+</p:sld>
+</file>
+
+<file path=ppt/slides/slide14.xml><?xml version="1.0" encoding="utf-8"?>
+<p:sld xmlns:a="http://schemas.openxmlformats.org/drawingml/2006/main" xmlns:r="http://schemas.openxmlformats.org/officeDocument/2006/relationships" xmlns:p="http://schemas.openxmlformats.org/presentationml/2006/main">
+  <p:cSld>
+    <p:spTree>
+      <p:nvGrpSpPr>
+        <p:cNvPr id="1" name=""/>
+        <p:cNvGrpSpPr/>
+        <p:nvPr/>
+      </p:nvGrpSpPr>
+      <p:grpSpPr>
+        <a:xfrm>
+          <a:off x="0" y="0"/>
+          <a:ext cx="0" cy="0"/>
+          <a:chOff x="0" y="0"/>
+          <a:chExt cx="0" cy="0"/>
+        </a:xfrm>
+      </p:grpSpPr>
+    </p:spTree>
+    <p:extLst>
+      <p:ext uri="{BB962C8B-B14F-4D97-AF65-F5344CB8AC3E}">
+        <p14:creationId xmlns:p14="http://schemas.microsoft.com/office/powerpoint/2010/main" val="4237705549"/>
+      </p:ext>
+    </p:extLst>
+  </p:cSld>
+  <p:clrMapOvr>
+    <a:masterClrMapping/>
+  </p:clrMapOvr>
+</p:sld>
+</file>
+
+<file path=ppt/slides/slide15.xml><?xml version="1.0" encoding="utf-8"?>
+<p:sld xmlns:a="http://schemas.openxmlformats.org/drawingml/2006/main" xmlns:r="http://schemas.openxmlformats.org/officeDocument/2006/relationships" xmlns:p="http://schemas.openxmlformats.org/presentationml/2006/main">
+  <p:cSld>
+    <p:spTree>
+      <p:nvGrpSpPr>
+        <p:cNvPr id="1" name=""/>
+        <p:cNvGrpSpPr/>
+        <p:nvPr/>
+      </p:nvGrpSpPr>
+      <p:grpSpPr>
+        <a:xfrm>
+          <a:off x="0" y="0"/>
+          <a:ext cx="0" cy="0"/>
+          <a:chOff x="0" y="0"/>
+          <a:chExt cx="0" cy="0"/>
+        </a:xfrm>
+      </p:grpSpPr>
+    </p:spTree>
+    <p:extLst>
+      <p:ext uri="{BB962C8B-B14F-4D97-AF65-F5344CB8AC3E}">
+        <p14:creationId xmlns:p14="http://schemas.microsoft.com/office/powerpoint/2010/main" val="3213978015"/>
+      </p:ext>
+    </p:extLst>
+  </p:cSld>
+  <p:clrMapOvr>
+    <a:masterClrMapping/>
+  </p:clrMapOvr>
+</p:sld>
+</file>
+
+<file path=ppt/slides/slide16.xml><?xml version="1.0" encoding="utf-8"?>
+<p:sld xmlns:a="http://schemas.openxmlformats.org/drawingml/2006/main" xmlns:r="http://schemas.openxmlformats.org/officeDocument/2006/relationships" xmlns:p="http://schemas.openxmlformats.org/presentationml/2006/main">
+  <p:cSld>
+    <p:spTree>
+      <p:nvGrpSpPr>
+        <p:cNvPr id="1" name=""/>
+        <p:cNvGrpSpPr/>
+        <p:nvPr/>
+      </p:nvGrpSpPr>
+      <p:grpSpPr>
+        <a:xfrm>
+          <a:off x="0" y="0"/>
+          <a:ext cx="0" cy="0"/>
+          <a:chOff x="0" y="0"/>
+          <a:chExt cx="0" cy="0"/>
+        </a:xfrm>
+      </p:grpSpPr>
+    </p:spTree>
+    <p:extLst>
+      <p:ext uri="{BB962C8B-B14F-4D97-AF65-F5344CB8AC3E}">
+        <p14:creationId xmlns:p14="http://schemas.microsoft.com/office/powerpoint/2010/main" val="1610620738"/>
+      </p:ext>
+    </p:extLst>
+  </p:cSld>
+  <p:clrMapOvr>
+    <a:masterClrMapping/>
+  </p:clrMapOvr>
+</p:sld>
+</file>
+
+<file path=ppt/slides/slide17.xml><?xml version="1.0" encoding="utf-8"?>
+<p:sld xmlns:a="http://schemas.openxmlformats.org/drawingml/2006/main" xmlns:r="http://schemas.openxmlformats.org/officeDocument/2006/relationships" xmlns:p="http://schemas.openxmlformats.org/presentationml/2006/main">
+  <p:cSld>
+    <p:spTree>
+      <p:nvGrpSpPr>
+        <p:cNvPr id="1" name=""/>
+        <p:cNvGrpSpPr/>
+        <p:nvPr/>
+      </p:nvGrpSpPr>
+      <p:grpSpPr>
+        <a:xfrm>
+          <a:off x="0" y="0"/>
+          <a:ext cx="0" cy="0"/>
+          <a:chOff x="0" y="0"/>
+          <a:chExt cx="0" cy="0"/>
+        </a:xfrm>
+      </p:grpSpPr>
+    </p:spTree>
+    <p:extLst>
+      <p:ext uri="{BB962C8B-B14F-4D97-AF65-F5344CB8AC3E}">
+        <p14:creationId xmlns:p14="http://schemas.microsoft.com/office/powerpoint/2010/main" val="4084446358"/>
+      </p:ext>
+    </p:extLst>
+  </p:cSld>
+  <p:clrMapOvr>
+    <a:masterClrMapping/>
+  </p:clrMapOvr>
+</p:sld>
+</file>
+
+<file path=ppt/slides/slide18.xml><?xml version="1.0" encoding="utf-8"?>
+<p:sld xmlns:a="http://schemas.openxmlformats.org/drawingml/2006/main" xmlns:r="http://schemas.openxmlformats.org/officeDocument/2006/relationships" xmlns:p="http://schemas.openxmlformats.org/presentationml/2006/main">
+  <p:cSld>
+    <p:spTree>
+      <p:nvGrpSpPr>
+        <p:cNvPr id="1" name=""/>
+        <p:cNvGrpSpPr/>
+        <p:nvPr/>
+      </p:nvGrpSpPr>
+      <p:grpSpPr>
+        <a:xfrm>
+          <a:off x="0" y="0"/>
+          <a:ext cx="0" cy="0"/>
+          <a:chOff x="0" y="0"/>
+          <a:chExt cx="0" cy="0"/>
+        </a:xfrm>
+      </p:grpSpPr>
+    </p:spTree>
+    <p:extLst>
+      <p:ext uri="{BB962C8B-B14F-4D97-AF65-F5344CB8AC3E}">
+        <p14:creationId xmlns:p14="http://schemas.microsoft.com/office/powerpoint/2010/main" val="2644806133"/>
+      </p:ext>
+    </p:extLst>
+  </p:cSld>
+  <p:clrMapOvr>
+    <a:masterClrMapping/>
+  </p:clrMapOvr>
+</p:sld>
+</file>
+
+<file path=ppt/slides/slide19.xml><?xml version="1.0" encoding="utf-8"?>
+<p:sld xmlns:a="http://schemas.openxmlformats.org/drawingml/2006/main" xmlns:r="http://schemas.openxmlformats.org/officeDocument/2006/relationships" xmlns:p="http://schemas.openxmlformats.org/presentationml/2006/main">
+  <p:cSld>
+    <p:spTree>
+      <p:nvGrpSpPr>
+        <p:cNvPr id="1" name=""/>
+        <p:cNvGrpSpPr/>
+        <p:nvPr/>
+      </p:nvGrpSpPr>
+      <p:grpSpPr>
+        <a:xfrm>
+          <a:off x="0" y="0"/>
+          <a:ext cx="0" cy="0"/>
+          <a:chOff x="0" y="0"/>
+          <a:chExt cx="0" cy="0"/>
+        </a:xfrm>
+      </p:grpSpPr>
+    </p:spTree>
+    <p:extLst>
+      <p:ext uri="{BB962C8B-B14F-4D97-AF65-F5344CB8AC3E}">
+        <p14:creationId xmlns:p14="http://schemas.microsoft.com/office/powerpoint/2010/main" val="151206117"/>
+      </p:ext>
+    </p:extLst>
+  </p:cSld>
+  <p:clrMapOvr>
+    <a:masterClrMapping/>
+  </p:clrMapOvr>
+</p:sld>
+</file>
+
+<file path=ppt/slides/slide2.xml><?xml version="1.0" encoding="utf-8"?>
+<p:sld xmlns:a="http://schemas.openxmlformats.org/drawingml/2006/main" xmlns:r="http://schemas.openxmlformats.org/officeDocument/2006/relationships" xmlns:p="http://schemas.openxmlformats.org/presentationml/2006/main">
+  <p:cSld>
+    <p:spTree>
+      <p:nvGrpSpPr>
+        <p:cNvPr id="1" name=""/>
+        <p:cNvGrpSpPr/>
+        <p:nvPr/>
+      </p:nvGrpSpPr>
+      <p:grpSpPr>
+        <a:xfrm>
+          <a:off x="0" y="0"/>
+          <a:ext cx="0" cy="0"/>
+          <a:chOff x="0" y="0"/>
+          <a:chExt cx="0" cy="0"/>
+        </a:xfrm>
+      </p:grpSpPr>
       <p:sp>
         <p:nvSpPr>
           <p:cNvPr id="4" name="TextBox 3">
@@ -3752,247 +4184,7 @@
 </p:sld>
 </file>
 
-<file path=ppt/slides/slide10.xml><?xml version="1.0" encoding="utf-8"?>
-<p:sld xmlns:a="http://schemas.openxmlformats.org/drawingml/2006/main" xmlns:r="http://schemas.openxmlformats.org/officeDocument/2006/relationships" xmlns:p="http://schemas.openxmlformats.org/presentationml/2006/main">
-  <p:cSld>
-    <p:spTree>
-      <p:nvGrpSpPr>
-        <p:cNvPr id="1" name=""/>
-        <p:cNvGrpSpPr/>
-        <p:nvPr/>
-      </p:nvGrpSpPr>
-      <p:grpSpPr>
-        <a:xfrm>
-          <a:off x="0" y="0"/>
-          <a:ext cx="0" cy="0"/>
-          <a:chOff x="0" y="0"/>
-          <a:chExt cx="0" cy="0"/>
-        </a:xfrm>
-      </p:grpSpPr>
-    </p:spTree>
-    <p:extLst>
-      <p:ext uri="{BB962C8B-B14F-4D97-AF65-F5344CB8AC3E}">
-        <p14:creationId xmlns:p14="http://schemas.microsoft.com/office/powerpoint/2010/main" val="529159839"/>
-      </p:ext>
-    </p:extLst>
-  </p:cSld>
-  <p:clrMapOvr>
-    <a:masterClrMapping/>
-  </p:clrMapOvr>
-</p:sld>
-</file>
-
-<file path=ppt/slides/slide11.xml><?xml version="1.0" encoding="utf-8"?>
-<p:sld xmlns:a="http://schemas.openxmlformats.org/drawingml/2006/main" xmlns:r="http://schemas.openxmlformats.org/officeDocument/2006/relationships" xmlns:p="http://schemas.openxmlformats.org/presentationml/2006/main">
-  <p:cSld>
-    <p:spTree>
-      <p:nvGrpSpPr>
-        <p:cNvPr id="1" name=""/>
-        <p:cNvGrpSpPr/>
-        <p:nvPr/>
-      </p:nvGrpSpPr>
-      <p:grpSpPr>
-        <a:xfrm>
-          <a:off x="0" y="0"/>
-          <a:ext cx="0" cy="0"/>
-          <a:chOff x="0" y="0"/>
-          <a:chExt cx="0" cy="0"/>
-        </a:xfrm>
-      </p:grpSpPr>
-    </p:spTree>
-    <p:extLst>
-      <p:ext uri="{BB962C8B-B14F-4D97-AF65-F5344CB8AC3E}">
-        <p14:creationId xmlns:p14="http://schemas.microsoft.com/office/powerpoint/2010/main" val="295316050"/>
-      </p:ext>
-    </p:extLst>
-  </p:cSld>
-  <p:clrMapOvr>
-    <a:masterClrMapping/>
-  </p:clrMapOvr>
-</p:sld>
-</file>
-
-<file path=ppt/slides/slide12.xml><?xml version="1.0" encoding="utf-8"?>
-<p:sld xmlns:a="http://schemas.openxmlformats.org/drawingml/2006/main" xmlns:r="http://schemas.openxmlformats.org/officeDocument/2006/relationships" xmlns:p="http://schemas.openxmlformats.org/presentationml/2006/main">
-  <p:cSld>
-    <p:spTree>
-      <p:nvGrpSpPr>
-        <p:cNvPr id="1" name=""/>
-        <p:cNvGrpSpPr/>
-        <p:nvPr/>
-      </p:nvGrpSpPr>
-      <p:grpSpPr>
-        <a:xfrm>
-          <a:off x="0" y="0"/>
-          <a:ext cx="0" cy="0"/>
-          <a:chOff x="0" y="0"/>
-          <a:chExt cx="0" cy="0"/>
-        </a:xfrm>
-      </p:grpSpPr>
-    </p:spTree>
-    <p:extLst>
-      <p:ext uri="{BB962C8B-B14F-4D97-AF65-F5344CB8AC3E}">
-        <p14:creationId xmlns:p14="http://schemas.microsoft.com/office/powerpoint/2010/main" val="4237705549"/>
-      </p:ext>
-    </p:extLst>
-  </p:cSld>
-  <p:clrMapOvr>
-    <a:masterClrMapping/>
-  </p:clrMapOvr>
-</p:sld>
-</file>
-
-<file path=ppt/slides/slide13.xml><?xml version="1.0" encoding="utf-8"?>
-<p:sld xmlns:a="http://schemas.openxmlformats.org/drawingml/2006/main" xmlns:r="http://schemas.openxmlformats.org/officeDocument/2006/relationships" xmlns:p="http://schemas.openxmlformats.org/presentationml/2006/main">
-  <p:cSld>
-    <p:spTree>
-      <p:nvGrpSpPr>
-        <p:cNvPr id="1" name=""/>
-        <p:cNvGrpSpPr/>
-        <p:nvPr/>
-      </p:nvGrpSpPr>
-      <p:grpSpPr>
-        <a:xfrm>
-          <a:off x="0" y="0"/>
-          <a:ext cx="0" cy="0"/>
-          <a:chOff x="0" y="0"/>
-          <a:chExt cx="0" cy="0"/>
-        </a:xfrm>
-      </p:grpSpPr>
-    </p:spTree>
-    <p:extLst>
-      <p:ext uri="{BB962C8B-B14F-4D97-AF65-F5344CB8AC3E}">
-        <p14:creationId xmlns:p14="http://schemas.microsoft.com/office/powerpoint/2010/main" val="3213978015"/>
-      </p:ext>
-    </p:extLst>
-  </p:cSld>
-  <p:clrMapOvr>
-    <a:masterClrMapping/>
-  </p:clrMapOvr>
-</p:sld>
-</file>
-
-<file path=ppt/slides/slide14.xml><?xml version="1.0" encoding="utf-8"?>
-<p:sld xmlns:a="http://schemas.openxmlformats.org/drawingml/2006/main" xmlns:r="http://schemas.openxmlformats.org/officeDocument/2006/relationships" xmlns:p="http://schemas.openxmlformats.org/presentationml/2006/main">
-  <p:cSld>
-    <p:spTree>
-      <p:nvGrpSpPr>
-        <p:cNvPr id="1" name=""/>
-        <p:cNvGrpSpPr/>
-        <p:nvPr/>
-      </p:nvGrpSpPr>
-      <p:grpSpPr>
-        <a:xfrm>
-          <a:off x="0" y="0"/>
-          <a:ext cx="0" cy="0"/>
-          <a:chOff x="0" y="0"/>
-          <a:chExt cx="0" cy="0"/>
-        </a:xfrm>
-      </p:grpSpPr>
-    </p:spTree>
-    <p:extLst>
-      <p:ext uri="{BB962C8B-B14F-4D97-AF65-F5344CB8AC3E}">
-        <p14:creationId xmlns:p14="http://schemas.microsoft.com/office/powerpoint/2010/main" val="1610620738"/>
-      </p:ext>
-    </p:extLst>
-  </p:cSld>
-  <p:clrMapOvr>
-    <a:masterClrMapping/>
-  </p:clrMapOvr>
-</p:sld>
-</file>
-
-<file path=ppt/slides/slide15.xml><?xml version="1.0" encoding="utf-8"?>
-<p:sld xmlns:a="http://schemas.openxmlformats.org/drawingml/2006/main" xmlns:r="http://schemas.openxmlformats.org/officeDocument/2006/relationships" xmlns:p="http://schemas.openxmlformats.org/presentationml/2006/main">
-  <p:cSld>
-    <p:spTree>
-      <p:nvGrpSpPr>
-        <p:cNvPr id="1" name=""/>
-        <p:cNvGrpSpPr/>
-        <p:nvPr/>
-      </p:nvGrpSpPr>
-      <p:grpSpPr>
-        <a:xfrm>
-          <a:off x="0" y="0"/>
-          <a:ext cx="0" cy="0"/>
-          <a:chOff x="0" y="0"/>
-          <a:chExt cx="0" cy="0"/>
-        </a:xfrm>
-      </p:grpSpPr>
-    </p:spTree>
-    <p:extLst>
-      <p:ext uri="{BB962C8B-B14F-4D97-AF65-F5344CB8AC3E}">
-        <p14:creationId xmlns:p14="http://schemas.microsoft.com/office/powerpoint/2010/main" val="4084446358"/>
-      </p:ext>
-    </p:extLst>
-  </p:cSld>
-  <p:clrMapOvr>
-    <a:masterClrMapping/>
-  </p:clrMapOvr>
-</p:sld>
-</file>
-
-<file path=ppt/slides/slide16.xml><?xml version="1.0" encoding="utf-8"?>
-<p:sld xmlns:a="http://schemas.openxmlformats.org/drawingml/2006/main" xmlns:r="http://schemas.openxmlformats.org/officeDocument/2006/relationships" xmlns:p="http://schemas.openxmlformats.org/presentationml/2006/main">
-  <p:cSld>
-    <p:spTree>
-      <p:nvGrpSpPr>
-        <p:cNvPr id="1" name=""/>
-        <p:cNvGrpSpPr/>
-        <p:nvPr/>
-      </p:nvGrpSpPr>
-      <p:grpSpPr>
-        <a:xfrm>
-          <a:off x="0" y="0"/>
-          <a:ext cx="0" cy="0"/>
-          <a:chOff x="0" y="0"/>
-          <a:chExt cx="0" cy="0"/>
-        </a:xfrm>
-      </p:grpSpPr>
-    </p:spTree>
-    <p:extLst>
-      <p:ext uri="{BB962C8B-B14F-4D97-AF65-F5344CB8AC3E}">
-        <p14:creationId xmlns:p14="http://schemas.microsoft.com/office/powerpoint/2010/main" val="2644806133"/>
-      </p:ext>
-    </p:extLst>
-  </p:cSld>
-  <p:clrMapOvr>
-    <a:masterClrMapping/>
-  </p:clrMapOvr>
-</p:sld>
-</file>
-
-<file path=ppt/slides/slide17.xml><?xml version="1.0" encoding="utf-8"?>
-<p:sld xmlns:a="http://schemas.openxmlformats.org/drawingml/2006/main" xmlns:r="http://schemas.openxmlformats.org/officeDocument/2006/relationships" xmlns:p="http://schemas.openxmlformats.org/presentationml/2006/main">
-  <p:cSld>
-    <p:spTree>
-      <p:nvGrpSpPr>
-        <p:cNvPr id="1" name=""/>
-        <p:cNvGrpSpPr/>
-        <p:nvPr/>
-      </p:nvGrpSpPr>
-      <p:grpSpPr>
-        <a:xfrm>
-          <a:off x="0" y="0"/>
-          <a:ext cx="0" cy="0"/>
-          <a:chOff x="0" y="0"/>
-          <a:chExt cx="0" cy="0"/>
-        </a:xfrm>
-      </p:grpSpPr>
-    </p:spTree>
-    <p:extLst>
-      <p:ext uri="{BB962C8B-B14F-4D97-AF65-F5344CB8AC3E}">
-        <p14:creationId xmlns:p14="http://schemas.microsoft.com/office/powerpoint/2010/main" val="151206117"/>
-      </p:ext>
-    </p:extLst>
-  </p:cSld>
-  <p:clrMapOvr>
-    <a:masterClrMapping/>
-  </p:clrMapOvr>
-</p:sld>
-</file>
-
-<file path=ppt/slides/slide18.xml><?xml version="1.0" encoding="utf-8"?>
+<file path=ppt/slides/slide20.xml><?xml version="1.0" encoding="utf-8"?>
 <p:sld xmlns:a="http://schemas.openxmlformats.org/drawingml/2006/main" xmlns:r="http://schemas.openxmlformats.org/officeDocument/2006/relationships" xmlns:p="http://schemas.openxmlformats.org/presentationml/2006/main">
   <p:cSld>
     <p:spTree>
@@ -4022,7 +4214,7 @@
 </p:sld>
 </file>
 
-<file path=ppt/slides/slide19.xml><?xml version="1.0" encoding="utf-8"?>
+<file path=ppt/slides/slide21.xml><?xml version="1.0" encoding="utf-8"?>
 <p:sld xmlns:a="http://schemas.openxmlformats.org/drawingml/2006/main" xmlns:r="http://schemas.openxmlformats.org/officeDocument/2006/relationships" xmlns:p="http://schemas.openxmlformats.org/presentationml/2006/main">
   <p:cSld>
     <p:spTree>
@@ -4052,7 +4244,247 @@
 </p:sld>
 </file>
 
-<file path=ppt/slides/slide2.xml><?xml version="1.0" encoding="utf-8"?>
+<file path=ppt/slides/slide22.xml><?xml version="1.0" encoding="utf-8"?>
+<p:sld xmlns:a="http://schemas.openxmlformats.org/drawingml/2006/main" xmlns:r="http://schemas.openxmlformats.org/officeDocument/2006/relationships" xmlns:p="http://schemas.openxmlformats.org/presentationml/2006/main">
+  <p:cSld>
+    <p:spTree>
+      <p:nvGrpSpPr>
+        <p:cNvPr id="1" name=""/>
+        <p:cNvGrpSpPr/>
+        <p:nvPr/>
+      </p:nvGrpSpPr>
+      <p:grpSpPr>
+        <a:xfrm>
+          <a:off x="0" y="0"/>
+          <a:ext cx="0" cy="0"/>
+          <a:chOff x="0" y="0"/>
+          <a:chExt cx="0" cy="0"/>
+        </a:xfrm>
+      </p:grpSpPr>
+    </p:spTree>
+    <p:extLst>
+      <p:ext uri="{BB962C8B-B14F-4D97-AF65-F5344CB8AC3E}">
+        <p14:creationId xmlns:p14="http://schemas.microsoft.com/office/powerpoint/2010/main" val="199187196"/>
+      </p:ext>
+    </p:extLst>
+  </p:cSld>
+  <p:clrMapOvr>
+    <a:masterClrMapping/>
+  </p:clrMapOvr>
+</p:sld>
+</file>
+
+<file path=ppt/slides/slide23.xml><?xml version="1.0" encoding="utf-8"?>
+<p:sld xmlns:a="http://schemas.openxmlformats.org/drawingml/2006/main" xmlns:r="http://schemas.openxmlformats.org/officeDocument/2006/relationships" xmlns:p="http://schemas.openxmlformats.org/presentationml/2006/main">
+  <p:cSld>
+    <p:spTree>
+      <p:nvGrpSpPr>
+        <p:cNvPr id="1" name=""/>
+        <p:cNvGrpSpPr/>
+        <p:nvPr/>
+      </p:nvGrpSpPr>
+      <p:grpSpPr>
+        <a:xfrm>
+          <a:off x="0" y="0"/>
+          <a:ext cx="0" cy="0"/>
+          <a:chOff x="0" y="0"/>
+          <a:chExt cx="0" cy="0"/>
+        </a:xfrm>
+      </p:grpSpPr>
+    </p:spTree>
+    <p:extLst>
+      <p:ext uri="{BB962C8B-B14F-4D97-AF65-F5344CB8AC3E}">
+        <p14:creationId xmlns:p14="http://schemas.microsoft.com/office/powerpoint/2010/main" val="3190183632"/>
+      </p:ext>
+    </p:extLst>
+  </p:cSld>
+  <p:clrMapOvr>
+    <a:masterClrMapping/>
+  </p:clrMapOvr>
+</p:sld>
+</file>
+
+<file path=ppt/slides/slide24.xml><?xml version="1.0" encoding="utf-8"?>
+<p:sld xmlns:a="http://schemas.openxmlformats.org/drawingml/2006/main" xmlns:r="http://schemas.openxmlformats.org/officeDocument/2006/relationships" xmlns:p="http://schemas.openxmlformats.org/presentationml/2006/main">
+  <p:cSld>
+    <p:spTree>
+      <p:nvGrpSpPr>
+        <p:cNvPr id="1" name=""/>
+        <p:cNvGrpSpPr/>
+        <p:nvPr/>
+      </p:nvGrpSpPr>
+      <p:grpSpPr>
+        <a:xfrm>
+          <a:off x="0" y="0"/>
+          <a:ext cx="0" cy="0"/>
+          <a:chOff x="0" y="0"/>
+          <a:chExt cx="0" cy="0"/>
+        </a:xfrm>
+      </p:grpSpPr>
+    </p:spTree>
+    <p:extLst>
+      <p:ext uri="{BB962C8B-B14F-4D97-AF65-F5344CB8AC3E}">
+        <p14:creationId xmlns:p14="http://schemas.microsoft.com/office/powerpoint/2010/main" val="834572466"/>
+      </p:ext>
+    </p:extLst>
+  </p:cSld>
+  <p:clrMapOvr>
+    <a:masterClrMapping/>
+  </p:clrMapOvr>
+</p:sld>
+</file>
+
+<file path=ppt/slides/slide25.xml><?xml version="1.0" encoding="utf-8"?>
+<p:sld xmlns:a="http://schemas.openxmlformats.org/drawingml/2006/main" xmlns:r="http://schemas.openxmlformats.org/officeDocument/2006/relationships" xmlns:p="http://schemas.openxmlformats.org/presentationml/2006/main">
+  <p:cSld>
+    <p:spTree>
+      <p:nvGrpSpPr>
+        <p:cNvPr id="1" name=""/>
+        <p:cNvGrpSpPr/>
+        <p:nvPr/>
+      </p:nvGrpSpPr>
+      <p:grpSpPr>
+        <a:xfrm>
+          <a:off x="0" y="0"/>
+          <a:ext cx="0" cy="0"/>
+          <a:chOff x="0" y="0"/>
+          <a:chExt cx="0" cy="0"/>
+        </a:xfrm>
+      </p:grpSpPr>
+    </p:spTree>
+    <p:extLst>
+      <p:ext uri="{BB962C8B-B14F-4D97-AF65-F5344CB8AC3E}">
+        <p14:creationId xmlns:p14="http://schemas.microsoft.com/office/powerpoint/2010/main" val="2601849171"/>
+      </p:ext>
+    </p:extLst>
+  </p:cSld>
+  <p:clrMapOvr>
+    <a:masterClrMapping/>
+  </p:clrMapOvr>
+</p:sld>
+</file>
+
+<file path=ppt/slides/slide26.xml><?xml version="1.0" encoding="utf-8"?>
+<p:sld xmlns:a="http://schemas.openxmlformats.org/drawingml/2006/main" xmlns:r="http://schemas.openxmlformats.org/officeDocument/2006/relationships" xmlns:p="http://schemas.openxmlformats.org/presentationml/2006/main">
+  <p:cSld>
+    <p:spTree>
+      <p:nvGrpSpPr>
+        <p:cNvPr id="1" name=""/>
+        <p:cNvGrpSpPr/>
+        <p:nvPr/>
+      </p:nvGrpSpPr>
+      <p:grpSpPr>
+        <a:xfrm>
+          <a:off x="0" y="0"/>
+          <a:ext cx="0" cy="0"/>
+          <a:chOff x="0" y="0"/>
+          <a:chExt cx="0" cy="0"/>
+        </a:xfrm>
+      </p:grpSpPr>
+    </p:spTree>
+    <p:extLst>
+      <p:ext uri="{BB962C8B-B14F-4D97-AF65-F5344CB8AC3E}">
+        <p14:creationId xmlns:p14="http://schemas.microsoft.com/office/powerpoint/2010/main" val="727324881"/>
+      </p:ext>
+    </p:extLst>
+  </p:cSld>
+  <p:clrMapOvr>
+    <a:masterClrMapping/>
+  </p:clrMapOvr>
+</p:sld>
+</file>
+
+<file path=ppt/slides/slide27.xml><?xml version="1.0" encoding="utf-8"?>
+<p:sld xmlns:a="http://schemas.openxmlformats.org/drawingml/2006/main" xmlns:r="http://schemas.openxmlformats.org/officeDocument/2006/relationships" xmlns:p="http://schemas.openxmlformats.org/presentationml/2006/main">
+  <p:cSld>
+    <p:spTree>
+      <p:nvGrpSpPr>
+        <p:cNvPr id="1" name=""/>
+        <p:cNvGrpSpPr/>
+        <p:nvPr/>
+      </p:nvGrpSpPr>
+      <p:grpSpPr>
+        <a:xfrm>
+          <a:off x="0" y="0"/>
+          <a:ext cx="0" cy="0"/>
+          <a:chOff x="0" y="0"/>
+          <a:chExt cx="0" cy="0"/>
+        </a:xfrm>
+      </p:grpSpPr>
+    </p:spTree>
+    <p:extLst>
+      <p:ext uri="{BB962C8B-B14F-4D97-AF65-F5344CB8AC3E}">
+        <p14:creationId xmlns:p14="http://schemas.microsoft.com/office/powerpoint/2010/main" val="708296840"/>
+      </p:ext>
+    </p:extLst>
+  </p:cSld>
+  <p:clrMapOvr>
+    <a:masterClrMapping/>
+  </p:clrMapOvr>
+</p:sld>
+</file>
+
+<file path=ppt/slides/slide28.xml><?xml version="1.0" encoding="utf-8"?>
+<p:sld xmlns:a="http://schemas.openxmlformats.org/drawingml/2006/main" xmlns:r="http://schemas.openxmlformats.org/officeDocument/2006/relationships" xmlns:p="http://schemas.openxmlformats.org/presentationml/2006/main">
+  <p:cSld>
+    <p:spTree>
+      <p:nvGrpSpPr>
+        <p:cNvPr id="1" name=""/>
+        <p:cNvGrpSpPr/>
+        <p:nvPr/>
+      </p:nvGrpSpPr>
+      <p:grpSpPr>
+        <a:xfrm>
+          <a:off x="0" y="0"/>
+          <a:ext cx="0" cy="0"/>
+          <a:chOff x="0" y="0"/>
+          <a:chExt cx="0" cy="0"/>
+        </a:xfrm>
+      </p:grpSpPr>
+    </p:spTree>
+    <p:extLst>
+      <p:ext uri="{BB962C8B-B14F-4D97-AF65-F5344CB8AC3E}">
+        <p14:creationId xmlns:p14="http://schemas.microsoft.com/office/powerpoint/2010/main" val="425710028"/>
+      </p:ext>
+    </p:extLst>
+  </p:cSld>
+  <p:clrMapOvr>
+    <a:masterClrMapping/>
+  </p:clrMapOvr>
+</p:sld>
+</file>
+
+<file path=ppt/slides/slide29.xml><?xml version="1.0" encoding="utf-8"?>
+<p:sld xmlns:a="http://schemas.openxmlformats.org/drawingml/2006/main" xmlns:r="http://schemas.openxmlformats.org/officeDocument/2006/relationships" xmlns:p="http://schemas.openxmlformats.org/presentationml/2006/main">
+  <p:cSld>
+    <p:spTree>
+      <p:nvGrpSpPr>
+        <p:cNvPr id="1" name=""/>
+        <p:cNvGrpSpPr/>
+        <p:nvPr/>
+      </p:nvGrpSpPr>
+      <p:grpSpPr>
+        <a:xfrm>
+          <a:off x="0" y="0"/>
+          <a:ext cx="0" cy="0"/>
+          <a:chOff x="0" y="0"/>
+          <a:chExt cx="0" cy="0"/>
+        </a:xfrm>
+      </p:grpSpPr>
+    </p:spTree>
+    <p:extLst>
+      <p:ext uri="{BB962C8B-B14F-4D97-AF65-F5344CB8AC3E}">
+        <p14:creationId xmlns:p14="http://schemas.microsoft.com/office/powerpoint/2010/main" val="528639064"/>
+      </p:ext>
+    </p:extLst>
+  </p:cSld>
+  <p:clrMapOvr>
+    <a:masterClrMapping/>
+  </p:clrMapOvr>
+</p:sld>
+</file>
+
+<file path=ppt/slides/slide3.xml><?xml version="1.0" encoding="utf-8"?>
 <p:sld xmlns:a="http://schemas.openxmlformats.org/drawingml/2006/main" xmlns:r="http://schemas.openxmlformats.org/officeDocument/2006/relationships" xmlns:p="http://schemas.openxmlformats.org/presentationml/2006/main">
   <p:cSld>
     <p:spTree>
@@ -4396,247 +4828,7 @@
 </p:sld>
 </file>
 
-<file path=ppt/slides/slide20.xml><?xml version="1.0" encoding="utf-8"?>
-<p:sld xmlns:a="http://schemas.openxmlformats.org/drawingml/2006/main" xmlns:r="http://schemas.openxmlformats.org/officeDocument/2006/relationships" xmlns:p="http://schemas.openxmlformats.org/presentationml/2006/main">
-  <p:cSld>
-    <p:spTree>
-      <p:nvGrpSpPr>
-        <p:cNvPr id="1" name=""/>
-        <p:cNvGrpSpPr/>
-        <p:nvPr/>
-      </p:nvGrpSpPr>
-      <p:grpSpPr>
-        <a:xfrm>
-          <a:off x="0" y="0"/>
-          <a:ext cx="0" cy="0"/>
-          <a:chOff x="0" y="0"/>
-          <a:chExt cx="0" cy="0"/>
-        </a:xfrm>
-      </p:grpSpPr>
-    </p:spTree>
-    <p:extLst>
-      <p:ext uri="{BB962C8B-B14F-4D97-AF65-F5344CB8AC3E}">
-        <p14:creationId xmlns:p14="http://schemas.microsoft.com/office/powerpoint/2010/main" val="199187196"/>
-      </p:ext>
-    </p:extLst>
-  </p:cSld>
-  <p:clrMapOvr>
-    <a:masterClrMapping/>
-  </p:clrMapOvr>
-</p:sld>
-</file>
-
-<file path=ppt/slides/slide21.xml><?xml version="1.0" encoding="utf-8"?>
-<p:sld xmlns:a="http://schemas.openxmlformats.org/drawingml/2006/main" xmlns:r="http://schemas.openxmlformats.org/officeDocument/2006/relationships" xmlns:p="http://schemas.openxmlformats.org/presentationml/2006/main">
-  <p:cSld>
-    <p:spTree>
-      <p:nvGrpSpPr>
-        <p:cNvPr id="1" name=""/>
-        <p:cNvGrpSpPr/>
-        <p:nvPr/>
-      </p:nvGrpSpPr>
-      <p:grpSpPr>
-        <a:xfrm>
-          <a:off x="0" y="0"/>
-          <a:ext cx="0" cy="0"/>
-          <a:chOff x="0" y="0"/>
-          <a:chExt cx="0" cy="0"/>
-        </a:xfrm>
-      </p:grpSpPr>
-    </p:spTree>
-    <p:extLst>
-      <p:ext uri="{BB962C8B-B14F-4D97-AF65-F5344CB8AC3E}">
-        <p14:creationId xmlns:p14="http://schemas.microsoft.com/office/powerpoint/2010/main" val="3190183632"/>
-      </p:ext>
-    </p:extLst>
-  </p:cSld>
-  <p:clrMapOvr>
-    <a:masterClrMapping/>
-  </p:clrMapOvr>
-</p:sld>
-</file>
-
-<file path=ppt/slides/slide22.xml><?xml version="1.0" encoding="utf-8"?>
-<p:sld xmlns:a="http://schemas.openxmlformats.org/drawingml/2006/main" xmlns:r="http://schemas.openxmlformats.org/officeDocument/2006/relationships" xmlns:p="http://schemas.openxmlformats.org/presentationml/2006/main">
-  <p:cSld>
-    <p:spTree>
-      <p:nvGrpSpPr>
-        <p:cNvPr id="1" name=""/>
-        <p:cNvGrpSpPr/>
-        <p:nvPr/>
-      </p:nvGrpSpPr>
-      <p:grpSpPr>
-        <a:xfrm>
-          <a:off x="0" y="0"/>
-          <a:ext cx="0" cy="0"/>
-          <a:chOff x="0" y="0"/>
-          <a:chExt cx="0" cy="0"/>
-        </a:xfrm>
-      </p:grpSpPr>
-    </p:spTree>
-    <p:extLst>
-      <p:ext uri="{BB962C8B-B14F-4D97-AF65-F5344CB8AC3E}">
-        <p14:creationId xmlns:p14="http://schemas.microsoft.com/office/powerpoint/2010/main" val="834572466"/>
-      </p:ext>
-    </p:extLst>
-  </p:cSld>
-  <p:clrMapOvr>
-    <a:masterClrMapping/>
-  </p:clrMapOvr>
-</p:sld>
-</file>
-
-<file path=ppt/slides/slide23.xml><?xml version="1.0" encoding="utf-8"?>
-<p:sld xmlns:a="http://schemas.openxmlformats.org/drawingml/2006/main" xmlns:r="http://schemas.openxmlformats.org/officeDocument/2006/relationships" xmlns:p="http://schemas.openxmlformats.org/presentationml/2006/main">
-  <p:cSld>
-    <p:spTree>
-      <p:nvGrpSpPr>
-        <p:cNvPr id="1" name=""/>
-        <p:cNvGrpSpPr/>
-        <p:nvPr/>
-      </p:nvGrpSpPr>
-      <p:grpSpPr>
-        <a:xfrm>
-          <a:off x="0" y="0"/>
-          <a:ext cx="0" cy="0"/>
-          <a:chOff x="0" y="0"/>
-          <a:chExt cx="0" cy="0"/>
-        </a:xfrm>
-      </p:grpSpPr>
-    </p:spTree>
-    <p:extLst>
-      <p:ext uri="{BB962C8B-B14F-4D97-AF65-F5344CB8AC3E}">
-        <p14:creationId xmlns:p14="http://schemas.microsoft.com/office/powerpoint/2010/main" val="2601849171"/>
-      </p:ext>
-    </p:extLst>
-  </p:cSld>
-  <p:clrMapOvr>
-    <a:masterClrMapping/>
-  </p:clrMapOvr>
-</p:sld>
-</file>
-
-<file path=ppt/slides/slide24.xml><?xml version="1.0" encoding="utf-8"?>
-<p:sld xmlns:a="http://schemas.openxmlformats.org/drawingml/2006/main" xmlns:r="http://schemas.openxmlformats.org/officeDocument/2006/relationships" xmlns:p="http://schemas.openxmlformats.org/presentationml/2006/main">
-  <p:cSld>
-    <p:spTree>
-      <p:nvGrpSpPr>
-        <p:cNvPr id="1" name=""/>
-        <p:cNvGrpSpPr/>
-        <p:nvPr/>
-      </p:nvGrpSpPr>
-      <p:grpSpPr>
-        <a:xfrm>
-          <a:off x="0" y="0"/>
-          <a:ext cx="0" cy="0"/>
-          <a:chOff x="0" y="0"/>
-          <a:chExt cx="0" cy="0"/>
-        </a:xfrm>
-      </p:grpSpPr>
-    </p:spTree>
-    <p:extLst>
-      <p:ext uri="{BB962C8B-B14F-4D97-AF65-F5344CB8AC3E}">
-        <p14:creationId xmlns:p14="http://schemas.microsoft.com/office/powerpoint/2010/main" val="727324881"/>
-      </p:ext>
-    </p:extLst>
-  </p:cSld>
-  <p:clrMapOvr>
-    <a:masterClrMapping/>
-  </p:clrMapOvr>
-</p:sld>
-</file>
-
-<file path=ppt/slides/slide25.xml><?xml version="1.0" encoding="utf-8"?>
-<p:sld xmlns:a="http://schemas.openxmlformats.org/drawingml/2006/main" xmlns:r="http://schemas.openxmlformats.org/officeDocument/2006/relationships" xmlns:p="http://schemas.openxmlformats.org/presentationml/2006/main">
-  <p:cSld>
-    <p:spTree>
-      <p:nvGrpSpPr>
-        <p:cNvPr id="1" name=""/>
-        <p:cNvGrpSpPr/>
-        <p:nvPr/>
-      </p:nvGrpSpPr>
-      <p:grpSpPr>
-        <a:xfrm>
-          <a:off x="0" y="0"/>
-          <a:ext cx="0" cy="0"/>
-          <a:chOff x="0" y="0"/>
-          <a:chExt cx="0" cy="0"/>
-        </a:xfrm>
-      </p:grpSpPr>
-    </p:spTree>
-    <p:extLst>
-      <p:ext uri="{BB962C8B-B14F-4D97-AF65-F5344CB8AC3E}">
-        <p14:creationId xmlns:p14="http://schemas.microsoft.com/office/powerpoint/2010/main" val="708296840"/>
-      </p:ext>
-    </p:extLst>
-  </p:cSld>
-  <p:clrMapOvr>
-    <a:masterClrMapping/>
-  </p:clrMapOvr>
-</p:sld>
-</file>
-
-<file path=ppt/slides/slide26.xml><?xml version="1.0" encoding="utf-8"?>
-<p:sld xmlns:a="http://schemas.openxmlformats.org/drawingml/2006/main" xmlns:r="http://schemas.openxmlformats.org/officeDocument/2006/relationships" xmlns:p="http://schemas.openxmlformats.org/presentationml/2006/main">
-  <p:cSld>
-    <p:spTree>
-      <p:nvGrpSpPr>
-        <p:cNvPr id="1" name=""/>
-        <p:cNvGrpSpPr/>
-        <p:nvPr/>
-      </p:nvGrpSpPr>
-      <p:grpSpPr>
-        <a:xfrm>
-          <a:off x="0" y="0"/>
-          <a:ext cx="0" cy="0"/>
-          <a:chOff x="0" y="0"/>
-          <a:chExt cx="0" cy="0"/>
-        </a:xfrm>
-      </p:grpSpPr>
-    </p:spTree>
-    <p:extLst>
-      <p:ext uri="{BB962C8B-B14F-4D97-AF65-F5344CB8AC3E}">
-        <p14:creationId xmlns:p14="http://schemas.microsoft.com/office/powerpoint/2010/main" val="425710028"/>
-      </p:ext>
-    </p:extLst>
-  </p:cSld>
-  <p:clrMapOvr>
-    <a:masterClrMapping/>
-  </p:clrMapOvr>
-</p:sld>
-</file>
-
-<file path=ppt/slides/slide27.xml><?xml version="1.0" encoding="utf-8"?>
-<p:sld xmlns:a="http://schemas.openxmlformats.org/drawingml/2006/main" xmlns:r="http://schemas.openxmlformats.org/officeDocument/2006/relationships" xmlns:p="http://schemas.openxmlformats.org/presentationml/2006/main">
-  <p:cSld>
-    <p:spTree>
-      <p:nvGrpSpPr>
-        <p:cNvPr id="1" name=""/>
-        <p:cNvGrpSpPr/>
-        <p:nvPr/>
-      </p:nvGrpSpPr>
-      <p:grpSpPr>
-        <a:xfrm>
-          <a:off x="0" y="0"/>
-          <a:ext cx="0" cy="0"/>
-          <a:chOff x="0" y="0"/>
-          <a:chExt cx="0" cy="0"/>
-        </a:xfrm>
-      </p:grpSpPr>
-    </p:spTree>
-    <p:extLst>
-      <p:ext uri="{BB962C8B-B14F-4D97-AF65-F5344CB8AC3E}">
-        <p14:creationId xmlns:p14="http://schemas.microsoft.com/office/powerpoint/2010/main" val="528639064"/>
-      </p:ext>
-    </p:extLst>
-  </p:cSld>
-  <p:clrMapOvr>
-    <a:masterClrMapping/>
-  </p:clrMapOvr>
-</p:sld>
-</file>
-
-<file path=ppt/slides/slide28.xml><?xml version="1.0" encoding="utf-8"?>
+<file path=ppt/slides/slide30.xml><?xml version="1.0" encoding="utf-8"?>
 <p:sld xmlns:a="http://schemas.openxmlformats.org/drawingml/2006/main" xmlns:r="http://schemas.openxmlformats.org/officeDocument/2006/relationships" xmlns:p="http://schemas.openxmlformats.org/presentationml/2006/main">
   <p:cSld>
     <p:spTree>
@@ -4666,7 +4858,7 @@
 </p:sld>
 </file>
 
-<file path=ppt/slides/slide29.xml><?xml version="1.0" encoding="utf-8"?>
+<file path=ppt/slides/slide31.xml><?xml version="1.0" encoding="utf-8"?>
 <p:sld xmlns:a="http://schemas.openxmlformats.org/drawingml/2006/main" xmlns:r="http://schemas.openxmlformats.org/officeDocument/2006/relationships" xmlns:p="http://schemas.openxmlformats.org/presentationml/2006/main">
   <p:cSld>
     <p:spTree>
@@ -4696,23 +4888,667 @@
 </p:sld>
 </file>
 
-<file path=ppt/slides/slide3.xml><?xml version="1.0" encoding="utf-8"?>
-<p:sld xmlns:a="http://schemas.openxmlformats.org/drawingml/2006/main" xmlns:r="http://schemas.openxmlformats.org/officeDocument/2006/relationships" xmlns:p="http://schemas.openxmlformats.org/presentationml/2006/main">
-  <p:cSld>
-    <p:spTree>
-      <p:nvGrpSpPr>
-        <p:cNvPr id="1" name=""/>
-        <p:cNvGrpSpPr/>
-        <p:nvPr/>
-      </p:nvGrpSpPr>
-      <p:grpSpPr>
-        <a:xfrm>
-          <a:off x="0" y="0"/>
-          <a:ext cx="0" cy="0"/>
-          <a:chOff x="0" y="0"/>
-          <a:chExt cx="0" cy="0"/>
-        </a:xfrm>
-      </p:grpSpPr>
+<file path=ppt/slides/slide32.xml><?xml version="1.0" encoding="utf-8"?>
+<p:sld xmlns:a="http://schemas.openxmlformats.org/drawingml/2006/main" xmlns:r="http://schemas.openxmlformats.org/officeDocument/2006/relationships" xmlns:p="http://schemas.openxmlformats.org/presentationml/2006/main">
+  <p:cSld>
+    <p:spTree>
+      <p:nvGrpSpPr>
+        <p:cNvPr id="1" name=""/>
+        <p:cNvGrpSpPr/>
+        <p:nvPr/>
+      </p:nvGrpSpPr>
+      <p:grpSpPr>
+        <a:xfrm>
+          <a:off x="0" y="0"/>
+          <a:ext cx="0" cy="0"/>
+          <a:chOff x="0" y="0"/>
+          <a:chExt cx="0" cy="0"/>
+        </a:xfrm>
+      </p:grpSpPr>
+    </p:spTree>
+    <p:extLst>
+      <p:ext uri="{BB962C8B-B14F-4D97-AF65-F5344CB8AC3E}">
+        <p14:creationId xmlns:p14="http://schemas.microsoft.com/office/powerpoint/2010/main" val="2205348181"/>
+      </p:ext>
+    </p:extLst>
+  </p:cSld>
+  <p:clrMapOvr>
+    <a:masterClrMapping/>
+  </p:clrMapOvr>
+</p:sld>
+</file>
+
+<file path=ppt/slides/slide33.xml><?xml version="1.0" encoding="utf-8"?>
+<p:sld xmlns:a="http://schemas.openxmlformats.org/drawingml/2006/main" xmlns:r="http://schemas.openxmlformats.org/officeDocument/2006/relationships" xmlns:p="http://schemas.openxmlformats.org/presentationml/2006/main">
+  <p:cSld>
+    <p:spTree>
+      <p:nvGrpSpPr>
+        <p:cNvPr id="1" name=""/>
+        <p:cNvGrpSpPr/>
+        <p:nvPr/>
+      </p:nvGrpSpPr>
+      <p:grpSpPr>
+        <a:xfrm>
+          <a:off x="0" y="0"/>
+          <a:ext cx="0" cy="0"/>
+          <a:chOff x="0" y="0"/>
+          <a:chExt cx="0" cy="0"/>
+        </a:xfrm>
+      </p:grpSpPr>
+    </p:spTree>
+    <p:extLst>
+      <p:ext uri="{BB962C8B-B14F-4D97-AF65-F5344CB8AC3E}">
+        <p14:creationId xmlns:p14="http://schemas.microsoft.com/office/powerpoint/2010/main" val="754283026"/>
+      </p:ext>
+    </p:extLst>
+  </p:cSld>
+  <p:clrMapOvr>
+    <a:masterClrMapping/>
+  </p:clrMapOvr>
+</p:sld>
+</file>
+
+<file path=ppt/slides/slide34.xml><?xml version="1.0" encoding="utf-8"?>
+<p:sld xmlns:a="http://schemas.openxmlformats.org/drawingml/2006/main" xmlns:r="http://schemas.openxmlformats.org/officeDocument/2006/relationships" xmlns:p="http://schemas.openxmlformats.org/presentationml/2006/main">
+  <p:cSld>
+    <p:spTree>
+      <p:nvGrpSpPr>
+        <p:cNvPr id="1" name=""/>
+        <p:cNvGrpSpPr/>
+        <p:nvPr/>
+      </p:nvGrpSpPr>
+      <p:grpSpPr>
+        <a:xfrm>
+          <a:off x="0" y="0"/>
+          <a:ext cx="0" cy="0"/>
+          <a:chOff x="0" y="0"/>
+          <a:chExt cx="0" cy="0"/>
+        </a:xfrm>
+      </p:grpSpPr>
+    </p:spTree>
+    <p:extLst>
+      <p:ext uri="{BB962C8B-B14F-4D97-AF65-F5344CB8AC3E}">
+        <p14:creationId xmlns:p14="http://schemas.microsoft.com/office/powerpoint/2010/main" val="1182945993"/>
+      </p:ext>
+    </p:extLst>
+  </p:cSld>
+  <p:clrMapOvr>
+    <a:masterClrMapping/>
+  </p:clrMapOvr>
+</p:sld>
+</file>
+
+<file path=ppt/slides/slide35.xml><?xml version="1.0" encoding="utf-8"?>
+<p:sld xmlns:a="http://schemas.openxmlformats.org/drawingml/2006/main" xmlns:r="http://schemas.openxmlformats.org/officeDocument/2006/relationships" xmlns:p="http://schemas.openxmlformats.org/presentationml/2006/main">
+  <p:cSld>
+    <p:spTree>
+      <p:nvGrpSpPr>
+        <p:cNvPr id="1" name=""/>
+        <p:cNvGrpSpPr/>
+        <p:nvPr/>
+      </p:nvGrpSpPr>
+      <p:grpSpPr>
+        <a:xfrm>
+          <a:off x="0" y="0"/>
+          <a:ext cx="0" cy="0"/>
+          <a:chOff x="0" y="0"/>
+          <a:chExt cx="0" cy="0"/>
+        </a:xfrm>
+      </p:grpSpPr>
+    </p:spTree>
+    <p:extLst>
+      <p:ext uri="{BB962C8B-B14F-4D97-AF65-F5344CB8AC3E}">
+        <p14:creationId xmlns:p14="http://schemas.microsoft.com/office/powerpoint/2010/main" val="3387678938"/>
+      </p:ext>
+    </p:extLst>
+  </p:cSld>
+  <p:clrMapOvr>
+    <a:masterClrMapping/>
+  </p:clrMapOvr>
+</p:sld>
+</file>
+
+<file path=ppt/slides/slide36.xml><?xml version="1.0" encoding="utf-8"?>
+<p:sld xmlns:a="http://schemas.openxmlformats.org/drawingml/2006/main" xmlns:r="http://schemas.openxmlformats.org/officeDocument/2006/relationships" xmlns:p="http://schemas.openxmlformats.org/presentationml/2006/main">
+  <p:cSld>
+    <p:spTree>
+      <p:nvGrpSpPr>
+        <p:cNvPr id="1" name=""/>
+        <p:cNvGrpSpPr/>
+        <p:nvPr/>
+      </p:nvGrpSpPr>
+      <p:grpSpPr>
+        <a:xfrm>
+          <a:off x="0" y="0"/>
+          <a:ext cx="0" cy="0"/>
+          <a:chOff x="0" y="0"/>
+          <a:chExt cx="0" cy="0"/>
+        </a:xfrm>
+      </p:grpSpPr>
+    </p:spTree>
+    <p:extLst>
+      <p:ext uri="{BB962C8B-B14F-4D97-AF65-F5344CB8AC3E}">
+        <p14:creationId xmlns:p14="http://schemas.microsoft.com/office/powerpoint/2010/main" val="3546559721"/>
+      </p:ext>
+    </p:extLst>
+  </p:cSld>
+  <p:clrMapOvr>
+    <a:masterClrMapping/>
+  </p:clrMapOvr>
+</p:sld>
+</file>
+
+<file path=ppt/slides/slide37.xml><?xml version="1.0" encoding="utf-8"?>
+<p:sld xmlns:a="http://schemas.openxmlformats.org/drawingml/2006/main" xmlns:r="http://schemas.openxmlformats.org/officeDocument/2006/relationships" xmlns:p="http://schemas.openxmlformats.org/presentationml/2006/main">
+  <p:cSld>
+    <p:spTree>
+      <p:nvGrpSpPr>
+        <p:cNvPr id="1" name=""/>
+        <p:cNvGrpSpPr/>
+        <p:nvPr/>
+      </p:nvGrpSpPr>
+      <p:grpSpPr>
+        <a:xfrm>
+          <a:off x="0" y="0"/>
+          <a:ext cx="0" cy="0"/>
+          <a:chOff x="0" y="0"/>
+          <a:chExt cx="0" cy="0"/>
+        </a:xfrm>
+      </p:grpSpPr>
+    </p:spTree>
+    <p:extLst>
+      <p:ext uri="{BB962C8B-B14F-4D97-AF65-F5344CB8AC3E}">
+        <p14:creationId xmlns:p14="http://schemas.microsoft.com/office/powerpoint/2010/main" val="2685161883"/>
+      </p:ext>
+    </p:extLst>
+  </p:cSld>
+  <p:clrMapOvr>
+    <a:masterClrMapping/>
+  </p:clrMapOvr>
+</p:sld>
+</file>
+
+<file path=ppt/slides/slide38.xml><?xml version="1.0" encoding="utf-8"?>
+<p:sld xmlns:a="http://schemas.openxmlformats.org/drawingml/2006/main" xmlns:r="http://schemas.openxmlformats.org/officeDocument/2006/relationships" xmlns:p="http://schemas.openxmlformats.org/presentationml/2006/main">
+  <p:cSld>
+    <p:spTree>
+      <p:nvGrpSpPr>
+        <p:cNvPr id="1" name=""/>
+        <p:cNvGrpSpPr/>
+        <p:nvPr/>
+      </p:nvGrpSpPr>
+      <p:grpSpPr>
+        <a:xfrm>
+          <a:off x="0" y="0"/>
+          <a:ext cx="0" cy="0"/>
+          <a:chOff x="0" y="0"/>
+          <a:chExt cx="0" cy="0"/>
+        </a:xfrm>
+      </p:grpSpPr>
+    </p:spTree>
+    <p:extLst>
+      <p:ext uri="{BB962C8B-B14F-4D97-AF65-F5344CB8AC3E}">
+        <p14:creationId xmlns:p14="http://schemas.microsoft.com/office/powerpoint/2010/main" val="1844608955"/>
+      </p:ext>
+    </p:extLst>
+  </p:cSld>
+  <p:clrMapOvr>
+    <a:masterClrMapping/>
+  </p:clrMapOvr>
+</p:sld>
+</file>
+
+<file path=ppt/slides/slide39.xml><?xml version="1.0" encoding="utf-8"?>
+<p:sld xmlns:a="http://schemas.openxmlformats.org/drawingml/2006/main" xmlns:r="http://schemas.openxmlformats.org/officeDocument/2006/relationships" xmlns:p="http://schemas.openxmlformats.org/presentationml/2006/main">
+  <p:cSld>
+    <p:spTree>
+      <p:nvGrpSpPr>
+        <p:cNvPr id="1" name=""/>
+        <p:cNvGrpSpPr/>
+        <p:nvPr/>
+      </p:nvGrpSpPr>
+      <p:grpSpPr>
+        <a:xfrm>
+          <a:off x="0" y="0"/>
+          <a:ext cx="0" cy="0"/>
+          <a:chOff x="0" y="0"/>
+          <a:chExt cx="0" cy="0"/>
+        </a:xfrm>
+      </p:grpSpPr>
+    </p:spTree>
+    <p:extLst>
+      <p:ext uri="{BB962C8B-B14F-4D97-AF65-F5344CB8AC3E}">
+        <p14:creationId xmlns:p14="http://schemas.microsoft.com/office/powerpoint/2010/main" val="2127051479"/>
+      </p:ext>
+    </p:extLst>
+  </p:cSld>
+  <p:clrMapOvr>
+    <a:masterClrMapping/>
+  </p:clrMapOvr>
+</p:sld>
+</file>
+
+<file path=ppt/slides/slide4.xml><?xml version="1.0" encoding="utf-8"?>
+<p:sld xmlns:a="http://schemas.openxmlformats.org/drawingml/2006/main" xmlns:r="http://schemas.openxmlformats.org/officeDocument/2006/relationships" xmlns:p="http://schemas.openxmlformats.org/presentationml/2006/main">
+  <p:cSld>
+    <p:spTree>
+      <p:nvGrpSpPr>
+        <p:cNvPr id="1" name=""/>
+        <p:cNvGrpSpPr/>
+        <p:nvPr/>
+      </p:nvGrpSpPr>
+      <p:grpSpPr>
+        <a:xfrm>
+          <a:off x="0" y="0"/>
+          <a:ext cx="0" cy="0"/>
+          <a:chOff x="0" y="0"/>
+          <a:chExt cx="0" cy="0"/>
+        </a:xfrm>
+      </p:grpSpPr>
+      <p:sp>
+        <p:nvSpPr>
+          <p:cNvPr id="2" name="TextBox 1">
+            <a:extLst>
+              <a:ext uri="{FF2B5EF4-FFF2-40B4-BE49-F238E27FC236}">
+                <a16:creationId xmlns:a16="http://schemas.microsoft.com/office/drawing/2014/main" id="{573AC2FF-0A20-41AB-B9AF-249F9E61A482}"/>
+              </a:ext>
+            </a:extLst>
+          </p:cNvPr>
+          <p:cNvSpPr txBox="1"/>
+          <p:nvPr/>
+        </p:nvSpPr>
+        <p:spPr>
+          <a:xfrm>
+            <a:off x="2988297" y="2149311"/>
+            <a:ext cx="6381875" cy="1200329"/>
+          </a:xfrm>
+          <a:prstGeom prst="rect">
+            <a:avLst/>
+          </a:prstGeom>
+          <a:noFill/>
+        </p:spPr>
+        <p:txBody>
+          <a:bodyPr wrap="none" rtlCol="0">
+            <a:spAutoFit/>
+          </a:bodyPr>
+          <a:lstStyle/>
+          <a:p>
+            <a:r>
+              <a:rPr lang="en-US" sz="7200" b="1" dirty="0">
+                <a:solidFill>
+                  <a:srgbClr val="FF0000"/>
+                </a:solidFill>
+              </a:rPr>
+              <a:t>Sliding Window </a:t>
+            </a:r>
+            <a:endParaRPr lang="en-IN" sz="7200" b="1" dirty="0">
+              <a:solidFill>
+                <a:srgbClr val="FF0000"/>
+              </a:solidFill>
+            </a:endParaRPr>
+          </a:p>
+        </p:txBody>
+      </p:sp>
+    </p:spTree>
+    <p:extLst>
+      <p:ext uri="{BB962C8B-B14F-4D97-AF65-F5344CB8AC3E}">
+        <p14:creationId xmlns:p14="http://schemas.microsoft.com/office/powerpoint/2010/main" val="3091021375"/>
+      </p:ext>
+    </p:extLst>
+  </p:cSld>
+  <p:clrMapOvr>
+    <a:masterClrMapping/>
+  </p:clrMapOvr>
+</p:sld>
+</file>
+
+<file path=ppt/slides/slide40.xml><?xml version="1.0" encoding="utf-8"?>
+<p:sld xmlns:a="http://schemas.openxmlformats.org/drawingml/2006/main" xmlns:r="http://schemas.openxmlformats.org/officeDocument/2006/relationships" xmlns:p="http://schemas.openxmlformats.org/presentationml/2006/main">
+  <p:cSld>
+    <p:spTree>
+      <p:nvGrpSpPr>
+        <p:cNvPr id="1" name=""/>
+        <p:cNvGrpSpPr/>
+        <p:nvPr/>
+      </p:nvGrpSpPr>
+      <p:grpSpPr>
+        <a:xfrm>
+          <a:off x="0" y="0"/>
+          <a:ext cx="0" cy="0"/>
+          <a:chOff x="0" y="0"/>
+          <a:chExt cx="0" cy="0"/>
+        </a:xfrm>
+      </p:grpSpPr>
+    </p:spTree>
+    <p:extLst>
+      <p:ext uri="{BB962C8B-B14F-4D97-AF65-F5344CB8AC3E}">
+        <p14:creationId xmlns:p14="http://schemas.microsoft.com/office/powerpoint/2010/main" val="1296208712"/>
+      </p:ext>
+    </p:extLst>
+  </p:cSld>
+  <p:clrMapOvr>
+    <a:masterClrMapping/>
+  </p:clrMapOvr>
+</p:sld>
+</file>
+
+<file path=ppt/slides/slide41.xml><?xml version="1.0" encoding="utf-8"?>
+<p:sld xmlns:a="http://schemas.openxmlformats.org/drawingml/2006/main" xmlns:r="http://schemas.openxmlformats.org/officeDocument/2006/relationships" xmlns:p="http://schemas.openxmlformats.org/presentationml/2006/main">
+  <p:cSld>
+    <p:spTree>
+      <p:nvGrpSpPr>
+        <p:cNvPr id="1" name=""/>
+        <p:cNvGrpSpPr/>
+        <p:nvPr/>
+      </p:nvGrpSpPr>
+      <p:grpSpPr>
+        <a:xfrm>
+          <a:off x="0" y="0"/>
+          <a:ext cx="0" cy="0"/>
+          <a:chOff x="0" y="0"/>
+          <a:chExt cx="0" cy="0"/>
+        </a:xfrm>
+      </p:grpSpPr>
+    </p:spTree>
+    <p:extLst>
+      <p:ext uri="{BB962C8B-B14F-4D97-AF65-F5344CB8AC3E}">
+        <p14:creationId xmlns:p14="http://schemas.microsoft.com/office/powerpoint/2010/main" val="2075563096"/>
+      </p:ext>
+    </p:extLst>
+  </p:cSld>
+  <p:clrMapOvr>
+    <a:masterClrMapping/>
+  </p:clrMapOvr>
+</p:sld>
+</file>
+
+<file path=ppt/slides/slide42.xml><?xml version="1.0" encoding="utf-8"?>
+<p:sld xmlns:a="http://schemas.openxmlformats.org/drawingml/2006/main" xmlns:r="http://schemas.openxmlformats.org/officeDocument/2006/relationships" xmlns:p="http://schemas.openxmlformats.org/presentationml/2006/main">
+  <p:cSld>
+    <p:spTree>
+      <p:nvGrpSpPr>
+        <p:cNvPr id="1" name=""/>
+        <p:cNvGrpSpPr/>
+        <p:nvPr/>
+      </p:nvGrpSpPr>
+      <p:grpSpPr>
+        <a:xfrm>
+          <a:off x="0" y="0"/>
+          <a:ext cx="0" cy="0"/>
+          <a:chOff x="0" y="0"/>
+          <a:chExt cx="0" cy="0"/>
+        </a:xfrm>
+      </p:grpSpPr>
+    </p:spTree>
+    <p:extLst>
+      <p:ext uri="{BB962C8B-B14F-4D97-AF65-F5344CB8AC3E}">
+        <p14:creationId xmlns:p14="http://schemas.microsoft.com/office/powerpoint/2010/main" val="3254520824"/>
+      </p:ext>
+    </p:extLst>
+  </p:cSld>
+  <p:clrMapOvr>
+    <a:masterClrMapping/>
+  </p:clrMapOvr>
+</p:sld>
+</file>
+
+<file path=ppt/slides/slide43.xml><?xml version="1.0" encoding="utf-8"?>
+<p:sld xmlns:a="http://schemas.openxmlformats.org/drawingml/2006/main" xmlns:r="http://schemas.openxmlformats.org/officeDocument/2006/relationships" xmlns:p="http://schemas.openxmlformats.org/presentationml/2006/main">
+  <p:cSld>
+    <p:spTree>
+      <p:nvGrpSpPr>
+        <p:cNvPr id="1" name=""/>
+        <p:cNvGrpSpPr/>
+        <p:nvPr/>
+      </p:nvGrpSpPr>
+      <p:grpSpPr>
+        <a:xfrm>
+          <a:off x="0" y="0"/>
+          <a:ext cx="0" cy="0"/>
+          <a:chOff x="0" y="0"/>
+          <a:chExt cx="0" cy="0"/>
+        </a:xfrm>
+      </p:grpSpPr>
+    </p:spTree>
+    <p:extLst>
+      <p:ext uri="{BB962C8B-B14F-4D97-AF65-F5344CB8AC3E}">
+        <p14:creationId xmlns:p14="http://schemas.microsoft.com/office/powerpoint/2010/main" val="1554614485"/>
+      </p:ext>
+    </p:extLst>
+  </p:cSld>
+  <p:clrMapOvr>
+    <a:masterClrMapping/>
+  </p:clrMapOvr>
+</p:sld>
+</file>
+
+<file path=ppt/slides/slide44.xml><?xml version="1.0" encoding="utf-8"?>
+<p:sld xmlns:a="http://schemas.openxmlformats.org/drawingml/2006/main" xmlns:r="http://schemas.openxmlformats.org/officeDocument/2006/relationships" xmlns:p="http://schemas.openxmlformats.org/presentationml/2006/main">
+  <p:cSld>
+    <p:spTree>
+      <p:nvGrpSpPr>
+        <p:cNvPr id="1" name=""/>
+        <p:cNvGrpSpPr/>
+        <p:nvPr/>
+      </p:nvGrpSpPr>
+      <p:grpSpPr>
+        <a:xfrm>
+          <a:off x="0" y="0"/>
+          <a:ext cx="0" cy="0"/>
+          <a:chOff x="0" y="0"/>
+          <a:chExt cx="0" cy="0"/>
+        </a:xfrm>
+      </p:grpSpPr>
+    </p:spTree>
+    <p:extLst>
+      <p:ext uri="{BB962C8B-B14F-4D97-AF65-F5344CB8AC3E}">
+        <p14:creationId xmlns:p14="http://schemas.microsoft.com/office/powerpoint/2010/main" val="2651397101"/>
+      </p:ext>
+    </p:extLst>
+  </p:cSld>
+  <p:clrMapOvr>
+    <a:masterClrMapping/>
+  </p:clrMapOvr>
+</p:sld>
+</file>
+
+<file path=ppt/slides/slide45.xml><?xml version="1.0" encoding="utf-8"?>
+<p:sld xmlns:a="http://schemas.openxmlformats.org/drawingml/2006/main" xmlns:r="http://schemas.openxmlformats.org/officeDocument/2006/relationships" xmlns:p="http://schemas.openxmlformats.org/presentationml/2006/main">
+  <p:cSld>
+    <p:spTree>
+      <p:nvGrpSpPr>
+        <p:cNvPr id="1" name=""/>
+        <p:cNvGrpSpPr/>
+        <p:nvPr/>
+      </p:nvGrpSpPr>
+      <p:grpSpPr>
+        <a:xfrm>
+          <a:off x="0" y="0"/>
+          <a:ext cx="0" cy="0"/>
+          <a:chOff x="0" y="0"/>
+          <a:chExt cx="0" cy="0"/>
+        </a:xfrm>
+      </p:grpSpPr>
+    </p:spTree>
+    <p:extLst>
+      <p:ext uri="{BB962C8B-B14F-4D97-AF65-F5344CB8AC3E}">
+        <p14:creationId xmlns:p14="http://schemas.microsoft.com/office/powerpoint/2010/main" val="2417117471"/>
+      </p:ext>
+    </p:extLst>
+  </p:cSld>
+  <p:clrMapOvr>
+    <a:masterClrMapping/>
+  </p:clrMapOvr>
+</p:sld>
+</file>
+
+<file path=ppt/slides/slide46.xml><?xml version="1.0" encoding="utf-8"?>
+<p:sld xmlns:a="http://schemas.openxmlformats.org/drawingml/2006/main" xmlns:r="http://schemas.openxmlformats.org/officeDocument/2006/relationships" xmlns:p="http://schemas.openxmlformats.org/presentationml/2006/main">
+  <p:cSld>
+    <p:spTree>
+      <p:nvGrpSpPr>
+        <p:cNvPr id="1" name=""/>
+        <p:cNvGrpSpPr/>
+        <p:nvPr/>
+      </p:nvGrpSpPr>
+      <p:grpSpPr>
+        <a:xfrm>
+          <a:off x="0" y="0"/>
+          <a:ext cx="0" cy="0"/>
+          <a:chOff x="0" y="0"/>
+          <a:chExt cx="0" cy="0"/>
+        </a:xfrm>
+      </p:grpSpPr>
+    </p:spTree>
+    <p:extLst>
+      <p:ext uri="{BB962C8B-B14F-4D97-AF65-F5344CB8AC3E}">
+        <p14:creationId xmlns:p14="http://schemas.microsoft.com/office/powerpoint/2010/main" val="2815337817"/>
+      </p:ext>
+    </p:extLst>
+  </p:cSld>
+  <p:clrMapOvr>
+    <a:masterClrMapping/>
+  </p:clrMapOvr>
+</p:sld>
+</file>
+
+<file path=ppt/slides/slide47.xml><?xml version="1.0" encoding="utf-8"?>
+<p:sld xmlns:a="http://schemas.openxmlformats.org/drawingml/2006/main" xmlns:r="http://schemas.openxmlformats.org/officeDocument/2006/relationships" xmlns:p="http://schemas.openxmlformats.org/presentationml/2006/main">
+  <p:cSld>
+    <p:spTree>
+      <p:nvGrpSpPr>
+        <p:cNvPr id="1" name=""/>
+        <p:cNvGrpSpPr/>
+        <p:nvPr/>
+      </p:nvGrpSpPr>
+      <p:grpSpPr>
+        <a:xfrm>
+          <a:off x="0" y="0"/>
+          <a:ext cx="0" cy="0"/>
+          <a:chOff x="0" y="0"/>
+          <a:chExt cx="0" cy="0"/>
+        </a:xfrm>
+      </p:grpSpPr>
+    </p:spTree>
+    <p:extLst>
+      <p:ext uri="{BB962C8B-B14F-4D97-AF65-F5344CB8AC3E}">
+        <p14:creationId xmlns:p14="http://schemas.microsoft.com/office/powerpoint/2010/main" val="1912642374"/>
+      </p:ext>
+    </p:extLst>
+  </p:cSld>
+  <p:clrMapOvr>
+    <a:masterClrMapping/>
+  </p:clrMapOvr>
+</p:sld>
+</file>
+
+<file path=ppt/slides/slide48.xml><?xml version="1.0" encoding="utf-8"?>
+<p:sld xmlns:a="http://schemas.openxmlformats.org/drawingml/2006/main" xmlns:r="http://schemas.openxmlformats.org/officeDocument/2006/relationships" xmlns:p="http://schemas.openxmlformats.org/presentationml/2006/main">
+  <p:cSld>
+    <p:spTree>
+      <p:nvGrpSpPr>
+        <p:cNvPr id="1" name=""/>
+        <p:cNvGrpSpPr/>
+        <p:nvPr/>
+      </p:nvGrpSpPr>
+      <p:grpSpPr>
+        <a:xfrm>
+          <a:off x="0" y="0"/>
+          <a:ext cx="0" cy="0"/>
+          <a:chOff x="0" y="0"/>
+          <a:chExt cx="0" cy="0"/>
+        </a:xfrm>
+      </p:grpSpPr>
+    </p:spTree>
+    <p:extLst>
+      <p:ext uri="{BB962C8B-B14F-4D97-AF65-F5344CB8AC3E}">
+        <p14:creationId xmlns:p14="http://schemas.microsoft.com/office/powerpoint/2010/main" val="2037386024"/>
+      </p:ext>
+    </p:extLst>
+  </p:cSld>
+  <p:clrMapOvr>
+    <a:masterClrMapping/>
+  </p:clrMapOvr>
+</p:sld>
+</file>
+
+<file path=ppt/slides/slide49.xml><?xml version="1.0" encoding="utf-8"?>
+<p:sld xmlns:a="http://schemas.openxmlformats.org/drawingml/2006/main" xmlns:r="http://schemas.openxmlformats.org/officeDocument/2006/relationships" xmlns:p="http://schemas.openxmlformats.org/presentationml/2006/main">
+  <p:cSld>
+    <p:spTree>
+      <p:nvGrpSpPr>
+        <p:cNvPr id="1" name=""/>
+        <p:cNvGrpSpPr/>
+        <p:nvPr/>
+      </p:nvGrpSpPr>
+      <p:grpSpPr>
+        <a:xfrm>
+          <a:off x="0" y="0"/>
+          <a:ext cx="0" cy="0"/>
+          <a:chOff x="0" y="0"/>
+          <a:chExt cx="0" cy="0"/>
+        </a:xfrm>
+      </p:grpSpPr>
+    </p:spTree>
+    <p:extLst>
+      <p:ext uri="{BB962C8B-B14F-4D97-AF65-F5344CB8AC3E}">
+        <p14:creationId xmlns:p14="http://schemas.microsoft.com/office/powerpoint/2010/main" val="4119549773"/>
+      </p:ext>
+    </p:extLst>
+  </p:cSld>
+  <p:clrMapOvr>
+    <a:masterClrMapping/>
+  </p:clrMapOvr>
+</p:sld>
+</file>
+
+<file path=ppt/slides/slide5.xml><?xml version="1.0" encoding="utf-8"?>
+<p:sld xmlns:a="http://schemas.openxmlformats.org/drawingml/2006/main" xmlns:r="http://schemas.openxmlformats.org/officeDocument/2006/relationships" xmlns:p="http://schemas.openxmlformats.org/presentationml/2006/main">
+  <p:cSld>
+    <p:spTree>
+      <p:nvGrpSpPr>
+        <p:cNvPr id="1" name=""/>
+        <p:cNvGrpSpPr/>
+        <p:nvPr/>
+      </p:nvGrpSpPr>
+      <p:grpSpPr>
+        <a:xfrm>
+          <a:off x="0" y="0"/>
+          <a:ext cx="0" cy="0"/>
+          <a:chOff x="0" y="0"/>
+          <a:chExt cx="0" cy="0"/>
+        </a:xfrm>
+      </p:grpSpPr>
+      <p:pic>
+        <p:nvPicPr>
+          <p:cNvPr id="3" name="Picture 2">
+            <a:extLst>
+              <a:ext uri="{FF2B5EF4-FFF2-40B4-BE49-F238E27FC236}">
+                <a16:creationId xmlns:a16="http://schemas.microsoft.com/office/drawing/2014/main" id="{5DAD6E55-147B-4CB4-8CA8-01AD9F4E8AFB}"/>
+              </a:ext>
+            </a:extLst>
+          </p:cNvPr>
+          <p:cNvPicPr>
+            <a:picLocks noChangeAspect="1"/>
+          </p:cNvPicPr>
+          <p:nvPr/>
+        </p:nvPicPr>
+        <p:blipFill>
+          <a:blip r:embed="rId2"/>
+          <a:stretch>
+            <a:fillRect/>
+          </a:stretch>
+        </p:blipFill>
+        <p:spPr>
+          <a:xfrm>
+            <a:off x="0" y="0"/>
+            <a:ext cx="12192000" cy="6858000"/>
+          </a:xfrm>
+          <a:prstGeom prst="rect">
+            <a:avLst/>
+          </a:prstGeom>
+        </p:spPr>
+      </p:pic>
     </p:spTree>
     <p:extLst>
       <p:ext uri="{BB962C8B-B14F-4D97-AF65-F5344CB8AC3E}">
@@ -4726,577 +5562,7 @@
 </p:sld>
 </file>
 
-<file path=ppt/slides/slide30.xml><?xml version="1.0" encoding="utf-8"?>
-<p:sld xmlns:a="http://schemas.openxmlformats.org/drawingml/2006/main" xmlns:r="http://schemas.openxmlformats.org/officeDocument/2006/relationships" xmlns:p="http://schemas.openxmlformats.org/presentationml/2006/main">
-  <p:cSld>
-    <p:spTree>
-      <p:nvGrpSpPr>
-        <p:cNvPr id="1" name=""/>
-        <p:cNvGrpSpPr/>
-        <p:nvPr/>
-      </p:nvGrpSpPr>
-      <p:grpSpPr>
-        <a:xfrm>
-          <a:off x="0" y="0"/>
-          <a:ext cx="0" cy="0"/>
-          <a:chOff x="0" y="0"/>
-          <a:chExt cx="0" cy="0"/>
-        </a:xfrm>
-      </p:grpSpPr>
-    </p:spTree>
-    <p:extLst>
-      <p:ext uri="{BB962C8B-B14F-4D97-AF65-F5344CB8AC3E}">
-        <p14:creationId xmlns:p14="http://schemas.microsoft.com/office/powerpoint/2010/main" val="2205348181"/>
-      </p:ext>
-    </p:extLst>
-  </p:cSld>
-  <p:clrMapOvr>
-    <a:masterClrMapping/>
-  </p:clrMapOvr>
-</p:sld>
-</file>
-
-<file path=ppt/slides/slide31.xml><?xml version="1.0" encoding="utf-8"?>
-<p:sld xmlns:a="http://schemas.openxmlformats.org/drawingml/2006/main" xmlns:r="http://schemas.openxmlformats.org/officeDocument/2006/relationships" xmlns:p="http://schemas.openxmlformats.org/presentationml/2006/main">
-  <p:cSld>
-    <p:spTree>
-      <p:nvGrpSpPr>
-        <p:cNvPr id="1" name=""/>
-        <p:cNvGrpSpPr/>
-        <p:nvPr/>
-      </p:nvGrpSpPr>
-      <p:grpSpPr>
-        <a:xfrm>
-          <a:off x="0" y="0"/>
-          <a:ext cx="0" cy="0"/>
-          <a:chOff x="0" y="0"/>
-          <a:chExt cx="0" cy="0"/>
-        </a:xfrm>
-      </p:grpSpPr>
-    </p:spTree>
-    <p:extLst>
-      <p:ext uri="{BB962C8B-B14F-4D97-AF65-F5344CB8AC3E}">
-        <p14:creationId xmlns:p14="http://schemas.microsoft.com/office/powerpoint/2010/main" val="754283026"/>
-      </p:ext>
-    </p:extLst>
-  </p:cSld>
-  <p:clrMapOvr>
-    <a:masterClrMapping/>
-  </p:clrMapOvr>
-</p:sld>
-</file>
-
-<file path=ppt/slides/slide32.xml><?xml version="1.0" encoding="utf-8"?>
-<p:sld xmlns:a="http://schemas.openxmlformats.org/drawingml/2006/main" xmlns:r="http://schemas.openxmlformats.org/officeDocument/2006/relationships" xmlns:p="http://schemas.openxmlformats.org/presentationml/2006/main">
-  <p:cSld>
-    <p:spTree>
-      <p:nvGrpSpPr>
-        <p:cNvPr id="1" name=""/>
-        <p:cNvGrpSpPr/>
-        <p:nvPr/>
-      </p:nvGrpSpPr>
-      <p:grpSpPr>
-        <a:xfrm>
-          <a:off x="0" y="0"/>
-          <a:ext cx="0" cy="0"/>
-          <a:chOff x="0" y="0"/>
-          <a:chExt cx="0" cy="0"/>
-        </a:xfrm>
-      </p:grpSpPr>
-    </p:spTree>
-    <p:extLst>
-      <p:ext uri="{BB962C8B-B14F-4D97-AF65-F5344CB8AC3E}">
-        <p14:creationId xmlns:p14="http://schemas.microsoft.com/office/powerpoint/2010/main" val="1182945993"/>
-      </p:ext>
-    </p:extLst>
-  </p:cSld>
-  <p:clrMapOvr>
-    <a:masterClrMapping/>
-  </p:clrMapOvr>
-</p:sld>
-</file>
-
-<file path=ppt/slides/slide33.xml><?xml version="1.0" encoding="utf-8"?>
-<p:sld xmlns:a="http://schemas.openxmlformats.org/drawingml/2006/main" xmlns:r="http://schemas.openxmlformats.org/officeDocument/2006/relationships" xmlns:p="http://schemas.openxmlformats.org/presentationml/2006/main">
-  <p:cSld>
-    <p:spTree>
-      <p:nvGrpSpPr>
-        <p:cNvPr id="1" name=""/>
-        <p:cNvGrpSpPr/>
-        <p:nvPr/>
-      </p:nvGrpSpPr>
-      <p:grpSpPr>
-        <a:xfrm>
-          <a:off x="0" y="0"/>
-          <a:ext cx="0" cy="0"/>
-          <a:chOff x="0" y="0"/>
-          <a:chExt cx="0" cy="0"/>
-        </a:xfrm>
-      </p:grpSpPr>
-    </p:spTree>
-    <p:extLst>
-      <p:ext uri="{BB962C8B-B14F-4D97-AF65-F5344CB8AC3E}">
-        <p14:creationId xmlns:p14="http://schemas.microsoft.com/office/powerpoint/2010/main" val="3387678938"/>
-      </p:ext>
-    </p:extLst>
-  </p:cSld>
-  <p:clrMapOvr>
-    <a:masterClrMapping/>
-  </p:clrMapOvr>
-</p:sld>
-</file>
-
-<file path=ppt/slides/slide34.xml><?xml version="1.0" encoding="utf-8"?>
-<p:sld xmlns:a="http://schemas.openxmlformats.org/drawingml/2006/main" xmlns:r="http://schemas.openxmlformats.org/officeDocument/2006/relationships" xmlns:p="http://schemas.openxmlformats.org/presentationml/2006/main">
-  <p:cSld>
-    <p:spTree>
-      <p:nvGrpSpPr>
-        <p:cNvPr id="1" name=""/>
-        <p:cNvGrpSpPr/>
-        <p:nvPr/>
-      </p:nvGrpSpPr>
-      <p:grpSpPr>
-        <a:xfrm>
-          <a:off x="0" y="0"/>
-          <a:ext cx="0" cy="0"/>
-          <a:chOff x="0" y="0"/>
-          <a:chExt cx="0" cy="0"/>
-        </a:xfrm>
-      </p:grpSpPr>
-    </p:spTree>
-    <p:extLst>
-      <p:ext uri="{BB962C8B-B14F-4D97-AF65-F5344CB8AC3E}">
-        <p14:creationId xmlns:p14="http://schemas.microsoft.com/office/powerpoint/2010/main" val="3546559721"/>
-      </p:ext>
-    </p:extLst>
-  </p:cSld>
-  <p:clrMapOvr>
-    <a:masterClrMapping/>
-  </p:clrMapOvr>
-</p:sld>
-</file>
-
-<file path=ppt/slides/slide35.xml><?xml version="1.0" encoding="utf-8"?>
-<p:sld xmlns:a="http://schemas.openxmlformats.org/drawingml/2006/main" xmlns:r="http://schemas.openxmlformats.org/officeDocument/2006/relationships" xmlns:p="http://schemas.openxmlformats.org/presentationml/2006/main">
-  <p:cSld>
-    <p:spTree>
-      <p:nvGrpSpPr>
-        <p:cNvPr id="1" name=""/>
-        <p:cNvGrpSpPr/>
-        <p:nvPr/>
-      </p:nvGrpSpPr>
-      <p:grpSpPr>
-        <a:xfrm>
-          <a:off x="0" y="0"/>
-          <a:ext cx="0" cy="0"/>
-          <a:chOff x="0" y="0"/>
-          <a:chExt cx="0" cy="0"/>
-        </a:xfrm>
-      </p:grpSpPr>
-    </p:spTree>
-    <p:extLst>
-      <p:ext uri="{BB962C8B-B14F-4D97-AF65-F5344CB8AC3E}">
-        <p14:creationId xmlns:p14="http://schemas.microsoft.com/office/powerpoint/2010/main" val="2685161883"/>
-      </p:ext>
-    </p:extLst>
-  </p:cSld>
-  <p:clrMapOvr>
-    <a:masterClrMapping/>
-  </p:clrMapOvr>
-</p:sld>
-</file>
-
-<file path=ppt/slides/slide36.xml><?xml version="1.0" encoding="utf-8"?>
-<p:sld xmlns:a="http://schemas.openxmlformats.org/drawingml/2006/main" xmlns:r="http://schemas.openxmlformats.org/officeDocument/2006/relationships" xmlns:p="http://schemas.openxmlformats.org/presentationml/2006/main">
-  <p:cSld>
-    <p:spTree>
-      <p:nvGrpSpPr>
-        <p:cNvPr id="1" name=""/>
-        <p:cNvGrpSpPr/>
-        <p:nvPr/>
-      </p:nvGrpSpPr>
-      <p:grpSpPr>
-        <a:xfrm>
-          <a:off x="0" y="0"/>
-          <a:ext cx="0" cy="0"/>
-          <a:chOff x="0" y="0"/>
-          <a:chExt cx="0" cy="0"/>
-        </a:xfrm>
-      </p:grpSpPr>
-    </p:spTree>
-    <p:extLst>
-      <p:ext uri="{BB962C8B-B14F-4D97-AF65-F5344CB8AC3E}">
-        <p14:creationId xmlns:p14="http://schemas.microsoft.com/office/powerpoint/2010/main" val="1844608955"/>
-      </p:ext>
-    </p:extLst>
-  </p:cSld>
-  <p:clrMapOvr>
-    <a:masterClrMapping/>
-  </p:clrMapOvr>
-</p:sld>
-</file>
-
-<file path=ppt/slides/slide37.xml><?xml version="1.0" encoding="utf-8"?>
-<p:sld xmlns:a="http://schemas.openxmlformats.org/drawingml/2006/main" xmlns:r="http://schemas.openxmlformats.org/officeDocument/2006/relationships" xmlns:p="http://schemas.openxmlformats.org/presentationml/2006/main">
-  <p:cSld>
-    <p:spTree>
-      <p:nvGrpSpPr>
-        <p:cNvPr id="1" name=""/>
-        <p:cNvGrpSpPr/>
-        <p:nvPr/>
-      </p:nvGrpSpPr>
-      <p:grpSpPr>
-        <a:xfrm>
-          <a:off x="0" y="0"/>
-          <a:ext cx="0" cy="0"/>
-          <a:chOff x="0" y="0"/>
-          <a:chExt cx="0" cy="0"/>
-        </a:xfrm>
-      </p:grpSpPr>
-    </p:spTree>
-    <p:extLst>
-      <p:ext uri="{BB962C8B-B14F-4D97-AF65-F5344CB8AC3E}">
-        <p14:creationId xmlns:p14="http://schemas.microsoft.com/office/powerpoint/2010/main" val="2127051479"/>
-      </p:ext>
-    </p:extLst>
-  </p:cSld>
-  <p:clrMapOvr>
-    <a:masterClrMapping/>
-  </p:clrMapOvr>
-</p:sld>
-</file>
-
-<file path=ppt/slides/slide38.xml><?xml version="1.0" encoding="utf-8"?>
-<p:sld xmlns:a="http://schemas.openxmlformats.org/drawingml/2006/main" xmlns:r="http://schemas.openxmlformats.org/officeDocument/2006/relationships" xmlns:p="http://schemas.openxmlformats.org/presentationml/2006/main">
-  <p:cSld>
-    <p:spTree>
-      <p:nvGrpSpPr>
-        <p:cNvPr id="1" name=""/>
-        <p:cNvGrpSpPr/>
-        <p:nvPr/>
-      </p:nvGrpSpPr>
-      <p:grpSpPr>
-        <a:xfrm>
-          <a:off x="0" y="0"/>
-          <a:ext cx="0" cy="0"/>
-          <a:chOff x="0" y="0"/>
-          <a:chExt cx="0" cy="0"/>
-        </a:xfrm>
-      </p:grpSpPr>
-    </p:spTree>
-    <p:extLst>
-      <p:ext uri="{BB962C8B-B14F-4D97-AF65-F5344CB8AC3E}">
-        <p14:creationId xmlns:p14="http://schemas.microsoft.com/office/powerpoint/2010/main" val="1296208712"/>
-      </p:ext>
-    </p:extLst>
-  </p:cSld>
-  <p:clrMapOvr>
-    <a:masterClrMapping/>
-  </p:clrMapOvr>
-</p:sld>
-</file>
-
-<file path=ppt/slides/slide39.xml><?xml version="1.0" encoding="utf-8"?>
-<p:sld xmlns:a="http://schemas.openxmlformats.org/drawingml/2006/main" xmlns:r="http://schemas.openxmlformats.org/officeDocument/2006/relationships" xmlns:p="http://schemas.openxmlformats.org/presentationml/2006/main">
-  <p:cSld>
-    <p:spTree>
-      <p:nvGrpSpPr>
-        <p:cNvPr id="1" name=""/>
-        <p:cNvGrpSpPr/>
-        <p:nvPr/>
-      </p:nvGrpSpPr>
-      <p:grpSpPr>
-        <a:xfrm>
-          <a:off x="0" y="0"/>
-          <a:ext cx="0" cy="0"/>
-          <a:chOff x="0" y="0"/>
-          <a:chExt cx="0" cy="0"/>
-        </a:xfrm>
-      </p:grpSpPr>
-    </p:spTree>
-    <p:extLst>
-      <p:ext uri="{BB962C8B-B14F-4D97-AF65-F5344CB8AC3E}">
-        <p14:creationId xmlns:p14="http://schemas.microsoft.com/office/powerpoint/2010/main" val="2075563096"/>
-      </p:ext>
-    </p:extLst>
-  </p:cSld>
-  <p:clrMapOvr>
-    <a:masterClrMapping/>
-  </p:clrMapOvr>
-</p:sld>
-</file>
-
-<file path=ppt/slides/slide4.xml><?xml version="1.0" encoding="utf-8"?>
-<p:sld xmlns:a="http://schemas.openxmlformats.org/drawingml/2006/main" xmlns:r="http://schemas.openxmlformats.org/officeDocument/2006/relationships" xmlns:p="http://schemas.openxmlformats.org/presentationml/2006/main">
-  <p:cSld>
-    <p:spTree>
-      <p:nvGrpSpPr>
-        <p:cNvPr id="1" name=""/>
-        <p:cNvGrpSpPr/>
-        <p:nvPr/>
-      </p:nvGrpSpPr>
-      <p:grpSpPr>
-        <a:xfrm>
-          <a:off x="0" y="0"/>
-          <a:ext cx="0" cy="0"/>
-          <a:chOff x="0" y="0"/>
-          <a:chExt cx="0" cy="0"/>
-        </a:xfrm>
-      </p:grpSpPr>
-    </p:spTree>
-    <p:extLst>
-      <p:ext uri="{BB962C8B-B14F-4D97-AF65-F5344CB8AC3E}">
-        <p14:creationId xmlns:p14="http://schemas.microsoft.com/office/powerpoint/2010/main" val="3091021375"/>
-      </p:ext>
-    </p:extLst>
-  </p:cSld>
-  <p:clrMapOvr>
-    <a:masterClrMapping/>
-  </p:clrMapOvr>
-</p:sld>
-</file>
-
-<file path=ppt/slides/slide40.xml><?xml version="1.0" encoding="utf-8"?>
-<p:sld xmlns:a="http://schemas.openxmlformats.org/drawingml/2006/main" xmlns:r="http://schemas.openxmlformats.org/officeDocument/2006/relationships" xmlns:p="http://schemas.openxmlformats.org/presentationml/2006/main">
-  <p:cSld>
-    <p:spTree>
-      <p:nvGrpSpPr>
-        <p:cNvPr id="1" name=""/>
-        <p:cNvGrpSpPr/>
-        <p:nvPr/>
-      </p:nvGrpSpPr>
-      <p:grpSpPr>
-        <a:xfrm>
-          <a:off x="0" y="0"/>
-          <a:ext cx="0" cy="0"/>
-          <a:chOff x="0" y="0"/>
-          <a:chExt cx="0" cy="0"/>
-        </a:xfrm>
-      </p:grpSpPr>
-    </p:spTree>
-    <p:extLst>
-      <p:ext uri="{BB962C8B-B14F-4D97-AF65-F5344CB8AC3E}">
-        <p14:creationId xmlns:p14="http://schemas.microsoft.com/office/powerpoint/2010/main" val="3254520824"/>
-      </p:ext>
-    </p:extLst>
-  </p:cSld>
-  <p:clrMapOvr>
-    <a:masterClrMapping/>
-  </p:clrMapOvr>
-</p:sld>
-</file>
-
-<file path=ppt/slides/slide41.xml><?xml version="1.0" encoding="utf-8"?>
-<p:sld xmlns:a="http://schemas.openxmlformats.org/drawingml/2006/main" xmlns:r="http://schemas.openxmlformats.org/officeDocument/2006/relationships" xmlns:p="http://schemas.openxmlformats.org/presentationml/2006/main">
-  <p:cSld>
-    <p:spTree>
-      <p:nvGrpSpPr>
-        <p:cNvPr id="1" name=""/>
-        <p:cNvGrpSpPr/>
-        <p:nvPr/>
-      </p:nvGrpSpPr>
-      <p:grpSpPr>
-        <a:xfrm>
-          <a:off x="0" y="0"/>
-          <a:ext cx="0" cy="0"/>
-          <a:chOff x="0" y="0"/>
-          <a:chExt cx="0" cy="0"/>
-        </a:xfrm>
-      </p:grpSpPr>
-    </p:spTree>
-    <p:extLst>
-      <p:ext uri="{BB962C8B-B14F-4D97-AF65-F5344CB8AC3E}">
-        <p14:creationId xmlns:p14="http://schemas.microsoft.com/office/powerpoint/2010/main" val="1554614485"/>
-      </p:ext>
-    </p:extLst>
-  </p:cSld>
-  <p:clrMapOvr>
-    <a:masterClrMapping/>
-  </p:clrMapOvr>
-</p:sld>
-</file>
-
-<file path=ppt/slides/slide42.xml><?xml version="1.0" encoding="utf-8"?>
-<p:sld xmlns:a="http://schemas.openxmlformats.org/drawingml/2006/main" xmlns:r="http://schemas.openxmlformats.org/officeDocument/2006/relationships" xmlns:p="http://schemas.openxmlformats.org/presentationml/2006/main">
-  <p:cSld>
-    <p:spTree>
-      <p:nvGrpSpPr>
-        <p:cNvPr id="1" name=""/>
-        <p:cNvGrpSpPr/>
-        <p:nvPr/>
-      </p:nvGrpSpPr>
-      <p:grpSpPr>
-        <a:xfrm>
-          <a:off x="0" y="0"/>
-          <a:ext cx="0" cy="0"/>
-          <a:chOff x="0" y="0"/>
-          <a:chExt cx="0" cy="0"/>
-        </a:xfrm>
-      </p:grpSpPr>
-    </p:spTree>
-    <p:extLst>
-      <p:ext uri="{BB962C8B-B14F-4D97-AF65-F5344CB8AC3E}">
-        <p14:creationId xmlns:p14="http://schemas.microsoft.com/office/powerpoint/2010/main" val="2651397101"/>
-      </p:ext>
-    </p:extLst>
-  </p:cSld>
-  <p:clrMapOvr>
-    <a:masterClrMapping/>
-  </p:clrMapOvr>
-</p:sld>
-</file>
-
-<file path=ppt/slides/slide43.xml><?xml version="1.0" encoding="utf-8"?>
-<p:sld xmlns:a="http://schemas.openxmlformats.org/drawingml/2006/main" xmlns:r="http://schemas.openxmlformats.org/officeDocument/2006/relationships" xmlns:p="http://schemas.openxmlformats.org/presentationml/2006/main">
-  <p:cSld>
-    <p:spTree>
-      <p:nvGrpSpPr>
-        <p:cNvPr id="1" name=""/>
-        <p:cNvGrpSpPr/>
-        <p:nvPr/>
-      </p:nvGrpSpPr>
-      <p:grpSpPr>
-        <a:xfrm>
-          <a:off x="0" y="0"/>
-          <a:ext cx="0" cy="0"/>
-          <a:chOff x="0" y="0"/>
-          <a:chExt cx="0" cy="0"/>
-        </a:xfrm>
-      </p:grpSpPr>
-    </p:spTree>
-    <p:extLst>
-      <p:ext uri="{BB962C8B-B14F-4D97-AF65-F5344CB8AC3E}">
-        <p14:creationId xmlns:p14="http://schemas.microsoft.com/office/powerpoint/2010/main" val="2417117471"/>
-      </p:ext>
-    </p:extLst>
-  </p:cSld>
-  <p:clrMapOvr>
-    <a:masterClrMapping/>
-  </p:clrMapOvr>
-</p:sld>
-</file>
-
-<file path=ppt/slides/slide44.xml><?xml version="1.0" encoding="utf-8"?>
-<p:sld xmlns:a="http://schemas.openxmlformats.org/drawingml/2006/main" xmlns:r="http://schemas.openxmlformats.org/officeDocument/2006/relationships" xmlns:p="http://schemas.openxmlformats.org/presentationml/2006/main">
-  <p:cSld>
-    <p:spTree>
-      <p:nvGrpSpPr>
-        <p:cNvPr id="1" name=""/>
-        <p:cNvGrpSpPr/>
-        <p:nvPr/>
-      </p:nvGrpSpPr>
-      <p:grpSpPr>
-        <a:xfrm>
-          <a:off x="0" y="0"/>
-          <a:ext cx="0" cy="0"/>
-          <a:chOff x="0" y="0"/>
-          <a:chExt cx="0" cy="0"/>
-        </a:xfrm>
-      </p:grpSpPr>
-    </p:spTree>
-    <p:extLst>
-      <p:ext uri="{BB962C8B-B14F-4D97-AF65-F5344CB8AC3E}">
-        <p14:creationId xmlns:p14="http://schemas.microsoft.com/office/powerpoint/2010/main" val="2815337817"/>
-      </p:ext>
-    </p:extLst>
-  </p:cSld>
-  <p:clrMapOvr>
-    <a:masterClrMapping/>
-  </p:clrMapOvr>
-</p:sld>
-</file>
-
-<file path=ppt/slides/slide45.xml><?xml version="1.0" encoding="utf-8"?>
-<p:sld xmlns:a="http://schemas.openxmlformats.org/drawingml/2006/main" xmlns:r="http://schemas.openxmlformats.org/officeDocument/2006/relationships" xmlns:p="http://schemas.openxmlformats.org/presentationml/2006/main">
-  <p:cSld>
-    <p:spTree>
-      <p:nvGrpSpPr>
-        <p:cNvPr id="1" name=""/>
-        <p:cNvGrpSpPr/>
-        <p:nvPr/>
-      </p:nvGrpSpPr>
-      <p:grpSpPr>
-        <a:xfrm>
-          <a:off x="0" y="0"/>
-          <a:ext cx="0" cy="0"/>
-          <a:chOff x="0" y="0"/>
-          <a:chExt cx="0" cy="0"/>
-        </a:xfrm>
-      </p:grpSpPr>
-    </p:spTree>
-    <p:extLst>
-      <p:ext uri="{BB962C8B-B14F-4D97-AF65-F5344CB8AC3E}">
-        <p14:creationId xmlns:p14="http://schemas.microsoft.com/office/powerpoint/2010/main" val="1912642374"/>
-      </p:ext>
-    </p:extLst>
-  </p:cSld>
-  <p:clrMapOvr>
-    <a:masterClrMapping/>
-  </p:clrMapOvr>
-</p:sld>
-</file>
-
-<file path=ppt/slides/slide46.xml><?xml version="1.0" encoding="utf-8"?>
-<p:sld xmlns:a="http://schemas.openxmlformats.org/drawingml/2006/main" xmlns:r="http://schemas.openxmlformats.org/officeDocument/2006/relationships" xmlns:p="http://schemas.openxmlformats.org/presentationml/2006/main">
-  <p:cSld>
-    <p:spTree>
-      <p:nvGrpSpPr>
-        <p:cNvPr id="1" name=""/>
-        <p:cNvGrpSpPr/>
-        <p:nvPr/>
-      </p:nvGrpSpPr>
-      <p:grpSpPr>
-        <a:xfrm>
-          <a:off x="0" y="0"/>
-          <a:ext cx="0" cy="0"/>
-          <a:chOff x="0" y="0"/>
-          <a:chExt cx="0" cy="0"/>
-        </a:xfrm>
-      </p:grpSpPr>
-    </p:spTree>
-    <p:extLst>
-      <p:ext uri="{BB962C8B-B14F-4D97-AF65-F5344CB8AC3E}">
-        <p14:creationId xmlns:p14="http://schemas.microsoft.com/office/powerpoint/2010/main" val="2037386024"/>
-      </p:ext>
-    </p:extLst>
-  </p:cSld>
-  <p:clrMapOvr>
-    <a:masterClrMapping/>
-  </p:clrMapOvr>
-</p:sld>
-</file>
-
-<file path=ppt/slides/slide47.xml><?xml version="1.0" encoding="utf-8"?>
-<p:sld xmlns:a="http://schemas.openxmlformats.org/drawingml/2006/main" xmlns:r="http://schemas.openxmlformats.org/officeDocument/2006/relationships" xmlns:p="http://schemas.openxmlformats.org/presentationml/2006/main">
-  <p:cSld>
-    <p:spTree>
-      <p:nvGrpSpPr>
-        <p:cNvPr id="1" name=""/>
-        <p:cNvGrpSpPr/>
-        <p:nvPr/>
-      </p:nvGrpSpPr>
-      <p:grpSpPr>
-        <a:xfrm>
-          <a:off x="0" y="0"/>
-          <a:ext cx="0" cy="0"/>
-          <a:chOff x="0" y="0"/>
-          <a:chExt cx="0" cy="0"/>
-        </a:xfrm>
-      </p:grpSpPr>
-    </p:spTree>
-    <p:extLst>
-      <p:ext uri="{BB962C8B-B14F-4D97-AF65-F5344CB8AC3E}">
-        <p14:creationId xmlns:p14="http://schemas.microsoft.com/office/powerpoint/2010/main" val="4119549773"/>
-      </p:ext>
-    </p:extLst>
-  </p:cSld>
-  <p:clrMapOvr>
-    <a:masterClrMapping/>
-  </p:clrMapOvr>
-</p:sld>
-</file>
-
-<file path=ppt/slides/slide48.xml><?xml version="1.0" encoding="utf-8"?>
+<file path=ppt/slides/slide50.xml><?xml version="1.0" encoding="utf-8"?>
 <p:sld xmlns:a="http://schemas.openxmlformats.org/drawingml/2006/main" xmlns:r="http://schemas.openxmlformats.org/officeDocument/2006/relationships" xmlns:p="http://schemas.openxmlformats.org/presentationml/2006/main">
   <p:cSld>
     <p:spTree>
@@ -5326,7 +5592,7 @@
 </p:sld>
 </file>
 
-<file path=ppt/slides/slide49.xml><?xml version="1.0" encoding="utf-8"?>
+<file path=ppt/slides/slide51.xml><?xml version="1.0" encoding="utf-8"?>
 <p:sld xmlns:a="http://schemas.openxmlformats.org/drawingml/2006/main" xmlns:r="http://schemas.openxmlformats.org/officeDocument/2006/relationships" xmlns:p="http://schemas.openxmlformats.org/presentationml/2006/main">
   <p:cSld>
     <p:spTree>
@@ -5356,23 +5622,697 @@
 </p:sld>
 </file>
 
-<file path=ppt/slides/slide5.xml><?xml version="1.0" encoding="utf-8"?>
-<p:sld xmlns:a="http://schemas.openxmlformats.org/drawingml/2006/main" xmlns:r="http://schemas.openxmlformats.org/officeDocument/2006/relationships" xmlns:p="http://schemas.openxmlformats.org/presentationml/2006/main">
-  <p:cSld>
-    <p:spTree>
-      <p:nvGrpSpPr>
-        <p:cNvPr id="1" name=""/>
-        <p:cNvGrpSpPr/>
-        <p:nvPr/>
-      </p:nvGrpSpPr>
-      <p:grpSpPr>
-        <a:xfrm>
-          <a:off x="0" y="0"/>
-          <a:ext cx="0" cy="0"/>
-          <a:chOff x="0" y="0"/>
-          <a:chExt cx="0" cy="0"/>
-        </a:xfrm>
-      </p:grpSpPr>
+<file path=ppt/slides/slide52.xml><?xml version="1.0" encoding="utf-8"?>
+<p:sld xmlns:a="http://schemas.openxmlformats.org/drawingml/2006/main" xmlns:r="http://schemas.openxmlformats.org/officeDocument/2006/relationships" xmlns:p="http://schemas.openxmlformats.org/presentationml/2006/main">
+  <p:cSld>
+    <p:spTree>
+      <p:nvGrpSpPr>
+        <p:cNvPr id="1" name=""/>
+        <p:cNvGrpSpPr/>
+        <p:nvPr/>
+      </p:nvGrpSpPr>
+      <p:grpSpPr>
+        <a:xfrm>
+          <a:off x="0" y="0"/>
+          <a:ext cx="0" cy="0"/>
+          <a:chOff x="0" y="0"/>
+          <a:chExt cx="0" cy="0"/>
+        </a:xfrm>
+      </p:grpSpPr>
+    </p:spTree>
+    <p:extLst>
+      <p:ext uri="{BB962C8B-B14F-4D97-AF65-F5344CB8AC3E}">
+        <p14:creationId xmlns:p14="http://schemas.microsoft.com/office/powerpoint/2010/main" val="435454315"/>
+      </p:ext>
+    </p:extLst>
+  </p:cSld>
+  <p:clrMapOvr>
+    <a:masterClrMapping/>
+  </p:clrMapOvr>
+</p:sld>
+</file>
+
+<file path=ppt/slides/slide53.xml><?xml version="1.0" encoding="utf-8"?>
+<p:sld xmlns:a="http://schemas.openxmlformats.org/drawingml/2006/main" xmlns:r="http://schemas.openxmlformats.org/officeDocument/2006/relationships" xmlns:p="http://schemas.openxmlformats.org/presentationml/2006/main">
+  <p:cSld>
+    <p:spTree>
+      <p:nvGrpSpPr>
+        <p:cNvPr id="1" name=""/>
+        <p:cNvGrpSpPr/>
+        <p:nvPr/>
+      </p:nvGrpSpPr>
+      <p:grpSpPr>
+        <a:xfrm>
+          <a:off x="0" y="0"/>
+          <a:ext cx="0" cy="0"/>
+          <a:chOff x="0" y="0"/>
+          <a:chExt cx="0" cy="0"/>
+        </a:xfrm>
+      </p:grpSpPr>
+    </p:spTree>
+    <p:extLst>
+      <p:ext uri="{BB962C8B-B14F-4D97-AF65-F5344CB8AC3E}">
+        <p14:creationId xmlns:p14="http://schemas.microsoft.com/office/powerpoint/2010/main" val="2756520319"/>
+      </p:ext>
+    </p:extLst>
+  </p:cSld>
+  <p:clrMapOvr>
+    <a:masterClrMapping/>
+  </p:clrMapOvr>
+</p:sld>
+</file>
+
+<file path=ppt/slides/slide54.xml><?xml version="1.0" encoding="utf-8"?>
+<p:sld xmlns:a="http://schemas.openxmlformats.org/drawingml/2006/main" xmlns:r="http://schemas.openxmlformats.org/officeDocument/2006/relationships" xmlns:p="http://schemas.openxmlformats.org/presentationml/2006/main">
+  <p:cSld>
+    <p:spTree>
+      <p:nvGrpSpPr>
+        <p:cNvPr id="1" name=""/>
+        <p:cNvGrpSpPr/>
+        <p:nvPr/>
+      </p:nvGrpSpPr>
+      <p:grpSpPr>
+        <a:xfrm>
+          <a:off x="0" y="0"/>
+          <a:ext cx="0" cy="0"/>
+          <a:chOff x="0" y="0"/>
+          <a:chExt cx="0" cy="0"/>
+        </a:xfrm>
+      </p:grpSpPr>
+    </p:spTree>
+    <p:extLst>
+      <p:ext uri="{BB962C8B-B14F-4D97-AF65-F5344CB8AC3E}">
+        <p14:creationId xmlns:p14="http://schemas.microsoft.com/office/powerpoint/2010/main" val="3544307003"/>
+      </p:ext>
+    </p:extLst>
+  </p:cSld>
+  <p:clrMapOvr>
+    <a:masterClrMapping/>
+  </p:clrMapOvr>
+</p:sld>
+</file>
+
+<file path=ppt/slides/slide55.xml><?xml version="1.0" encoding="utf-8"?>
+<p:sld xmlns:a="http://schemas.openxmlformats.org/drawingml/2006/main" xmlns:r="http://schemas.openxmlformats.org/officeDocument/2006/relationships" xmlns:p="http://schemas.openxmlformats.org/presentationml/2006/main">
+  <p:cSld>
+    <p:spTree>
+      <p:nvGrpSpPr>
+        <p:cNvPr id="1" name=""/>
+        <p:cNvGrpSpPr/>
+        <p:nvPr/>
+      </p:nvGrpSpPr>
+      <p:grpSpPr>
+        <a:xfrm>
+          <a:off x="0" y="0"/>
+          <a:ext cx="0" cy="0"/>
+          <a:chOff x="0" y="0"/>
+          <a:chExt cx="0" cy="0"/>
+        </a:xfrm>
+      </p:grpSpPr>
+    </p:spTree>
+    <p:extLst>
+      <p:ext uri="{BB962C8B-B14F-4D97-AF65-F5344CB8AC3E}">
+        <p14:creationId xmlns:p14="http://schemas.microsoft.com/office/powerpoint/2010/main" val="2055453856"/>
+      </p:ext>
+    </p:extLst>
+  </p:cSld>
+  <p:clrMapOvr>
+    <a:masterClrMapping/>
+  </p:clrMapOvr>
+</p:sld>
+</file>
+
+<file path=ppt/slides/slide56.xml><?xml version="1.0" encoding="utf-8"?>
+<p:sld xmlns:a="http://schemas.openxmlformats.org/drawingml/2006/main" xmlns:r="http://schemas.openxmlformats.org/officeDocument/2006/relationships" xmlns:p="http://schemas.openxmlformats.org/presentationml/2006/main">
+  <p:cSld>
+    <p:spTree>
+      <p:nvGrpSpPr>
+        <p:cNvPr id="1" name=""/>
+        <p:cNvGrpSpPr/>
+        <p:nvPr/>
+      </p:nvGrpSpPr>
+      <p:grpSpPr>
+        <a:xfrm>
+          <a:off x="0" y="0"/>
+          <a:ext cx="0" cy="0"/>
+          <a:chOff x="0" y="0"/>
+          <a:chExt cx="0" cy="0"/>
+        </a:xfrm>
+      </p:grpSpPr>
+    </p:spTree>
+    <p:extLst>
+      <p:ext uri="{BB962C8B-B14F-4D97-AF65-F5344CB8AC3E}">
+        <p14:creationId xmlns:p14="http://schemas.microsoft.com/office/powerpoint/2010/main" val="434845147"/>
+      </p:ext>
+    </p:extLst>
+  </p:cSld>
+  <p:clrMapOvr>
+    <a:masterClrMapping/>
+  </p:clrMapOvr>
+</p:sld>
+</file>
+
+<file path=ppt/slides/slide57.xml><?xml version="1.0" encoding="utf-8"?>
+<p:sld xmlns:a="http://schemas.openxmlformats.org/drawingml/2006/main" xmlns:r="http://schemas.openxmlformats.org/officeDocument/2006/relationships" xmlns:p="http://schemas.openxmlformats.org/presentationml/2006/main">
+  <p:cSld>
+    <p:spTree>
+      <p:nvGrpSpPr>
+        <p:cNvPr id="1" name=""/>
+        <p:cNvGrpSpPr/>
+        <p:nvPr/>
+      </p:nvGrpSpPr>
+      <p:grpSpPr>
+        <a:xfrm>
+          <a:off x="0" y="0"/>
+          <a:ext cx="0" cy="0"/>
+          <a:chOff x="0" y="0"/>
+          <a:chExt cx="0" cy="0"/>
+        </a:xfrm>
+      </p:grpSpPr>
+    </p:spTree>
+    <p:extLst>
+      <p:ext uri="{BB962C8B-B14F-4D97-AF65-F5344CB8AC3E}">
+        <p14:creationId xmlns:p14="http://schemas.microsoft.com/office/powerpoint/2010/main" val="280193632"/>
+      </p:ext>
+    </p:extLst>
+  </p:cSld>
+  <p:clrMapOvr>
+    <a:masterClrMapping/>
+  </p:clrMapOvr>
+</p:sld>
+</file>
+
+<file path=ppt/slides/slide58.xml><?xml version="1.0" encoding="utf-8"?>
+<p:sld xmlns:a="http://schemas.openxmlformats.org/drawingml/2006/main" xmlns:r="http://schemas.openxmlformats.org/officeDocument/2006/relationships" xmlns:p="http://schemas.openxmlformats.org/presentationml/2006/main">
+  <p:cSld>
+    <p:spTree>
+      <p:nvGrpSpPr>
+        <p:cNvPr id="1" name=""/>
+        <p:cNvGrpSpPr/>
+        <p:nvPr/>
+      </p:nvGrpSpPr>
+      <p:grpSpPr>
+        <a:xfrm>
+          <a:off x="0" y="0"/>
+          <a:ext cx="0" cy="0"/>
+          <a:chOff x="0" y="0"/>
+          <a:chExt cx="0" cy="0"/>
+        </a:xfrm>
+      </p:grpSpPr>
+    </p:spTree>
+    <p:extLst>
+      <p:ext uri="{BB962C8B-B14F-4D97-AF65-F5344CB8AC3E}">
+        <p14:creationId xmlns:p14="http://schemas.microsoft.com/office/powerpoint/2010/main" val="1826199768"/>
+      </p:ext>
+    </p:extLst>
+  </p:cSld>
+  <p:clrMapOvr>
+    <a:masterClrMapping/>
+  </p:clrMapOvr>
+</p:sld>
+</file>
+
+<file path=ppt/slides/slide59.xml><?xml version="1.0" encoding="utf-8"?>
+<p:sld xmlns:a="http://schemas.openxmlformats.org/drawingml/2006/main" xmlns:r="http://schemas.openxmlformats.org/officeDocument/2006/relationships" xmlns:p="http://schemas.openxmlformats.org/presentationml/2006/main">
+  <p:cSld>
+    <p:spTree>
+      <p:nvGrpSpPr>
+        <p:cNvPr id="1" name=""/>
+        <p:cNvGrpSpPr/>
+        <p:nvPr/>
+      </p:nvGrpSpPr>
+      <p:grpSpPr>
+        <a:xfrm>
+          <a:off x="0" y="0"/>
+          <a:ext cx="0" cy="0"/>
+          <a:chOff x="0" y="0"/>
+          <a:chExt cx="0" cy="0"/>
+        </a:xfrm>
+      </p:grpSpPr>
+    </p:spTree>
+    <p:extLst>
+      <p:ext uri="{BB962C8B-B14F-4D97-AF65-F5344CB8AC3E}">
+        <p14:creationId xmlns:p14="http://schemas.microsoft.com/office/powerpoint/2010/main" val="3585456956"/>
+      </p:ext>
+    </p:extLst>
+  </p:cSld>
+  <p:clrMapOvr>
+    <a:masterClrMapping/>
+  </p:clrMapOvr>
+</p:sld>
+</file>
+
+<file path=ppt/slides/slide6.xml><?xml version="1.0" encoding="utf-8"?>
+<p:sld xmlns:a="http://schemas.openxmlformats.org/drawingml/2006/main" xmlns:r="http://schemas.openxmlformats.org/officeDocument/2006/relationships" xmlns:p="http://schemas.openxmlformats.org/presentationml/2006/main">
+  <p:cSld>
+    <p:spTree>
+      <p:nvGrpSpPr>
+        <p:cNvPr id="1" name=""/>
+        <p:cNvGrpSpPr/>
+        <p:nvPr/>
+      </p:nvGrpSpPr>
+      <p:grpSpPr>
+        <a:xfrm>
+          <a:off x="0" y="0"/>
+          <a:ext cx="0" cy="0"/>
+          <a:chOff x="0" y="0"/>
+          <a:chExt cx="0" cy="0"/>
+        </a:xfrm>
+      </p:grpSpPr>
+      <p:sp>
+        <p:nvSpPr>
+          <p:cNvPr id="2" name="TextBox 1">
+            <a:extLst>
+              <a:ext uri="{FF2B5EF4-FFF2-40B4-BE49-F238E27FC236}">
+                <a16:creationId xmlns:a16="http://schemas.microsoft.com/office/drawing/2014/main" id="{573AC2FF-0A20-41AB-B9AF-249F9E61A482}"/>
+              </a:ext>
+            </a:extLst>
+          </p:cNvPr>
+          <p:cNvSpPr txBox="1"/>
+          <p:nvPr/>
+        </p:nvSpPr>
+        <p:spPr>
+          <a:xfrm>
+            <a:off x="1795720" y="2228671"/>
+            <a:ext cx="8600560" cy="1200329"/>
+          </a:xfrm>
+          <a:prstGeom prst="rect">
+            <a:avLst/>
+          </a:prstGeom>
+          <a:noFill/>
+        </p:spPr>
+        <p:txBody>
+          <a:bodyPr wrap="none" rtlCol="0">
+            <a:spAutoFit/>
+          </a:bodyPr>
+          <a:lstStyle/>
+          <a:p>
+            <a:r>
+              <a:rPr lang="en-US" sz="7200" b="1" dirty="0">
+                <a:solidFill>
+                  <a:srgbClr val="FF0000"/>
+                </a:solidFill>
+              </a:rPr>
+              <a:t>Fixed Sliding Window </a:t>
+            </a:r>
+            <a:endParaRPr lang="en-IN" sz="7200" b="1" dirty="0">
+              <a:solidFill>
+                <a:srgbClr val="FF0000"/>
+              </a:solidFill>
+            </a:endParaRPr>
+          </a:p>
+        </p:txBody>
+      </p:sp>
+    </p:spTree>
+    <p:extLst>
+      <p:ext uri="{BB962C8B-B14F-4D97-AF65-F5344CB8AC3E}">
+        <p14:creationId xmlns:p14="http://schemas.microsoft.com/office/powerpoint/2010/main" val="3509128940"/>
+      </p:ext>
+    </p:extLst>
+  </p:cSld>
+  <p:clrMapOvr>
+    <a:masterClrMapping/>
+  </p:clrMapOvr>
+</p:sld>
+</file>
+
+<file path=ppt/slides/slide60.xml><?xml version="1.0" encoding="utf-8"?>
+<p:sld xmlns:a="http://schemas.openxmlformats.org/drawingml/2006/main" xmlns:r="http://schemas.openxmlformats.org/officeDocument/2006/relationships" xmlns:p="http://schemas.openxmlformats.org/presentationml/2006/main">
+  <p:cSld>
+    <p:spTree>
+      <p:nvGrpSpPr>
+        <p:cNvPr id="1" name=""/>
+        <p:cNvGrpSpPr/>
+        <p:nvPr/>
+      </p:nvGrpSpPr>
+      <p:grpSpPr>
+        <a:xfrm>
+          <a:off x="0" y="0"/>
+          <a:ext cx="0" cy="0"/>
+          <a:chOff x="0" y="0"/>
+          <a:chExt cx="0" cy="0"/>
+        </a:xfrm>
+      </p:grpSpPr>
+    </p:spTree>
+    <p:extLst>
+      <p:ext uri="{BB962C8B-B14F-4D97-AF65-F5344CB8AC3E}">
+        <p14:creationId xmlns:p14="http://schemas.microsoft.com/office/powerpoint/2010/main" val="296555806"/>
+      </p:ext>
+    </p:extLst>
+  </p:cSld>
+  <p:clrMapOvr>
+    <a:masterClrMapping/>
+  </p:clrMapOvr>
+</p:sld>
+</file>
+
+<file path=ppt/slides/slide61.xml><?xml version="1.0" encoding="utf-8"?>
+<p:sld xmlns:a="http://schemas.openxmlformats.org/drawingml/2006/main" xmlns:r="http://schemas.openxmlformats.org/officeDocument/2006/relationships" xmlns:p="http://schemas.openxmlformats.org/presentationml/2006/main">
+  <p:cSld>
+    <p:spTree>
+      <p:nvGrpSpPr>
+        <p:cNvPr id="1" name=""/>
+        <p:cNvGrpSpPr/>
+        <p:nvPr/>
+      </p:nvGrpSpPr>
+      <p:grpSpPr>
+        <a:xfrm>
+          <a:off x="0" y="0"/>
+          <a:ext cx="0" cy="0"/>
+          <a:chOff x="0" y="0"/>
+          <a:chExt cx="0" cy="0"/>
+        </a:xfrm>
+      </p:grpSpPr>
+    </p:spTree>
+    <p:extLst>
+      <p:ext uri="{BB962C8B-B14F-4D97-AF65-F5344CB8AC3E}">
+        <p14:creationId xmlns:p14="http://schemas.microsoft.com/office/powerpoint/2010/main" val="2831686726"/>
+      </p:ext>
+    </p:extLst>
+  </p:cSld>
+  <p:clrMapOvr>
+    <a:masterClrMapping/>
+  </p:clrMapOvr>
+</p:sld>
+</file>
+
+<file path=ppt/slides/slide62.xml><?xml version="1.0" encoding="utf-8"?>
+<p:sld xmlns:a="http://schemas.openxmlformats.org/drawingml/2006/main" xmlns:r="http://schemas.openxmlformats.org/officeDocument/2006/relationships" xmlns:p="http://schemas.openxmlformats.org/presentationml/2006/main">
+  <p:cSld>
+    <p:spTree>
+      <p:nvGrpSpPr>
+        <p:cNvPr id="1" name=""/>
+        <p:cNvGrpSpPr/>
+        <p:nvPr/>
+      </p:nvGrpSpPr>
+      <p:grpSpPr>
+        <a:xfrm>
+          <a:off x="0" y="0"/>
+          <a:ext cx="0" cy="0"/>
+          <a:chOff x="0" y="0"/>
+          <a:chExt cx="0" cy="0"/>
+        </a:xfrm>
+      </p:grpSpPr>
+    </p:spTree>
+    <p:extLst>
+      <p:ext uri="{BB962C8B-B14F-4D97-AF65-F5344CB8AC3E}">
+        <p14:creationId xmlns:p14="http://schemas.microsoft.com/office/powerpoint/2010/main" val="2768113883"/>
+      </p:ext>
+    </p:extLst>
+  </p:cSld>
+  <p:clrMapOvr>
+    <a:masterClrMapping/>
+  </p:clrMapOvr>
+</p:sld>
+</file>
+
+<file path=ppt/slides/slide63.xml><?xml version="1.0" encoding="utf-8"?>
+<p:sld xmlns:a="http://schemas.openxmlformats.org/drawingml/2006/main" xmlns:r="http://schemas.openxmlformats.org/officeDocument/2006/relationships" xmlns:p="http://schemas.openxmlformats.org/presentationml/2006/main">
+  <p:cSld>
+    <p:spTree>
+      <p:nvGrpSpPr>
+        <p:cNvPr id="1" name=""/>
+        <p:cNvGrpSpPr/>
+        <p:nvPr/>
+      </p:nvGrpSpPr>
+      <p:grpSpPr>
+        <a:xfrm>
+          <a:off x="0" y="0"/>
+          <a:ext cx="0" cy="0"/>
+          <a:chOff x="0" y="0"/>
+          <a:chExt cx="0" cy="0"/>
+        </a:xfrm>
+      </p:grpSpPr>
+    </p:spTree>
+    <p:extLst>
+      <p:ext uri="{BB962C8B-B14F-4D97-AF65-F5344CB8AC3E}">
+        <p14:creationId xmlns:p14="http://schemas.microsoft.com/office/powerpoint/2010/main" val="114186403"/>
+      </p:ext>
+    </p:extLst>
+  </p:cSld>
+  <p:clrMapOvr>
+    <a:masterClrMapping/>
+  </p:clrMapOvr>
+</p:sld>
+</file>
+
+<file path=ppt/slides/slide64.xml><?xml version="1.0" encoding="utf-8"?>
+<p:sld xmlns:a="http://schemas.openxmlformats.org/drawingml/2006/main" xmlns:r="http://schemas.openxmlformats.org/officeDocument/2006/relationships" xmlns:p="http://schemas.openxmlformats.org/presentationml/2006/main">
+  <p:cSld>
+    <p:spTree>
+      <p:nvGrpSpPr>
+        <p:cNvPr id="1" name=""/>
+        <p:cNvGrpSpPr/>
+        <p:nvPr/>
+      </p:nvGrpSpPr>
+      <p:grpSpPr>
+        <a:xfrm>
+          <a:off x="0" y="0"/>
+          <a:ext cx="0" cy="0"/>
+          <a:chOff x="0" y="0"/>
+          <a:chExt cx="0" cy="0"/>
+        </a:xfrm>
+      </p:grpSpPr>
+    </p:spTree>
+    <p:extLst>
+      <p:ext uri="{BB962C8B-B14F-4D97-AF65-F5344CB8AC3E}">
+        <p14:creationId xmlns:p14="http://schemas.microsoft.com/office/powerpoint/2010/main" val="836042064"/>
+      </p:ext>
+    </p:extLst>
+  </p:cSld>
+  <p:clrMapOvr>
+    <a:masterClrMapping/>
+  </p:clrMapOvr>
+</p:sld>
+</file>
+
+<file path=ppt/slides/slide65.xml><?xml version="1.0" encoding="utf-8"?>
+<p:sld xmlns:a="http://schemas.openxmlformats.org/drawingml/2006/main" xmlns:r="http://schemas.openxmlformats.org/officeDocument/2006/relationships" xmlns:p="http://schemas.openxmlformats.org/presentationml/2006/main">
+  <p:cSld>
+    <p:spTree>
+      <p:nvGrpSpPr>
+        <p:cNvPr id="1" name=""/>
+        <p:cNvGrpSpPr/>
+        <p:nvPr/>
+      </p:nvGrpSpPr>
+      <p:grpSpPr>
+        <a:xfrm>
+          <a:off x="0" y="0"/>
+          <a:ext cx="0" cy="0"/>
+          <a:chOff x="0" y="0"/>
+          <a:chExt cx="0" cy="0"/>
+        </a:xfrm>
+      </p:grpSpPr>
+    </p:spTree>
+    <p:extLst>
+      <p:ext uri="{BB962C8B-B14F-4D97-AF65-F5344CB8AC3E}">
+        <p14:creationId xmlns:p14="http://schemas.microsoft.com/office/powerpoint/2010/main" val="1811430730"/>
+      </p:ext>
+    </p:extLst>
+  </p:cSld>
+  <p:clrMapOvr>
+    <a:masterClrMapping/>
+  </p:clrMapOvr>
+</p:sld>
+</file>
+
+<file path=ppt/slides/slide66.xml><?xml version="1.0" encoding="utf-8"?>
+<p:sld xmlns:a="http://schemas.openxmlformats.org/drawingml/2006/main" xmlns:r="http://schemas.openxmlformats.org/officeDocument/2006/relationships" xmlns:p="http://schemas.openxmlformats.org/presentationml/2006/main">
+  <p:cSld>
+    <p:spTree>
+      <p:nvGrpSpPr>
+        <p:cNvPr id="1" name=""/>
+        <p:cNvGrpSpPr/>
+        <p:nvPr/>
+      </p:nvGrpSpPr>
+      <p:grpSpPr>
+        <a:xfrm>
+          <a:off x="0" y="0"/>
+          <a:ext cx="0" cy="0"/>
+          <a:chOff x="0" y="0"/>
+          <a:chExt cx="0" cy="0"/>
+        </a:xfrm>
+      </p:grpSpPr>
+    </p:spTree>
+    <p:extLst>
+      <p:ext uri="{BB962C8B-B14F-4D97-AF65-F5344CB8AC3E}">
+        <p14:creationId xmlns:p14="http://schemas.microsoft.com/office/powerpoint/2010/main" val="2861632003"/>
+      </p:ext>
+    </p:extLst>
+  </p:cSld>
+  <p:clrMapOvr>
+    <a:masterClrMapping/>
+  </p:clrMapOvr>
+</p:sld>
+</file>
+
+<file path=ppt/slides/slide67.xml><?xml version="1.0" encoding="utf-8"?>
+<p:sld xmlns:a="http://schemas.openxmlformats.org/drawingml/2006/main" xmlns:r="http://schemas.openxmlformats.org/officeDocument/2006/relationships" xmlns:p="http://schemas.openxmlformats.org/presentationml/2006/main">
+  <p:cSld>
+    <p:spTree>
+      <p:nvGrpSpPr>
+        <p:cNvPr id="1" name=""/>
+        <p:cNvGrpSpPr/>
+        <p:nvPr/>
+      </p:nvGrpSpPr>
+      <p:grpSpPr>
+        <a:xfrm>
+          <a:off x="0" y="0"/>
+          <a:ext cx="0" cy="0"/>
+          <a:chOff x="0" y="0"/>
+          <a:chExt cx="0" cy="0"/>
+        </a:xfrm>
+      </p:grpSpPr>
+    </p:spTree>
+    <p:extLst>
+      <p:ext uri="{BB962C8B-B14F-4D97-AF65-F5344CB8AC3E}">
+        <p14:creationId xmlns:p14="http://schemas.microsoft.com/office/powerpoint/2010/main" val="4000969765"/>
+      </p:ext>
+    </p:extLst>
+  </p:cSld>
+  <p:clrMapOvr>
+    <a:masterClrMapping/>
+  </p:clrMapOvr>
+</p:sld>
+</file>
+
+<file path=ppt/slides/slide68.xml><?xml version="1.0" encoding="utf-8"?>
+<p:sld xmlns:a="http://schemas.openxmlformats.org/drawingml/2006/main" xmlns:r="http://schemas.openxmlformats.org/officeDocument/2006/relationships" xmlns:p="http://schemas.openxmlformats.org/presentationml/2006/main">
+  <p:cSld>
+    <p:spTree>
+      <p:nvGrpSpPr>
+        <p:cNvPr id="1" name=""/>
+        <p:cNvGrpSpPr/>
+        <p:nvPr/>
+      </p:nvGrpSpPr>
+      <p:grpSpPr>
+        <a:xfrm>
+          <a:off x="0" y="0"/>
+          <a:ext cx="0" cy="0"/>
+          <a:chOff x="0" y="0"/>
+          <a:chExt cx="0" cy="0"/>
+        </a:xfrm>
+      </p:grpSpPr>
+    </p:spTree>
+    <p:extLst>
+      <p:ext uri="{BB962C8B-B14F-4D97-AF65-F5344CB8AC3E}">
+        <p14:creationId xmlns:p14="http://schemas.microsoft.com/office/powerpoint/2010/main" val="3203516153"/>
+      </p:ext>
+    </p:extLst>
+  </p:cSld>
+  <p:clrMapOvr>
+    <a:masterClrMapping/>
+  </p:clrMapOvr>
+</p:sld>
+</file>
+
+<file path=ppt/slides/slide69.xml><?xml version="1.0" encoding="utf-8"?>
+<p:sld xmlns:a="http://schemas.openxmlformats.org/drawingml/2006/main" xmlns:r="http://schemas.openxmlformats.org/officeDocument/2006/relationships" xmlns:p="http://schemas.openxmlformats.org/presentationml/2006/main">
+  <p:cSld>
+    <p:spTree>
+      <p:nvGrpSpPr>
+        <p:cNvPr id="1" name=""/>
+        <p:cNvGrpSpPr/>
+        <p:nvPr/>
+      </p:nvGrpSpPr>
+      <p:grpSpPr>
+        <a:xfrm>
+          <a:off x="0" y="0"/>
+          <a:ext cx="0" cy="0"/>
+          <a:chOff x="0" y="0"/>
+          <a:chExt cx="0" cy="0"/>
+        </a:xfrm>
+      </p:grpSpPr>
+    </p:spTree>
+    <p:extLst>
+      <p:ext uri="{BB962C8B-B14F-4D97-AF65-F5344CB8AC3E}">
+        <p14:creationId xmlns:p14="http://schemas.microsoft.com/office/powerpoint/2010/main" val="651049293"/>
+      </p:ext>
+    </p:extLst>
+  </p:cSld>
+  <p:clrMapOvr>
+    <a:masterClrMapping/>
+  </p:clrMapOvr>
+</p:sld>
+</file>
+
+<file path=ppt/slides/slide7.xml><?xml version="1.0" encoding="utf-8"?>
+<p:sld xmlns:a="http://schemas.openxmlformats.org/drawingml/2006/main" xmlns:r="http://schemas.openxmlformats.org/officeDocument/2006/relationships" xmlns:p="http://schemas.openxmlformats.org/presentationml/2006/main">
+  <p:cSld>
+    <p:spTree>
+      <p:nvGrpSpPr>
+        <p:cNvPr id="1" name=""/>
+        <p:cNvGrpSpPr/>
+        <p:nvPr/>
+      </p:nvGrpSpPr>
+      <p:grpSpPr>
+        <a:xfrm>
+          <a:off x="0" y="0"/>
+          <a:ext cx="0" cy="0"/>
+          <a:chOff x="0" y="0"/>
+          <a:chExt cx="0" cy="0"/>
+        </a:xfrm>
+      </p:grpSpPr>
+      <p:pic>
+        <p:nvPicPr>
+          <p:cNvPr id="3" name="Picture 2">
+            <a:extLst>
+              <a:ext uri="{FF2B5EF4-FFF2-40B4-BE49-F238E27FC236}">
+                <a16:creationId xmlns:a16="http://schemas.microsoft.com/office/drawing/2014/main" id="{C9F853F5-C23F-4A32-A619-B5B1C425161C}"/>
+              </a:ext>
+            </a:extLst>
+          </p:cNvPr>
+          <p:cNvPicPr>
+            <a:picLocks noChangeAspect="1"/>
+          </p:cNvPicPr>
+          <p:nvPr/>
+        </p:nvPicPr>
+        <p:blipFill>
+          <a:blip r:embed="rId2"/>
+          <a:stretch>
+            <a:fillRect/>
+          </a:stretch>
+        </p:blipFill>
+        <p:spPr>
+          <a:xfrm>
+            <a:off x="0" y="0"/>
+            <a:ext cx="4392891" cy="2471001"/>
+          </a:xfrm>
+          <a:prstGeom prst="rect">
+            <a:avLst/>
+          </a:prstGeom>
+        </p:spPr>
+      </p:pic>
+      <p:pic>
+        <p:nvPicPr>
+          <p:cNvPr id="5" name="Picture 4">
+            <a:extLst>
+              <a:ext uri="{FF2B5EF4-FFF2-40B4-BE49-F238E27FC236}">
+                <a16:creationId xmlns:a16="http://schemas.microsoft.com/office/drawing/2014/main" id="{20C9B278-5838-4A29-918B-A98146447571}"/>
+              </a:ext>
+            </a:extLst>
+          </p:cNvPr>
+          <p:cNvPicPr>
+            <a:picLocks noChangeAspect="1"/>
+          </p:cNvPicPr>
+          <p:nvPr/>
+        </p:nvPicPr>
+        <p:blipFill>
+          <a:blip r:embed="rId3"/>
+          <a:stretch>
+            <a:fillRect/>
+          </a:stretch>
+        </p:blipFill>
+        <p:spPr>
+          <a:xfrm>
+            <a:off x="0" y="0"/>
+            <a:ext cx="12192000" cy="6858000"/>
+          </a:xfrm>
+          <a:prstGeom prst="rect">
+            <a:avLst/>
+          </a:prstGeom>
+        </p:spPr>
+      </p:pic>
     </p:spTree>
     <p:extLst>
       <p:ext uri="{BB962C8B-B14F-4D97-AF65-F5344CB8AC3E}">
@@ -5386,1107 +6326,573 @@
 </p:sld>
 </file>
 
-<file path=ppt/slides/slide50.xml><?xml version="1.0" encoding="utf-8"?>
-<p:sld xmlns:a="http://schemas.openxmlformats.org/drawingml/2006/main" xmlns:r="http://schemas.openxmlformats.org/officeDocument/2006/relationships" xmlns:p="http://schemas.openxmlformats.org/presentationml/2006/main">
-  <p:cSld>
-    <p:spTree>
-      <p:nvGrpSpPr>
-        <p:cNvPr id="1" name=""/>
-        <p:cNvGrpSpPr/>
-        <p:nvPr/>
-      </p:nvGrpSpPr>
-      <p:grpSpPr>
-        <a:xfrm>
-          <a:off x="0" y="0"/>
-          <a:ext cx="0" cy="0"/>
-          <a:chOff x="0" y="0"/>
-          <a:chExt cx="0" cy="0"/>
-        </a:xfrm>
-      </p:grpSpPr>
-    </p:spTree>
-    <p:extLst>
-      <p:ext uri="{BB962C8B-B14F-4D97-AF65-F5344CB8AC3E}">
-        <p14:creationId xmlns:p14="http://schemas.microsoft.com/office/powerpoint/2010/main" val="435454315"/>
-      </p:ext>
-    </p:extLst>
-  </p:cSld>
-  <p:clrMapOvr>
-    <a:masterClrMapping/>
-  </p:clrMapOvr>
-</p:sld>
-</file>
-
-<file path=ppt/slides/slide51.xml><?xml version="1.0" encoding="utf-8"?>
-<p:sld xmlns:a="http://schemas.openxmlformats.org/drawingml/2006/main" xmlns:r="http://schemas.openxmlformats.org/officeDocument/2006/relationships" xmlns:p="http://schemas.openxmlformats.org/presentationml/2006/main">
-  <p:cSld>
-    <p:spTree>
-      <p:nvGrpSpPr>
-        <p:cNvPr id="1" name=""/>
-        <p:cNvGrpSpPr/>
-        <p:nvPr/>
-      </p:nvGrpSpPr>
-      <p:grpSpPr>
-        <a:xfrm>
-          <a:off x="0" y="0"/>
-          <a:ext cx="0" cy="0"/>
-          <a:chOff x="0" y="0"/>
-          <a:chExt cx="0" cy="0"/>
-        </a:xfrm>
-      </p:grpSpPr>
-    </p:spTree>
-    <p:extLst>
-      <p:ext uri="{BB962C8B-B14F-4D97-AF65-F5344CB8AC3E}">
-        <p14:creationId xmlns:p14="http://schemas.microsoft.com/office/powerpoint/2010/main" val="2756520319"/>
-      </p:ext>
-    </p:extLst>
-  </p:cSld>
-  <p:clrMapOvr>
-    <a:masterClrMapping/>
-  </p:clrMapOvr>
-</p:sld>
-</file>
-
-<file path=ppt/slides/slide52.xml><?xml version="1.0" encoding="utf-8"?>
-<p:sld xmlns:a="http://schemas.openxmlformats.org/drawingml/2006/main" xmlns:r="http://schemas.openxmlformats.org/officeDocument/2006/relationships" xmlns:p="http://schemas.openxmlformats.org/presentationml/2006/main">
-  <p:cSld>
-    <p:spTree>
-      <p:nvGrpSpPr>
-        <p:cNvPr id="1" name=""/>
-        <p:cNvGrpSpPr/>
-        <p:nvPr/>
-      </p:nvGrpSpPr>
-      <p:grpSpPr>
-        <a:xfrm>
-          <a:off x="0" y="0"/>
-          <a:ext cx="0" cy="0"/>
-          <a:chOff x="0" y="0"/>
-          <a:chExt cx="0" cy="0"/>
-        </a:xfrm>
-      </p:grpSpPr>
-    </p:spTree>
-    <p:extLst>
-      <p:ext uri="{BB962C8B-B14F-4D97-AF65-F5344CB8AC3E}">
-        <p14:creationId xmlns:p14="http://schemas.microsoft.com/office/powerpoint/2010/main" val="3544307003"/>
-      </p:ext>
-    </p:extLst>
-  </p:cSld>
-  <p:clrMapOvr>
-    <a:masterClrMapping/>
-  </p:clrMapOvr>
-</p:sld>
-</file>
-
-<file path=ppt/slides/slide53.xml><?xml version="1.0" encoding="utf-8"?>
-<p:sld xmlns:a="http://schemas.openxmlformats.org/drawingml/2006/main" xmlns:r="http://schemas.openxmlformats.org/officeDocument/2006/relationships" xmlns:p="http://schemas.openxmlformats.org/presentationml/2006/main">
-  <p:cSld>
-    <p:spTree>
-      <p:nvGrpSpPr>
-        <p:cNvPr id="1" name=""/>
-        <p:cNvGrpSpPr/>
-        <p:nvPr/>
-      </p:nvGrpSpPr>
-      <p:grpSpPr>
-        <a:xfrm>
-          <a:off x="0" y="0"/>
-          <a:ext cx="0" cy="0"/>
-          <a:chOff x="0" y="0"/>
-          <a:chExt cx="0" cy="0"/>
-        </a:xfrm>
-      </p:grpSpPr>
-    </p:spTree>
-    <p:extLst>
-      <p:ext uri="{BB962C8B-B14F-4D97-AF65-F5344CB8AC3E}">
-        <p14:creationId xmlns:p14="http://schemas.microsoft.com/office/powerpoint/2010/main" val="2055453856"/>
-      </p:ext>
-    </p:extLst>
-  </p:cSld>
-  <p:clrMapOvr>
-    <a:masterClrMapping/>
-  </p:clrMapOvr>
-</p:sld>
-</file>
-
-<file path=ppt/slides/slide54.xml><?xml version="1.0" encoding="utf-8"?>
-<p:sld xmlns:a="http://schemas.openxmlformats.org/drawingml/2006/main" xmlns:r="http://schemas.openxmlformats.org/officeDocument/2006/relationships" xmlns:p="http://schemas.openxmlformats.org/presentationml/2006/main">
-  <p:cSld>
-    <p:spTree>
-      <p:nvGrpSpPr>
-        <p:cNvPr id="1" name=""/>
-        <p:cNvGrpSpPr/>
-        <p:nvPr/>
-      </p:nvGrpSpPr>
-      <p:grpSpPr>
-        <a:xfrm>
-          <a:off x="0" y="0"/>
-          <a:ext cx="0" cy="0"/>
-          <a:chOff x="0" y="0"/>
-          <a:chExt cx="0" cy="0"/>
-        </a:xfrm>
-      </p:grpSpPr>
-    </p:spTree>
-    <p:extLst>
-      <p:ext uri="{BB962C8B-B14F-4D97-AF65-F5344CB8AC3E}">
-        <p14:creationId xmlns:p14="http://schemas.microsoft.com/office/powerpoint/2010/main" val="434845147"/>
-      </p:ext>
-    </p:extLst>
-  </p:cSld>
-  <p:clrMapOvr>
-    <a:masterClrMapping/>
-  </p:clrMapOvr>
-</p:sld>
-</file>
-
-<file path=ppt/slides/slide55.xml><?xml version="1.0" encoding="utf-8"?>
-<p:sld xmlns:a="http://schemas.openxmlformats.org/drawingml/2006/main" xmlns:r="http://schemas.openxmlformats.org/officeDocument/2006/relationships" xmlns:p="http://schemas.openxmlformats.org/presentationml/2006/main">
-  <p:cSld>
-    <p:spTree>
-      <p:nvGrpSpPr>
-        <p:cNvPr id="1" name=""/>
-        <p:cNvGrpSpPr/>
-        <p:nvPr/>
-      </p:nvGrpSpPr>
-      <p:grpSpPr>
-        <a:xfrm>
-          <a:off x="0" y="0"/>
-          <a:ext cx="0" cy="0"/>
-          <a:chOff x="0" y="0"/>
-          <a:chExt cx="0" cy="0"/>
-        </a:xfrm>
-      </p:grpSpPr>
-    </p:spTree>
-    <p:extLst>
-      <p:ext uri="{BB962C8B-B14F-4D97-AF65-F5344CB8AC3E}">
-        <p14:creationId xmlns:p14="http://schemas.microsoft.com/office/powerpoint/2010/main" val="280193632"/>
-      </p:ext>
-    </p:extLst>
-  </p:cSld>
-  <p:clrMapOvr>
-    <a:masterClrMapping/>
-  </p:clrMapOvr>
-</p:sld>
-</file>
-
-<file path=ppt/slides/slide56.xml><?xml version="1.0" encoding="utf-8"?>
-<p:sld xmlns:a="http://schemas.openxmlformats.org/drawingml/2006/main" xmlns:r="http://schemas.openxmlformats.org/officeDocument/2006/relationships" xmlns:p="http://schemas.openxmlformats.org/presentationml/2006/main">
-  <p:cSld>
-    <p:spTree>
-      <p:nvGrpSpPr>
-        <p:cNvPr id="1" name=""/>
-        <p:cNvGrpSpPr/>
-        <p:nvPr/>
-      </p:nvGrpSpPr>
-      <p:grpSpPr>
-        <a:xfrm>
-          <a:off x="0" y="0"/>
-          <a:ext cx="0" cy="0"/>
-          <a:chOff x="0" y="0"/>
-          <a:chExt cx="0" cy="0"/>
-        </a:xfrm>
-      </p:grpSpPr>
-    </p:spTree>
-    <p:extLst>
-      <p:ext uri="{BB962C8B-B14F-4D97-AF65-F5344CB8AC3E}">
-        <p14:creationId xmlns:p14="http://schemas.microsoft.com/office/powerpoint/2010/main" val="1826199768"/>
-      </p:ext>
-    </p:extLst>
-  </p:cSld>
-  <p:clrMapOvr>
-    <a:masterClrMapping/>
-  </p:clrMapOvr>
-</p:sld>
-</file>
-
-<file path=ppt/slides/slide57.xml><?xml version="1.0" encoding="utf-8"?>
-<p:sld xmlns:a="http://schemas.openxmlformats.org/drawingml/2006/main" xmlns:r="http://schemas.openxmlformats.org/officeDocument/2006/relationships" xmlns:p="http://schemas.openxmlformats.org/presentationml/2006/main">
-  <p:cSld>
-    <p:spTree>
-      <p:nvGrpSpPr>
-        <p:cNvPr id="1" name=""/>
-        <p:cNvGrpSpPr/>
-        <p:nvPr/>
-      </p:nvGrpSpPr>
-      <p:grpSpPr>
-        <a:xfrm>
-          <a:off x="0" y="0"/>
-          <a:ext cx="0" cy="0"/>
-          <a:chOff x="0" y="0"/>
-          <a:chExt cx="0" cy="0"/>
-        </a:xfrm>
-      </p:grpSpPr>
-    </p:spTree>
-    <p:extLst>
-      <p:ext uri="{BB962C8B-B14F-4D97-AF65-F5344CB8AC3E}">
-        <p14:creationId xmlns:p14="http://schemas.microsoft.com/office/powerpoint/2010/main" val="3585456956"/>
-      </p:ext>
-    </p:extLst>
-  </p:cSld>
-  <p:clrMapOvr>
-    <a:masterClrMapping/>
-  </p:clrMapOvr>
-</p:sld>
-</file>
-
-<file path=ppt/slides/slide58.xml><?xml version="1.0" encoding="utf-8"?>
-<p:sld xmlns:a="http://schemas.openxmlformats.org/drawingml/2006/main" xmlns:r="http://schemas.openxmlformats.org/officeDocument/2006/relationships" xmlns:p="http://schemas.openxmlformats.org/presentationml/2006/main">
-  <p:cSld>
-    <p:spTree>
-      <p:nvGrpSpPr>
-        <p:cNvPr id="1" name=""/>
-        <p:cNvGrpSpPr/>
-        <p:nvPr/>
-      </p:nvGrpSpPr>
-      <p:grpSpPr>
-        <a:xfrm>
-          <a:off x="0" y="0"/>
-          <a:ext cx="0" cy="0"/>
-          <a:chOff x="0" y="0"/>
-          <a:chExt cx="0" cy="0"/>
-        </a:xfrm>
-      </p:grpSpPr>
-    </p:spTree>
-    <p:extLst>
-      <p:ext uri="{BB962C8B-B14F-4D97-AF65-F5344CB8AC3E}">
-        <p14:creationId xmlns:p14="http://schemas.microsoft.com/office/powerpoint/2010/main" val="296555806"/>
-      </p:ext>
-    </p:extLst>
-  </p:cSld>
-  <p:clrMapOvr>
-    <a:masterClrMapping/>
-  </p:clrMapOvr>
-</p:sld>
-</file>
-
-<file path=ppt/slides/slide59.xml><?xml version="1.0" encoding="utf-8"?>
-<p:sld xmlns:a="http://schemas.openxmlformats.org/drawingml/2006/main" xmlns:r="http://schemas.openxmlformats.org/officeDocument/2006/relationships" xmlns:p="http://schemas.openxmlformats.org/presentationml/2006/main">
-  <p:cSld>
-    <p:spTree>
-      <p:nvGrpSpPr>
-        <p:cNvPr id="1" name=""/>
-        <p:cNvGrpSpPr/>
-        <p:nvPr/>
-      </p:nvGrpSpPr>
-      <p:grpSpPr>
-        <a:xfrm>
-          <a:off x="0" y="0"/>
-          <a:ext cx="0" cy="0"/>
-          <a:chOff x="0" y="0"/>
-          <a:chExt cx="0" cy="0"/>
-        </a:xfrm>
-      </p:grpSpPr>
-    </p:spTree>
-    <p:extLst>
-      <p:ext uri="{BB962C8B-B14F-4D97-AF65-F5344CB8AC3E}">
-        <p14:creationId xmlns:p14="http://schemas.microsoft.com/office/powerpoint/2010/main" val="2831686726"/>
-      </p:ext>
-    </p:extLst>
-  </p:cSld>
-  <p:clrMapOvr>
-    <a:masterClrMapping/>
-  </p:clrMapOvr>
-</p:sld>
-</file>
-
-<file path=ppt/slides/slide6.xml><?xml version="1.0" encoding="utf-8"?>
-<p:sld xmlns:a="http://schemas.openxmlformats.org/drawingml/2006/main" xmlns:r="http://schemas.openxmlformats.org/officeDocument/2006/relationships" xmlns:p="http://schemas.openxmlformats.org/presentationml/2006/main">
-  <p:cSld>
-    <p:spTree>
-      <p:nvGrpSpPr>
-        <p:cNvPr id="1" name=""/>
-        <p:cNvGrpSpPr/>
-        <p:nvPr/>
-      </p:nvGrpSpPr>
-      <p:grpSpPr>
-        <a:xfrm>
-          <a:off x="0" y="0"/>
-          <a:ext cx="0" cy="0"/>
-          <a:chOff x="0" y="0"/>
-          <a:chExt cx="0" cy="0"/>
-        </a:xfrm>
-      </p:grpSpPr>
+<file path=ppt/slides/slide70.xml><?xml version="1.0" encoding="utf-8"?>
+<p:sld xmlns:a="http://schemas.openxmlformats.org/drawingml/2006/main" xmlns:r="http://schemas.openxmlformats.org/officeDocument/2006/relationships" xmlns:p="http://schemas.openxmlformats.org/presentationml/2006/main">
+  <p:cSld>
+    <p:spTree>
+      <p:nvGrpSpPr>
+        <p:cNvPr id="1" name=""/>
+        <p:cNvGrpSpPr/>
+        <p:nvPr/>
+      </p:nvGrpSpPr>
+      <p:grpSpPr>
+        <a:xfrm>
+          <a:off x="0" y="0"/>
+          <a:ext cx="0" cy="0"/>
+          <a:chOff x="0" y="0"/>
+          <a:chExt cx="0" cy="0"/>
+        </a:xfrm>
+      </p:grpSpPr>
+    </p:spTree>
+    <p:extLst>
+      <p:ext uri="{BB962C8B-B14F-4D97-AF65-F5344CB8AC3E}">
+        <p14:creationId xmlns:p14="http://schemas.microsoft.com/office/powerpoint/2010/main" val="2929625909"/>
+      </p:ext>
+    </p:extLst>
+  </p:cSld>
+  <p:clrMapOvr>
+    <a:masterClrMapping/>
+  </p:clrMapOvr>
+</p:sld>
+</file>
+
+<file path=ppt/slides/slide71.xml><?xml version="1.0" encoding="utf-8"?>
+<p:sld xmlns:a="http://schemas.openxmlformats.org/drawingml/2006/main" xmlns:r="http://schemas.openxmlformats.org/officeDocument/2006/relationships" xmlns:p="http://schemas.openxmlformats.org/presentationml/2006/main">
+  <p:cSld>
+    <p:spTree>
+      <p:nvGrpSpPr>
+        <p:cNvPr id="1" name=""/>
+        <p:cNvGrpSpPr/>
+        <p:nvPr/>
+      </p:nvGrpSpPr>
+      <p:grpSpPr>
+        <a:xfrm>
+          <a:off x="0" y="0"/>
+          <a:ext cx="0" cy="0"/>
+          <a:chOff x="0" y="0"/>
+          <a:chExt cx="0" cy="0"/>
+        </a:xfrm>
+      </p:grpSpPr>
+    </p:spTree>
+    <p:extLst>
+      <p:ext uri="{BB962C8B-B14F-4D97-AF65-F5344CB8AC3E}">
+        <p14:creationId xmlns:p14="http://schemas.microsoft.com/office/powerpoint/2010/main" val="2213918164"/>
+      </p:ext>
+    </p:extLst>
+  </p:cSld>
+  <p:clrMapOvr>
+    <a:masterClrMapping/>
+  </p:clrMapOvr>
+</p:sld>
+</file>
+
+<file path=ppt/slides/slide72.xml><?xml version="1.0" encoding="utf-8"?>
+<p:sld xmlns:a="http://schemas.openxmlformats.org/drawingml/2006/main" xmlns:r="http://schemas.openxmlformats.org/officeDocument/2006/relationships" xmlns:p="http://schemas.openxmlformats.org/presentationml/2006/main">
+  <p:cSld>
+    <p:spTree>
+      <p:nvGrpSpPr>
+        <p:cNvPr id="1" name=""/>
+        <p:cNvGrpSpPr/>
+        <p:nvPr/>
+      </p:nvGrpSpPr>
+      <p:grpSpPr>
+        <a:xfrm>
+          <a:off x="0" y="0"/>
+          <a:ext cx="0" cy="0"/>
+          <a:chOff x="0" y="0"/>
+          <a:chExt cx="0" cy="0"/>
+        </a:xfrm>
+      </p:grpSpPr>
+    </p:spTree>
+    <p:extLst>
+      <p:ext uri="{BB962C8B-B14F-4D97-AF65-F5344CB8AC3E}">
+        <p14:creationId xmlns:p14="http://schemas.microsoft.com/office/powerpoint/2010/main" val="4144611612"/>
+      </p:ext>
+    </p:extLst>
+  </p:cSld>
+  <p:clrMapOvr>
+    <a:masterClrMapping/>
+  </p:clrMapOvr>
+</p:sld>
+</file>
+
+<file path=ppt/slides/slide73.xml><?xml version="1.0" encoding="utf-8"?>
+<p:sld xmlns:a="http://schemas.openxmlformats.org/drawingml/2006/main" xmlns:r="http://schemas.openxmlformats.org/officeDocument/2006/relationships" xmlns:p="http://schemas.openxmlformats.org/presentationml/2006/main">
+  <p:cSld>
+    <p:spTree>
+      <p:nvGrpSpPr>
+        <p:cNvPr id="1" name=""/>
+        <p:cNvGrpSpPr/>
+        <p:nvPr/>
+      </p:nvGrpSpPr>
+      <p:grpSpPr>
+        <a:xfrm>
+          <a:off x="0" y="0"/>
+          <a:ext cx="0" cy="0"/>
+          <a:chOff x="0" y="0"/>
+          <a:chExt cx="0" cy="0"/>
+        </a:xfrm>
+      </p:grpSpPr>
+    </p:spTree>
+    <p:extLst>
+      <p:ext uri="{BB962C8B-B14F-4D97-AF65-F5344CB8AC3E}">
+        <p14:creationId xmlns:p14="http://schemas.microsoft.com/office/powerpoint/2010/main" val="949959825"/>
+      </p:ext>
+    </p:extLst>
+  </p:cSld>
+  <p:clrMapOvr>
+    <a:masterClrMapping/>
+  </p:clrMapOvr>
+</p:sld>
+</file>
+
+<file path=ppt/slides/slide74.xml><?xml version="1.0" encoding="utf-8"?>
+<p:sld xmlns:a="http://schemas.openxmlformats.org/drawingml/2006/main" xmlns:r="http://schemas.openxmlformats.org/officeDocument/2006/relationships" xmlns:p="http://schemas.openxmlformats.org/presentationml/2006/main">
+  <p:cSld>
+    <p:spTree>
+      <p:nvGrpSpPr>
+        <p:cNvPr id="1" name=""/>
+        <p:cNvGrpSpPr/>
+        <p:nvPr/>
+      </p:nvGrpSpPr>
+      <p:grpSpPr>
+        <a:xfrm>
+          <a:off x="0" y="0"/>
+          <a:ext cx="0" cy="0"/>
+          <a:chOff x="0" y="0"/>
+          <a:chExt cx="0" cy="0"/>
+        </a:xfrm>
+      </p:grpSpPr>
+    </p:spTree>
+    <p:extLst>
+      <p:ext uri="{BB962C8B-B14F-4D97-AF65-F5344CB8AC3E}">
+        <p14:creationId xmlns:p14="http://schemas.microsoft.com/office/powerpoint/2010/main" val="585048490"/>
+      </p:ext>
+    </p:extLst>
+  </p:cSld>
+  <p:clrMapOvr>
+    <a:masterClrMapping/>
+  </p:clrMapOvr>
+</p:sld>
+</file>
+
+<file path=ppt/slides/slide75.xml><?xml version="1.0" encoding="utf-8"?>
+<p:sld xmlns:a="http://schemas.openxmlformats.org/drawingml/2006/main" xmlns:r="http://schemas.openxmlformats.org/officeDocument/2006/relationships" xmlns:p="http://schemas.openxmlformats.org/presentationml/2006/main">
+  <p:cSld>
+    <p:spTree>
+      <p:nvGrpSpPr>
+        <p:cNvPr id="1" name=""/>
+        <p:cNvGrpSpPr/>
+        <p:nvPr/>
+      </p:nvGrpSpPr>
+      <p:grpSpPr>
+        <a:xfrm>
+          <a:off x="0" y="0"/>
+          <a:ext cx="0" cy="0"/>
+          <a:chOff x="0" y="0"/>
+          <a:chExt cx="0" cy="0"/>
+        </a:xfrm>
+      </p:grpSpPr>
+    </p:spTree>
+    <p:extLst>
+      <p:ext uri="{BB962C8B-B14F-4D97-AF65-F5344CB8AC3E}">
+        <p14:creationId xmlns:p14="http://schemas.microsoft.com/office/powerpoint/2010/main" val="467974238"/>
+      </p:ext>
+    </p:extLst>
+  </p:cSld>
+  <p:clrMapOvr>
+    <a:masterClrMapping/>
+  </p:clrMapOvr>
+</p:sld>
+</file>
+
+<file path=ppt/slides/slide76.xml><?xml version="1.0" encoding="utf-8"?>
+<p:sld xmlns:a="http://schemas.openxmlformats.org/drawingml/2006/main" xmlns:r="http://schemas.openxmlformats.org/officeDocument/2006/relationships" xmlns:p="http://schemas.openxmlformats.org/presentationml/2006/main">
+  <p:cSld>
+    <p:spTree>
+      <p:nvGrpSpPr>
+        <p:cNvPr id="1" name=""/>
+        <p:cNvGrpSpPr/>
+        <p:nvPr/>
+      </p:nvGrpSpPr>
+      <p:grpSpPr>
+        <a:xfrm>
+          <a:off x="0" y="0"/>
+          <a:ext cx="0" cy="0"/>
+          <a:chOff x="0" y="0"/>
+          <a:chExt cx="0" cy="0"/>
+        </a:xfrm>
+      </p:grpSpPr>
+    </p:spTree>
+    <p:extLst>
+      <p:ext uri="{BB962C8B-B14F-4D97-AF65-F5344CB8AC3E}">
+        <p14:creationId xmlns:p14="http://schemas.microsoft.com/office/powerpoint/2010/main" val="755184154"/>
+      </p:ext>
+    </p:extLst>
+  </p:cSld>
+  <p:clrMapOvr>
+    <a:masterClrMapping/>
+  </p:clrMapOvr>
+</p:sld>
+</file>
+
+<file path=ppt/slides/slide77.xml><?xml version="1.0" encoding="utf-8"?>
+<p:sld xmlns:a="http://schemas.openxmlformats.org/drawingml/2006/main" xmlns:r="http://schemas.openxmlformats.org/officeDocument/2006/relationships" xmlns:p="http://schemas.openxmlformats.org/presentationml/2006/main">
+  <p:cSld>
+    <p:spTree>
+      <p:nvGrpSpPr>
+        <p:cNvPr id="1" name=""/>
+        <p:cNvGrpSpPr/>
+        <p:nvPr/>
+      </p:nvGrpSpPr>
+      <p:grpSpPr>
+        <a:xfrm>
+          <a:off x="0" y="0"/>
+          <a:ext cx="0" cy="0"/>
+          <a:chOff x="0" y="0"/>
+          <a:chExt cx="0" cy="0"/>
+        </a:xfrm>
+      </p:grpSpPr>
+    </p:spTree>
+    <p:extLst>
+      <p:ext uri="{BB962C8B-B14F-4D97-AF65-F5344CB8AC3E}">
+        <p14:creationId xmlns:p14="http://schemas.microsoft.com/office/powerpoint/2010/main" val="2405406140"/>
+      </p:ext>
+    </p:extLst>
+  </p:cSld>
+  <p:clrMapOvr>
+    <a:masterClrMapping/>
+  </p:clrMapOvr>
+</p:sld>
+</file>
+
+<file path=ppt/slides/slide78.xml><?xml version="1.0" encoding="utf-8"?>
+<p:sld xmlns:a="http://schemas.openxmlformats.org/drawingml/2006/main" xmlns:r="http://schemas.openxmlformats.org/officeDocument/2006/relationships" xmlns:p="http://schemas.openxmlformats.org/presentationml/2006/main">
+  <p:cSld>
+    <p:spTree>
+      <p:nvGrpSpPr>
+        <p:cNvPr id="1" name=""/>
+        <p:cNvGrpSpPr/>
+        <p:nvPr/>
+      </p:nvGrpSpPr>
+      <p:grpSpPr>
+        <a:xfrm>
+          <a:off x="0" y="0"/>
+          <a:ext cx="0" cy="0"/>
+          <a:chOff x="0" y="0"/>
+          <a:chExt cx="0" cy="0"/>
+        </a:xfrm>
+      </p:grpSpPr>
+    </p:spTree>
+    <p:extLst>
+      <p:ext uri="{BB962C8B-B14F-4D97-AF65-F5344CB8AC3E}">
+        <p14:creationId xmlns:p14="http://schemas.microsoft.com/office/powerpoint/2010/main" val="2138030407"/>
+      </p:ext>
+    </p:extLst>
+  </p:cSld>
+  <p:clrMapOvr>
+    <a:masterClrMapping/>
+  </p:clrMapOvr>
+</p:sld>
+</file>
+
+<file path=ppt/slides/slide79.xml><?xml version="1.0" encoding="utf-8"?>
+<p:sld xmlns:a="http://schemas.openxmlformats.org/drawingml/2006/main" xmlns:r="http://schemas.openxmlformats.org/officeDocument/2006/relationships" xmlns:p="http://schemas.openxmlformats.org/presentationml/2006/main">
+  <p:cSld>
+    <p:spTree>
+      <p:nvGrpSpPr>
+        <p:cNvPr id="1" name=""/>
+        <p:cNvGrpSpPr/>
+        <p:nvPr/>
+      </p:nvGrpSpPr>
+      <p:grpSpPr>
+        <a:xfrm>
+          <a:off x="0" y="0"/>
+          <a:ext cx="0" cy="0"/>
+          <a:chOff x="0" y="0"/>
+          <a:chExt cx="0" cy="0"/>
+        </a:xfrm>
+      </p:grpSpPr>
+    </p:spTree>
+    <p:extLst>
+      <p:ext uri="{BB962C8B-B14F-4D97-AF65-F5344CB8AC3E}">
+        <p14:creationId xmlns:p14="http://schemas.microsoft.com/office/powerpoint/2010/main" val="2343815310"/>
+      </p:ext>
+    </p:extLst>
+  </p:cSld>
+  <p:clrMapOvr>
+    <a:masterClrMapping/>
+  </p:clrMapOvr>
+</p:sld>
+</file>
+
+<file path=ppt/slides/slide8.xml><?xml version="1.0" encoding="utf-8"?>
+<p:sld xmlns:a="http://schemas.openxmlformats.org/drawingml/2006/main" xmlns:r="http://schemas.openxmlformats.org/officeDocument/2006/relationships" xmlns:p="http://schemas.openxmlformats.org/presentationml/2006/main">
+  <p:cSld>
+    <p:spTree>
+      <p:nvGrpSpPr>
+        <p:cNvPr id="1" name=""/>
+        <p:cNvGrpSpPr/>
+        <p:nvPr/>
+      </p:nvGrpSpPr>
+      <p:grpSpPr>
+        <a:xfrm>
+          <a:off x="0" y="0"/>
+          <a:ext cx="0" cy="0"/>
+          <a:chOff x="0" y="0"/>
+          <a:chExt cx="0" cy="0"/>
+        </a:xfrm>
+      </p:grpSpPr>
+      <p:sp>
+        <p:nvSpPr>
+          <p:cNvPr id="2" name="TextBox 1">
+            <a:extLst>
+              <a:ext uri="{FF2B5EF4-FFF2-40B4-BE49-F238E27FC236}">
+                <a16:creationId xmlns:a16="http://schemas.microsoft.com/office/drawing/2014/main" id="{EC632798-EFD6-4EA3-BCF2-51AE912BD43E}"/>
+              </a:ext>
+            </a:extLst>
+          </p:cNvPr>
+          <p:cNvSpPr txBox="1"/>
+          <p:nvPr/>
+        </p:nvSpPr>
+        <p:spPr>
+          <a:xfrm>
+            <a:off x="1601687" y="2648931"/>
+            <a:ext cx="10168296" cy="1015663"/>
+          </a:xfrm>
+          <a:prstGeom prst="rect">
+            <a:avLst/>
+          </a:prstGeom>
+          <a:noFill/>
+        </p:spPr>
+        <p:txBody>
+          <a:bodyPr wrap="none" rtlCol="0">
+            <a:spAutoFit/>
+          </a:bodyPr>
+          <a:lstStyle/>
+          <a:p>
+            <a:r>
+              <a:rPr lang="en-US" sz="6000" b="1" dirty="0"/>
+              <a:t>Non Window Sliding operation </a:t>
+            </a:r>
+            <a:endParaRPr lang="en-IN" sz="6000" b="1" dirty="0"/>
+          </a:p>
+        </p:txBody>
+      </p:sp>
+    </p:spTree>
+    <p:extLst>
+      <p:ext uri="{BB962C8B-B14F-4D97-AF65-F5344CB8AC3E}">
+        <p14:creationId xmlns:p14="http://schemas.microsoft.com/office/powerpoint/2010/main" val="1183270082"/>
+      </p:ext>
+    </p:extLst>
+  </p:cSld>
+  <p:clrMapOvr>
+    <a:masterClrMapping/>
+  </p:clrMapOvr>
+</p:sld>
+</file>
+
+<file path=ppt/slides/slide80.xml><?xml version="1.0" encoding="utf-8"?>
+<p:sld xmlns:a="http://schemas.openxmlformats.org/drawingml/2006/main" xmlns:r="http://schemas.openxmlformats.org/officeDocument/2006/relationships" xmlns:p="http://schemas.openxmlformats.org/presentationml/2006/main">
+  <p:cSld>
+    <p:spTree>
+      <p:nvGrpSpPr>
+        <p:cNvPr id="1" name=""/>
+        <p:cNvGrpSpPr/>
+        <p:nvPr/>
+      </p:nvGrpSpPr>
+      <p:grpSpPr>
+        <a:xfrm>
+          <a:off x="0" y="0"/>
+          <a:ext cx="0" cy="0"/>
+          <a:chOff x="0" y="0"/>
+          <a:chExt cx="0" cy="0"/>
+        </a:xfrm>
+      </p:grpSpPr>
+    </p:spTree>
+    <p:extLst>
+      <p:ext uri="{BB962C8B-B14F-4D97-AF65-F5344CB8AC3E}">
+        <p14:creationId xmlns:p14="http://schemas.microsoft.com/office/powerpoint/2010/main" val="501799568"/>
+      </p:ext>
+    </p:extLst>
+  </p:cSld>
+  <p:clrMapOvr>
+    <a:masterClrMapping/>
+  </p:clrMapOvr>
+</p:sld>
+</file>
+
+<file path=ppt/slides/slide81.xml><?xml version="1.0" encoding="utf-8"?>
+<p:sld xmlns:a="http://schemas.openxmlformats.org/drawingml/2006/main" xmlns:r="http://schemas.openxmlformats.org/officeDocument/2006/relationships" xmlns:p="http://schemas.openxmlformats.org/presentationml/2006/main">
+  <p:cSld>
+    <p:spTree>
+      <p:nvGrpSpPr>
+        <p:cNvPr id="1" name=""/>
+        <p:cNvGrpSpPr/>
+        <p:nvPr/>
+      </p:nvGrpSpPr>
+      <p:grpSpPr>
+        <a:xfrm>
+          <a:off x="0" y="0"/>
+          <a:ext cx="0" cy="0"/>
+          <a:chOff x="0" y="0"/>
+          <a:chExt cx="0" cy="0"/>
+        </a:xfrm>
+      </p:grpSpPr>
+    </p:spTree>
+    <p:extLst>
+      <p:ext uri="{BB962C8B-B14F-4D97-AF65-F5344CB8AC3E}">
+        <p14:creationId xmlns:p14="http://schemas.microsoft.com/office/powerpoint/2010/main" val="2082208529"/>
+      </p:ext>
+    </p:extLst>
+  </p:cSld>
+  <p:clrMapOvr>
+    <a:masterClrMapping/>
+  </p:clrMapOvr>
+</p:sld>
+</file>
+
+<file path=ppt/slides/slide82.xml><?xml version="1.0" encoding="utf-8"?>
+<p:sld xmlns:a="http://schemas.openxmlformats.org/drawingml/2006/main" xmlns:r="http://schemas.openxmlformats.org/officeDocument/2006/relationships" xmlns:p="http://schemas.openxmlformats.org/presentationml/2006/main">
+  <p:cSld>
+    <p:spTree>
+      <p:nvGrpSpPr>
+        <p:cNvPr id="1" name=""/>
+        <p:cNvGrpSpPr/>
+        <p:nvPr/>
+      </p:nvGrpSpPr>
+      <p:grpSpPr>
+        <a:xfrm>
+          <a:off x="0" y="0"/>
+          <a:ext cx="0" cy="0"/>
+          <a:chOff x="0" y="0"/>
+          <a:chExt cx="0" cy="0"/>
+        </a:xfrm>
+      </p:grpSpPr>
+    </p:spTree>
+    <p:extLst>
+      <p:ext uri="{BB962C8B-B14F-4D97-AF65-F5344CB8AC3E}">
+        <p14:creationId xmlns:p14="http://schemas.microsoft.com/office/powerpoint/2010/main" val="2989302039"/>
+      </p:ext>
+    </p:extLst>
+  </p:cSld>
+  <p:clrMapOvr>
+    <a:masterClrMapping/>
+  </p:clrMapOvr>
+</p:sld>
+</file>
+
+<file path=ppt/slides/slide83.xml><?xml version="1.0" encoding="utf-8"?>
+<p:sld xmlns:a="http://schemas.openxmlformats.org/drawingml/2006/main" xmlns:r="http://schemas.openxmlformats.org/officeDocument/2006/relationships" xmlns:p="http://schemas.openxmlformats.org/presentationml/2006/main">
+  <p:cSld>
+    <p:spTree>
+      <p:nvGrpSpPr>
+        <p:cNvPr id="1" name=""/>
+        <p:cNvGrpSpPr/>
+        <p:nvPr/>
+      </p:nvGrpSpPr>
+      <p:grpSpPr>
+        <a:xfrm>
+          <a:off x="0" y="0"/>
+          <a:ext cx="0" cy="0"/>
+          <a:chOff x="0" y="0"/>
+          <a:chExt cx="0" cy="0"/>
+        </a:xfrm>
+      </p:grpSpPr>
+    </p:spTree>
+    <p:extLst>
+      <p:ext uri="{BB962C8B-B14F-4D97-AF65-F5344CB8AC3E}">
+        <p14:creationId xmlns:p14="http://schemas.microsoft.com/office/powerpoint/2010/main" val="43110476"/>
+      </p:ext>
+    </p:extLst>
+  </p:cSld>
+  <p:clrMapOvr>
+    <a:masterClrMapping/>
+  </p:clrMapOvr>
+</p:sld>
+</file>
+
+<file path=ppt/slides/slide84.xml><?xml version="1.0" encoding="utf-8"?>
+<p:sld xmlns:a="http://schemas.openxmlformats.org/drawingml/2006/main" xmlns:r="http://schemas.openxmlformats.org/officeDocument/2006/relationships" xmlns:p="http://schemas.openxmlformats.org/presentationml/2006/main">
+  <p:cSld>
+    <p:spTree>
+      <p:nvGrpSpPr>
+        <p:cNvPr id="1" name=""/>
+        <p:cNvGrpSpPr/>
+        <p:nvPr/>
+      </p:nvGrpSpPr>
+      <p:grpSpPr>
+        <a:xfrm>
+          <a:off x="0" y="0"/>
+          <a:ext cx="0" cy="0"/>
+          <a:chOff x="0" y="0"/>
+          <a:chExt cx="0" cy="0"/>
+        </a:xfrm>
+      </p:grpSpPr>
+    </p:spTree>
+    <p:extLst>
+      <p:ext uri="{BB962C8B-B14F-4D97-AF65-F5344CB8AC3E}">
+        <p14:creationId xmlns:p14="http://schemas.microsoft.com/office/powerpoint/2010/main" val="2630258798"/>
+      </p:ext>
+    </p:extLst>
+  </p:cSld>
+  <p:clrMapOvr>
+    <a:masterClrMapping/>
+  </p:clrMapOvr>
+</p:sld>
+</file>
+
+<file path=ppt/slides/slide9.xml><?xml version="1.0" encoding="utf-8"?>
+<p:sld xmlns:a="http://schemas.openxmlformats.org/drawingml/2006/main" xmlns:r="http://schemas.openxmlformats.org/officeDocument/2006/relationships" xmlns:p="http://schemas.openxmlformats.org/presentationml/2006/main">
+  <p:cSld>
+    <p:spTree>
+      <p:nvGrpSpPr>
+        <p:cNvPr id="1" name=""/>
+        <p:cNvGrpSpPr/>
+        <p:nvPr/>
+      </p:nvGrpSpPr>
+      <p:grpSpPr>
+        <a:xfrm>
+          <a:off x="0" y="0"/>
+          <a:ext cx="0" cy="0"/>
+          <a:chOff x="0" y="0"/>
+          <a:chExt cx="0" cy="0"/>
+        </a:xfrm>
+      </p:grpSpPr>
+      <p:pic>
+        <p:nvPicPr>
+          <p:cNvPr id="3" name="Picture 2">
+            <a:extLst>
+              <a:ext uri="{FF2B5EF4-FFF2-40B4-BE49-F238E27FC236}">
+                <a16:creationId xmlns:a16="http://schemas.microsoft.com/office/drawing/2014/main" id="{F1343982-2E85-4A58-BAE1-F7716BB22894}"/>
+              </a:ext>
+            </a:extLst>
+          </p:cNvPr>
+          <p:cNvPicPr>
+            <a:picLocks noChangeAspect="1"/>
+          </p:cNvPicPr>
+          <p:nvPr/>
+        </p:nvPicPr>
+        <p:blipFill>
+          <a:blip r:embed="rId2"/>
+          <a:stretch>
+            <a:fillRect/>
+          </a:stretch>
+        </p:blipFill>
+        <p:spPr>
+          <a:xfrm>
+            <a:off x="0" y="0"/>
+            <a:ext cx="12192000" cy="6858000"/>
+          </a:xfrm>
+          <a:prstGeom prst="rect">
+            <a:avLst/>
+          </a:prstGeom>
+        </p:spPr>
+      </p:pic>
     </p:spTree>
     <p:extLst>
       <p:ext uri="{BB962C8B-B14F-4D97-AF65-F5344CB8AC3E}">
         <p14:creationId xmlns:p14="http://schemas.microsoft.com/office/powerpoint/2010/main" val="1978533740"/>
-      </p:ext>
-    </p:extLst>
-  </p:cSld>
-  <p:clrMapOvr>
-    <a:masterClrMapping/>
-  </p:clrMapOvr>
-</p:sld>
-</file>
-
-<file path=ppt/slides/slide60.xml><?xml version="1.0" encoding="utf-8"?>
-<p:sld xmlns:a="http://schemas.openxmlformats.org/drawingml/2006/main" xmlns:r="http://schemas.openxmlformats.org/officeDocument/2006/relationships" xmlns:p="http://schemas.openxmlformats.org/presentationml/2006/main">
-  <p:cSld>
-    <p:spTree>
-      <p:nvGrpSpPr>
-        <p:cNvPr id="1" name=""/>
-        <p:cNvGrpSpPr/>
-        <p:nvPr/>
-      </p:nvGrpSpPr>
-      <p:grpSpPr>
-        <a:xfrm>
-          <a:off x="0" y="0"/>
-          <a:ext cx="0" cy="0"/>
-          <a:chOff x="0" y="0"/>
-          <a:chExt cx="0" cy="0"/>
-        </a:xfrm>
-      </p:grpSpPr>
-    </p:spTree>
-    <p:extLst>
-      <p:ext uri="{BB962C8B-B14F-4D97-AF65-F5344CB8AC3E}">
-        <p14:creationId xmlns:p14="http://schemas.microsoft.com/office/powerpoint/2010/main" val="2768113883"/>
-      </p:ext>
-    </p:extLst>
-  </p:cSld>
-  <p:clrMapOvr>
-    <a:masterClrMapping/>
-  </p:clrMapOvr>
-</p:sld>
-</file>
-
-<file path=ppt/slides/slide61.xml><?xml version="1.0" encoding="utf-8"?>
-<p:sld xmlns:a="http://schemas.openxmlformats.org/drawingml/2006/main" xmlns:r="http://schemas.openxmlformats.org/officeDocument/2006/relationships" xmlns:p="http://schemas.openxmlformats.org/presentationml/2006/main">
-  <p:cSld>
-    <p:spTree>
-      <p:nvGrpSpPr>
-        <p:cNvPr id="1" name=""/>
-        <p:cNvGrpSpPr/>
-        <p:nvPr/>
-      </p:nvGrpSpPr>
-      <p:grpSpPr>
-        <a:xfrm>
-          <a:off x="0" y="0"/>
-          <a:ext cx="0" cy="0"/>
-          <a:chOff x="0" y="0"/>
-          <a:chExt cx="0" cy="0"/>
-        </a:xfrm>
-      </p:grpSpPr>
-    </p:spTree>
-    <p:extLst>
-      <p:ext uri="{BB962C8B-B14F-4D97-AF65-F5344CB8AC3E}">
-        <p14:creationId xmlns:p14="http://schemas.microsoft.com/office/powerpoint/2010/main" val="114186403"/>
-      </p:ext>
-    </p:extLst>
-  </p:cSld>
-  <p:clrMapOvr>
-    <a:masterClrMapping/>
-  </p:clrMapOvr>
-</p:sld>
-</file>
-
-<file path=ppt/slides/slide62.xml><?xml version="1.0" encoding="utf-8"?>
-<p:sld xmlns:a="http://schemas.openxmlformats.org/drawingml/2006/main" xmlns:r="http://schemas.openxmlformats.org/officeDocument/2006/relationships" xmlns:p="http://schemas.openxmlformats.org/presentationml/2006/main">
-  <p:cSld>
-    <p:spTree>
-      <p:nvGrpSpPr>
-        <p:cNvPr id="1" name=""/>
-        <p:cNvGrpSpPr/>
-        <p:nvPr/>
-      </p:nvGrpSpPr>
-      <p:grpSpPr>
-        <a:xfrm>
-          <a:off x="0" y="0"/>
-          <a:ext cx="0" cy="0"/>
-          <a:chOff x="0" y="0"/>
-          <a:chExt cx="0" cy="0"/>
-        </a:xfrm>
-      </p:grpSpPr>
-    </p:spTree>
-    <p:extLst>
-      <p:ext uri="{BB962C8B-B14F-4D97-AF65-F5344CB8AC3E}">
-        <p14:creationId xmlns:p14="http://schemas.microsoft.com/office/powerpoint/2010/main" val="836042064"/>
-      </p:ext>
-    </p:extLst>
-  </p:cSld>
-  <p:clrMapOvr>
-    <a:masterClrMapping/>
-  </p:clrMapOvr>
-</p:sld>
-</file>
-
-<file path=ppt/slides/slide63.xml><?xml version="1.0" encoding="utf-8"?>
-<p:sld xmlns:a="http://schemas.openxmlformats.org/drawingml/2006/main" xmlns:r="http://schemas.openxmlformats.org/officeDocument/2006/relationships" xmlns:p="http://schemas.openxmlformats.org/presentationml/2006/main">
-  <p:cSld>
-    <p:spTree>
-      <p:nvGrpSpPr>
-        <p:cNvPr id="1" name=""/>
-        <p:cNvGrpSpPr/>
-        <p:nvPr/>
-      </p:nvGrpSpPr>
-      <p:grpSpPr>
-        <a:xfrm>
-          <a:off x="0" y="0"/>
-          <a:ext cx="0" cy="0"/>
-          <a:chOff x="0" y="0"/>
-          <a:chExt cx="0" cy="0"/>
-        </a:xfrm>
-      </p:grpSpPr>
-    </p:spTree>
-    <p:extLst>
-      <p:ext uri="{BB962C8B-B14F-4D97-AF65-F5344CB8AC3E}">
-        <p14:creationId xmlns:p14="http://schemas.microsoft.com/office/powerpoint/2010/main" val="1811430730"/>
-      </p:ext>
-    </p:extLst>
-  </p:cSld>
-  <p:clrMapOvr>
-    <a:masterClrMapping/>
-  </p:clrMapOvr>
-</p:sld>
-</file>
-
-<file path=ppt/slides/slide64.xml><?xml version="1.0" encoding="utf-8"?>
-<p:sld xmlns:a="http://schemas.openxmlformats.org/drawingml/2006/main" xmlns:r="http://schemas.openxmlformats.org/officeDocument/2006/relationships" xmlns:p="http://schemas.openxmlformats.org/presentationml/2006/main">
-  <p:cSld>
-    <p:spTree>
-      <p:nvGrpSpPr>
-        <p:cNvPr id="1" name=""/>
-        <p:cNvGrpSpPr/>
-        <p:nvPr/>
-      </p:nvGrpSpPr>
-      <p:grpSpPr>
-        <a:xfrm>
-          <a:off x="0" y="0"/>
-          <a:ext cx="0" cy="0"/>
-          <a:chOff x="0" y="0"/>
-          <a:chExt cx="0" cy="0"/>
-        </a:xfrm>
-      </p:grpSpPr>
-    </p:spTree>
-    <p:extLst>
-      <p:ext uri="{BB962C8B-B14F-4D97-AF65-F5344CB8AC3E}">
-        <p14:creationId xmlns:p14="http://schemas.microsoft.com/office/powerpoint/2010/main" val="2861632003"/>
-      </p:ext>
-    </p:extLst>
-  </p:cSld>
-  <p:clrMapOvr>
-    <a:masterClrMapping/>
-  </p:clrMapOvr>
-</p:sld>
-</file>
-
-<file path=ppt/slides/slide65.xml><?xml version="1.0" encoding="utf-8"?>
-<p:sld xmlns:a="http://schemas.openxmlformats.org/drawingml/2006/main" xmlns:r="http://schemas.openxmlformats.org/officeDocument/2006/relationships" xmlns:p="http://schemas.openxmlformats.org/presentationml/2006/main">
-  <p:cSld>
-    <p:spTree>
-      <p:nvGrpSpPr>
-        <p:cNvPr id="1" name=""/>
-        <p:cNvGrpSpPr/>
-        <p:nvPr/>
-      </p:nvGrpSpPr>
-      <p:grpSpPr>
-        <a:xfrm>
-          <a:off x="0" y="0"/>
-          <a:ext cx="0" cy="0"/>
-          <a:chOff x="0" y="0"/>
-          <a:chExt cx="0" cy="0"/>
-        </a:xfrm>
-      </p:grpSpPr>
-    </p:spTree>
-    <p:extLst>
-      <p:ext uri="{BB962C8B-B14F-4D97-AF65-F5344CB8AC3E}">
-        <p14:creationId xmlns:p14="http://schemas.microsoft.com/office/powerpoint/2010/main" val="4000969765"/>
-      </p:ext>
-    </p:extLst>
-  </p:cSld>
-  <p:clrMapOvr>
-    <a:masterClrMapping/>
-  </p:clrMapOvr>
-</p:sld>
-</file>
-
-<file path=ppt/slides/slide66.xml><?xml version="1.0" encoding="utf-8"?>
-<p:sld xmlns:a="http://schemas.openxmlformats.org/drawingml/2006/main" xmlns:r="http://schemas.openxmlformats.org/officeDocument/2006/relationships" xmlns:p="http://schemas.openxmlformats.org/presentationml/2006/main">
-  <p:cSld>
-    <p:spTree>
-      <p:nvGrpSpPr>
-        <p:cNvPr id="1" name=""/>
-        <p:cNvGrpSpPr/>
-        <p:nvPr/>
-      </p:nvGrpSpPr>
-      <p:grpSpPr>
-        <a:xfrm>
-          <a:off x="0" y="0"/>
-          <a:ext cx="0" cy="0"/>
-          <a:chOff x="0" y="0"/>
-          <a:chExt cx="0" cy="0"/>
-        </a:xfrm>
-      </p:grpSpPr>
-    </p:spTree>
-    <p:extLst>
-      <p:ext uri="{BB962C8B-B14F-4D97-AF65-F5344CB8AC3E}">
-        <p14:creationId xmlns:p14="http://schemas.microsoft.com/office/powerpoint/2010/main" val="3203516153"/>
-      </p:ext>
-    </p:extLst>
-  </p:cSld>
-  <p:clrMapOvr>
-    <a:masterClrMapping/>
-  </p:clrMapOvr>
-</p:sld>
-</file>
-
-<file path=ppt/slides/slide67.xml><?xml version="1.0" encoding="utf-8"?>
-<p:sld xmlns:a="http://schemas.openxmlformats.org/drawingml/2006/main" xmlns:r="http://schemas.openxmlformats.org/officeDocument/2006/relationships" xmlns:p="http://schemas.openxmlformats.org/presentationml/2006/main">
-  <p:cSld>
-    <p:spTree>
-      <p:nvGrpSpPr>
-        <p:cNvPr id="1" name=""/>
-        <p:cNvGrpSpPr/>
-        <p:nvPr/>
-      </p:nvGrpSpPr>
-      <p:grpSpPr>
-        <a:xfrm>
-          <a:off x="0" y="0"/>
-          <a:ext cx="0" cy="0"/>
-          <a:chOff x="0" y="0"/>
-          <a:chExt cx="0" cy="0"/>
-        </a:xfrm>
-      </p:grpSpPr>
-    </p:spTree>
-    <p:extLst>
-      <p:ext uri="{BB962C8B-B14F-4D97-AF65-F5344CB8AC3E}">
-        <p14:creationId xmlns:p14="http://schemas.microsoft.com/office/powerpoint/2010/main" val="651049293"/>
-      </p:ext>
-    </p:extLst>
-  </p:cSld>
-  <p:clrMapOvr>
-    <a:masterClrMapping/>
-  </p:clrMapOvr>
-</p:sld>
-</file>
-
-<file path=ppt/slides/slide68.xml><?xml version="1.0" encoding="utf-8"?>
-<p:sld xmlns:a="http://schemas.openxmlformats.org/drawingml/2006/main" xmlns:r="http://schemas.openxmlformats.org/officeDocument/2006/relationships" xmlns:p="http://schemas.openxmlformats.org/presentationml/2006/main">
-  <p:cSld>
-    <p:spTree>
-      <p:nvGrpSpPr>
-        <p:cNvPr id="1" name=""/>
-        <p:cNvGrpSpPr/>
-        <p:nvPr/>
-      </p:nvGrpSpPr>
-      <p:grpSpPr>
-        <a:xfrm>
-          <a:off x="0" y="0"/>
-          <a:ext cx="0" cy="0"/>
-          <a:chOff x="0" y="0"/>
-          <a:chExt cx="0" cy="0"/>
-        </a:xfrm>
-      </p:grpSpPr>
-    </p:spTree>
-    <p:extLst>
-      <p:ext uri="{BB962C8B-B14F-4D97-AF65-F5344CB8AC3E}">
-        <p14:creationId xmlns:p14="http://schemas.microsoft.com/office/powerpoint/2010/main" val="2929625909"/>
-      </p:ext>
-    </p:extLst>
-  </p:cSld>
-  <p:clrMapOvr>
-    <a:masterClrMapping/>
-  </p:clrMapOvr>
-</p:sld>
-</file>
-
-<file path=ppt/slides/slide69.xml><?xml version="1.0" encoding="utf-8"?>
-<p:sld xmlns:a="http://schemas.openxmlformats.org/drawingml/2006/main" xmlns:r="http://schemas.openxmlformats.org/officeDocument/2006/relationships" xmlns:p="http://schemas.openxmlformats.org/presentationml/2006/main">
-  <p:cSld>
-    <p:spTree>
-      <p:nvGrpSpPr>
-        <p:cNvPr id="1" name=""/>
-        <p:cNvGrpSpPr/>
-        <p:nvPr/>
-      </p:nvGrpSpPr>
-      <p:grpSpPr>
-        <a:xfrm>
-          <a:off x="0" y="0"/>
-          <a:ext cx="0" cy="0"/>
-          <a:chOff x="0" y="0"/>
-          <a:chExt cx="0" cy="0"/>
-        </a:xfrm>
-      </p:grpSpPr>
-    </p:spTree>
-    <p:extLst>
-      <p:ext uri="{BB962C8B-B14F-4D97-AF65-F5344CB8AC3E}">
-        <p14:creationId xmlns:p14="http://schemas.microsoft.com/office/powerpoint/2010/main" val="2213918164"/>
-      </p:ext>
-    </p:extLst>
-  </p:cSld>
-  <p:clrMapOvr>
-    <a:masterClrMapping/>
-  </p:clrMapOvr>
-</p:sld>
-</file>
-
-<file path=ppt/slides/slide7.xml><?xml version="1.0" encoding="utf-8"?>
-<p:sld xmlns:a="http://schemas.openxmlformats.org/drawingml/2006/main" xmlns:r="http://schemas.openxmlformats.org/officeDocument/2006/relationships" xmlns:p="http://schemas.openxmlformats.org/presentationml/2006/main">
-  <p:cSld>
-    <p:spTree>
-      <p:nvGrpSpPr>
-        <p:cNvPr id="1" name=""/>
-        <p:cNvGrpSpPr/>
-        <p:nvPr/>
-      </p:nvGrpSpPr>
-      <p:grpSpPr>
-        <a:xfrm>
-          <a:off x="0" y="0"/>
-          <a:ext cx="0" cy="0"/>
-          <a:chOff x="0" y="0"/>
-          <a:chExt cx="0" cy="0"/>
-        </a:xfrm>
-      </p:grpSpPr>
-    </p:spTree>
-    <p:extLst>
-      <p:ext uri="{BB962C8B-B14F-4D97-AF65-F5344CB8AC3E}">
-        <p14:creationId xmlns:p14="http://schemas.microsoft.com/office/powerpoint/2010/main" val="1183270082"/>
-      </p:ext>
-    </p:extLst>
-  </p:cSld>
-  <p:clrMapOvr>
-    <a:masterClrMapping/>
-  </p:clrMapOvr>
-</p:sld>
-</file>
-
-<file path=ppt/slides/slide70.xml><?xml version="1.0" encoding="utf-8"?>
-<p:sld xmlns:a="http://schemas.openxmlformats.org/drawingml/2006/main" xmlns:r="http://schemas.openxmlformats.org/officeDocument/2006/relationships" xmlns:p="http://schemas.openxmlformats.org/presentationml/2006/main">
-  <p:cSld>
-    <p:spTree>
-      <p:nvGrpSpPr>
-        <p:cNvPr id="1" name=""/>
-        <p:cNvGrpSpPr/>
-        <p:nvPr/>
-      </p:nvGrpSpPr>
-      <p:grpSpPr>
-        <a:xfrm>
-          <a:off x="0" y="0"/>
-          <a:ext cx="0" cy="0"/>
-          <a:chOff x="0" y="0"/>
-          <a:chExt cx="0" cy="0"/>
-        </a:xfrm>
-      </p:grpSpPr>
-    </p:spTree>
-    <p:extLst>
-      <p:ext uri="{BB962C8B-B14F-4D97-AF65-F5344CB8AC3E}">
-        <p14:creationId xmlns:p14="http://schemas.microsoft.com/office/powerpoint/2010/main" val="4144611612"/>
-      </p:ext>
-    </p:extLst>
-  </p:cSld>
-  <p:clrMapOvr>
-    <a:masterClrMapping/>
-  </p:clrMapOvr>
-</p:sld>
-</file>
-
-<file path=ppt/slides/slide71.xml><?xml version="1.0" encoding="utf-8"?>
-<p:sld xmlns:a="http://schemas.openxmlformats.org/drawingml/2006/main" xmlns:r="http://schemas.openxmlformats.org/officeDocument/2006/relationships" xmlns:p="http://schemas.openxmlformats.org/presentationml/2006/main">
-  <p:cSld>
-    <p:spTree>
-      <p:nvGrpSpPr>
-        <p:cNvPr id="1" name=""/>
-        <p:cNvGrpSpPr/>
-        <p:nvPr/>
-      </p:nvGrpSpPr>
-      <p:grpSpPr>
-        <a:xfrm>
-          <a:off x="0" y="0"/>
-          <a:ext cx="0" cy="0"/>
-          <a:chOff x="0" y="0"/>
-          <a:chExt cx="0" cy="0"/>
-        </a:xfrm>
-      </p:grpSpPr>
-    </p:spTree>
-    <p:extLst>
-      <p:ext uri="{BB962C8B-B14F-4D97-AF65-F5344CB8AC3E}">
-        <p14:creationId xmlns:p14="http://schemas.microsoft.com/office/powerpoint/2010/main" val="949959825"/>
-      </p:ext>
-    </p:extLst>
-  </p:cSld>
-  <p:clrMapOvr>
-    <a:masterClrMapping/>
-  </p:clrMapOvr>
-</p:sld>
-</file>
-
-<file path=ppt/slides/slide72.xml><?xml version="1.0" encoding="utf-8"?>
-<p:sld xmlns:a="http://schemas.openxmlformats.org/drawingml/2006/main" xmlns:r="http://schemas.openxmlformats.org/officeDocument/2006/relationships" xmlns:p="http://schemas.openxmlformats.org/presentationml/2006/main">
-  <p:cSld>
-    <p:spTree>
-      <p:nvGrpSpPr>
-        <p:cNvPr id="1" name=""/>
-        <p:cNvGrpSpPr/>
-        <p:nvPr/>
-      </p:nvGrpSpPr>
-      <p:grpSpPr>
-        <a:xfrm>
-          <a:off x="0" y="0"/>
-          <a:ext cx="0" cy="0"/>
-          <a:chOff x="0" y="0"/>
-          <a:chExt cx="0" cy="0"/>
-        </a:xfrm>
-      </p:grpSpPr>
-    </p:spTree>
-    <p:extLst>
-      <p:ext uri="{BB962C8B-B14F-4D97-AF65-F5344CB8AC3E}">
-        <p14:creationId xmlns:p14="http://schemas.microsoft.com/office/powerpoint/2010/main" val="585048490"/>
-      </p:ext>
-    </p:extLst>
-  </p:cSld>
-  <p:clrMapOvr>
-    <a:masterClrMapping/>
-  </p:clrMapOvr>
-</p:sld>
-</file>
-
-<file path=ppt/slides/slide73.xml><?xml version="1.0" encoding="utf-8"?>
-<p:sld xmlns:a="http://schemas.openxmlformats.org/drawingml/2006/main" xmlns:r="http://schemas.openxmlformats.org/officeDocument/2006/relationships" xmlns:p="http://schemas.openxmlformats.org/presentationml/2006/main">
-  <p:cSld>
-    <p:spTree>
-      <p:nvGrpSpPr>
-        <p:cNvPr id="1" name=""/>
-        <p:cNvGrpSpPr/>
-        <p:nvPr/>
-      </p:nvGrpSpPr>
-      <p:grpSpPr>
-        <a:xfrm>
-          <a:off x="0" y="0"/>
-          <a:ext cx="0" cy="0"/>
-          <a:chOff x="0" y="0"/>
-          <a:chExt cx="0" cy="0"/>
-        </a:xfrm>
-      </p:grpSpPr>
-    </p:spTree>
-    <p:extLst>
-      <p:ext uri="{BB962C8B-B14F-4D97-AF65-F5344CB8AC3E}">
-        <p14:creationId xmlns:p14="http://schemas.microsoft.com/office/powerpoint/2010/main" val="467974238"/>
-      </p:ext>
-    </p:extLst>
-  </p:cSld>
-  <p:clrMapOvr>
-    <a:masterClrMapping/>
-  </p:clrMapOvr>
-</p:sld>
-</file>
-
-<file path=ppt/slides/slide74.xml><?xml version="1.0" encoding="utf-8"?>
-<p:sld xmlns:a="http://schemas.openxmlformats.org/drawingml/2006/main" xmlns:r="http://schemas.openxmlformats.org/officeDocument/2006/relationships" xmlns:p="http://schemas.openxmlformats.org/presentationml/2006/main">
-  <p:cSld>
-    <p:spTree>
-      <p:nvGrpSpPr>
-        <p:cNvPr id="1" name=""/>
-        <p:cNvGrpSpPr/>
-        <p:nvPr/>
-      </p:nvGrpSpPr>
-      <p:grpSpPr>
-        <a:xfrm>
-          <a:off x="0" y="0"/>
-          <a:ext cx="0" cy="0"/>
-          <a:chOff x="0" y="0"/>
-          <a:chExt cx="0" cy="0"/>
-        </a:xfrm>
-      </p:grpSpPr>
-    </p:spTree>
-    <p:extLst>
-      <p:ext uri="{BB962C8B-B14F-4D97-AF65-F5344CB8AC3E}">
-        <p14:creationId xmlns:p14="http://schemas.microsoft.com/office/powerpoint/2010/main" val="755184154"/>
-      </p:ext>
-    </p:extLst>
-  </p:cSld>
-  <p:clrMapOvr>
-    <a:masterClrMapping/>
-  </p:clrMapOvr>
-</p:sld>
-</file>
-
-<file path=ppt/slides/slide75.xml><?xml version="1.0" encoding="utf-8"?>
-<p:sld xmlns:a="http://schemas.openxmlformats.org/drawingml/2006/main" xmlns:r="http://schemas.openxmlformats.org/officeDocument/2006/relationships" xmlns:p="http://schemas.openxmlformats.org/presentationml/2006/main">
-  <p:cSld>
-    <p:spTree>
-      <p:nvGrpSpPr>
-        <p:cNvPr id="1" name=""/>
-        <p:cNvGrpSpPr/>
-        <p:nvPr/>
-      </p:nvGrpSpPr>
-      <p:grpSpPr>
-        <a:xfrm>
-          <a:off x="0" y="0"/>
-          <a:ext cx="0" cy="0"/>
-          <a:chOff x="0" y="0"/>
-          <a:chExt cx="0" cy="0"/>
-        </a:xfrm>
-      </p:grpSpPr>
-    </p:spTree>
-    <p:extLst>
-      <p:ext uri="{BB962C8B-B14F-4D97-AF65-F5344CB8AC3E}">
-        <p14:creationId xmlns:p14="http://schemas.microsoft.com/office/powerpoint/2010/main" val="2405406140"/>
-      </p:ext>
-    </p:extLst>
-  </p:cSld>
-  <p:clrMapOvr>
-    <a:masterClrMapping/>
-  </p:clrMapOvr>
-</p:sld>
-</file>
-
-<file path=ppt/slides/slide76.xml><?xml version="1.0" encoding="utf-8"?>
-<p:sld xmlns:a="http://schemas.openxmlformats.org/drawingml/2006/main" xmlns:r="http://schemas.openxmlformats.org/officeDocument/2006/relationships" xmlns:p="http://schemas.openxmlformats.org/presentationml/2006/main">
-  <p:cSld>
-    <p:spTree>
-      <p:nvGrpSpPr>
-        <p:cNvPr id="1" name=""/>
-        <p:cNvGrpSpPr/>
-        <p:nvPr/>
-      </p:nvGrpSpPr>
-      <p:grpSpPr>
-        <a:xfrm>
-          <a:off x="0" y="0"/>
-          <a:ext cx="0" cy="0"/>
-          <a:chOff x="0" y="0"/>
-          <a:chExt cx="0" cy="0"/>
-        </a:xfrm>
-      </p:grpSpPr>
-    </p:spTree>
-    <p:extLst>
-      <p:ext uri="{BB962C8B-B14F-4D97-AF65-F5344CB8AC3E}">
-        <p14:creationId xmlns:p14="http://schemas.microsoft.com/office/powerpoint/2010/main" val="2138030407"/>
-      </p:ext>
-    </p:extLst>
-  </p:cSld>
-  <p:clrMapOvr>
-    <a:masterClrMapping/>
-  </p:clrMapOvr>
-</p:sld>
-</file>
-
-<file path=ppt/slides/slide77.xml><?xml version="1.0" encoding="utf-8"?>
-<p:sld xmlns:a="http://schemas.openxmlformats.org/drawingml/2006/main" xmlns:r="http://schemas.openxmlformats.org/officeDocument/2006/relationships" xmlns:p="http://schemas.openxmlformats.org/presentationml/2006/main">
-  <p:cSld>
-    <p:spTree>
-      <p:nvGrpSpPr>
-        <p:cNvPr id="1" name=""/>
-        <p:cNvGrpSpPr/>
-        <p:nvPr/>
-      </p:nvGrpSpPr>
-      <p:grpSpPr>
-        <a:xfrm>
-          <a:off x="0" y="0"/>
-          <a:ext cx="0" cy="0"/>
-          <a:chOff x="0" y="0"/>
-          <a:chExt cx="0" cy="0"/>
-        </a:xfrm>
-      </p:grpSpPr>
-    </p:spTree>
-    <p:extLst>
-      <p:ext uri="{BB962C8B-B14F-4D97-AF65-F5344CB8AC3E}">
-        <p14:creationId xmlns:p14="http://schemas.microsoft.com/office/powerpoint/2010/main" val="2343815310"/>
-      </p:ext>
-    </p:extLst>
-  </p:cSld>
-  <p:clrMapOvr>
-    <a:masterClrMapping/>
-  </p:clrMapOvr>
-</p:sld>
-</file>
-
-<file path=ppt/slides/slide78.xml><?xml version="1.0" encoding="utf-8"?>
-<p:sld xmlns:a="http://schemas.openxmlformats.org/drawingml/2006/main" xmlns:r="http://schemas.openxmlformats.org/officeDocument/2006/relationships" xmlns:p="http://schemas.openxmlformats.org/presentationml/2006/main">
-  <p:cSld>
-    <p:spTree>
-      <p:nvGrpSpPr>
-        <p:cNvPr id="1" name=""/>
-        <p:cNvGrpSpPr/>
-        <p:nvPr/>
-      </p:nvGrpSpPr>
-      <p:grpSpPr>
-        <a:xfrm>
-          <a:off x="0" y="0"/>
-          <a:ext cx="0" cy="0"/>
-          <a:chOff x="0" y="0"/>
-          <a:chExt cx="0" cy="0"/>
-        </a:xfrm>
-      </p:grpSpPr>
-    </p:spTree>
-    <p:extLst>
-      <p:ext uri="{BB962C8B-B14F-4D97-AF65-F5344CB8AC3E}">
-        <p14:creationId xmlns:p14="http://schemas.microsoft.com/office/powerpoint/2010/main" val="501799568"/>
-      </p:ext>
-    </p:extLst>
-  </p:cSld>
-  <p:clrMapOvr>
-    <a:masterClrMapping/>
-  </p:clrMapOvr>
-</p:sld>
-</file>
-
-<file path=ppt/slides/slide79.xml><?xml version="1.0" encoding="utf-8"?>
-<p:sld xmlns:a="http://schemas.openxmlformats.org/drawingml/2006/main" xmlns:r="http://schemas.openxmlformats.org/officeDocument/2006/relationships" xmlns:p="http://schemas.openxmlformats.org/presentationml/2006/main">
-  <p:cSld>
-    <p:spTree>
-      <p:nvGrpSpPr>
-        <p:cNvPr id="1" name=""/>
-        <p:cNvGrpSpPr/>
-        <p:nvPr/>
-      </p:nvGrpSpPr>
-      <p:grpSpPr>
-        <a:xfrm>
-          <a:off x="0" y="0"/>
-          <a:ext cx="0" cy="0"/>
-          <a:chOff x="0" y="0"/>
-          <a:chExt cx="0" cy="0"/>
-        </a:xfrm>
-      </p:grpSpPr>
-    </p:spTree>
-    <p:extLst>
-      <p:ext uri="{BB962C8B-B14F-4D97-AF65-F5344CB8AC3E}">
-        <p14:creationId xmlns:p14="http://schemas.microsoft.com/office/powerpoint/2010/main" val="2082208529"/>
-      </p:ext>
-    </p:extLst>
-  </p:cSld>
-  <p:clrMapOvr>
-    <a:masterClrMapping/>
-  </p:clrMapOvr>
-</p:sld>
-</file>
-
-<file path=ppt/slides/slide8.xml><?xml version="1.0" encoding="utf-8"?>
-<p:sld xmlns:a="http://schemas.openxmlformats.org/drawingml/2006/main" xmlns:r="http://schemas.openxmlformats.org/officeDocument/2006/relationships" xmlns:p="http://schemas.openxmlformats.org/presentationml/2006/main">
-  <p:cSld>
-    <p:spTree>
-      <p:nvGrpSpPr>
-        <p:cNvPr id="1" name=""/>
-        <p:cNvGrpSpPr/>
-        <p:nvPr/>
-      </p:nvGrpSpPr>
-      <p:grpSpPr>
-        <a:xfrm>
-          <a:off x="0" y="0"/>
-          <a:ext cx="0" cy="0"/>
-          <a:chOff x="0" y="0"/>
-          <a:chExt cx="0" cy="0"/>
-        </a:xfrm>
-      </p:grpSpPr>
-    </p:spTree>
-    <p:extLst>
-      <p:ext uri="{BB962C8B-B14F-4D97-AF65-F5344CB8AC3E}">
-        <p14:creationId xmlns:p14="http://schemas.microsoft.com/office/powerpoint/2010/main" val="956517794"/>
-      </p:ext>
-    </p:extLst>
-  </p:cSld>
-  <p:clrMapOvr>
-    <a:masterClrMapping/>
-  </p:clrMapOvr>
-</p:sld>
-</file>
-
-<file path=ppt/slides/slide80.xml><?xml version="1.0" encoding="utf-8"?>
-<p:sld xmlns:a="http://schemas.openxmlformats.org/drawingml/2006/main" xmlns:r="http://schemas.openxmlformats.org/officeDocument/2006/relationships" xmlns:p="http://schemas.openxmlformats.org/presentationml/2006/main">
-  <p:cSld>
-    <p:spTree>
-      <p:nvGrpSpPr>
-        <p:cNvPr id="1" name=""/>
-        <p:cNvGrpSpPr/>
-        <p:nvPr/>
-      </p:nvGrpSpPr>
-      <p:grpSpPr>
-        <a:xfrm>
-          <a:off x="0" y="0"/>
-          <a:ext cx="0" cy="0"/>
-          <a:chOff x="0" y="0"/>
-          <a:chExt cx="0" cy="0"/>
-        </a:xfrm>
-      </p:grpSpPr>
-    </p:spTree>
-    <p:extLst>
-      <p:ext uri="{BB962C8B-B14F-4D97-AF65-F5344CB8AC3E}">
-        <p14:creationId xmlns:p14="http://schemas.microsoft.com/office/powerpoint/2010/main" val="2989302039"/>
-      </p:ext>
-    </p:extLst>
-  </p:cSld>
-  <p:clrMapOvr>
-    <a:masterClrMapping/>
-  </p:clrMapOvr>
-</p:sld>
-</file>
-
-<file path=ppt/slides/slide81.xml><?xml version="1.0" encoding="utf-8"?>
-<p:sld xmlns:a="http://schemas.openxmlformats.org/drawingml/2006/main" xmlns:r="http://schemas.openxmlformats.org/officeDocument/2006/relationships" xmlns:p="http://schemas.openxmlformats.org/presentationml/2006/main">
-  <p:cSld>
-    <p:spTree>
-      <p:nvGrpSpPr>
-        <p:cNvPr id="1" name=""/>
-        <p:cNvGrpSpPr/>
-        <p:nvPr/>
-      </p:nvGrpSpPr>
-      <p:grpSpPr>
-        <a:xfrm>
-          <a:off x="0" y="0"/>
-          <a:ext cx="0" cy="0"/>
-          <a:chOff x="0" y="0"/>
-          <a:chExt cx="0" cy="0"/>
-        </a:xfrm>
-      </p:grpSpPr>
-    </p:spTree>
-    <p:extLst>
-      <p:ext uri="{BB962C8B-B14F-4D97-AF65-F5344CB8AC3E}">
-        <p14:creationId xmlns:p14="http://schemas.microsoft.com/office/powerpoint/2010/main" val="43110476"/>
-      </p:ext>
-    </p:extLst>
-  </p:cSld>
-  <p:clrMapOvr>
-    <a:masterClrMapping/>
-  </p:clrMapOvr>
-</p:sld>
-</file>
-
-<file path=ppt/slides/slide82.xml><?xml version="1.0" encoding="utf-8"?>
-<p:sld xmlns:a="http://schemas.openxmlformats.org/drawingml/2006/main" xmlns:r="http://schemas.openxmlformats.org/officeDocument/2006/relationships" xmlns:p="http://schemas.openxmlformats.org/presentationml/2006/main">
-  <p:cSld>
-    <p:spTree>
-      <p:nvGrpSpPr>
-        <p:cNvPr id="1" name=""/>
-        <p:cNvGrpSpPr/>
-        <p:nvPr/>
-      </p:nvGrpSpPr>
-      <p:grpSpPr>
-        <a:xfrm>
-          <a:off x="0" y="0"/>
-          <a:ext cx="0" cy="0"/>
-          <a:chOff x="0" y="0"/>
-          <a:chExt cx="0" cy="0"/>
-        </a:xfrm>
-      </p:grpSpPr>
-    </p:spTree>
-    <p:extLst>
-      <p:ext uri="{BB962C8B-B14F-4D97-AF65-F5344CB8AC3E}">
-        <p14:creationId xmlns:p14="http://schemas.microsoft.com/office/powerpoint/2010/main" val="2630258798"/>
-      </p:ext>
-    </p:extLst>
-  </p:cSld>
-  <p:clrMapOvr>
-    <a:masterClrMapping/>
-  </p:clrMapOvr>
-</p:sld>
-</file>
-
-<file path=ppt/slides/slide9.xml><?xml version="1.0" encoding="utf-8"?>
-<p:sld xmlns:a="http://schemas.openxmlformats.org/drawingml/2006/main" xmlns:r="http://schemas.openxmlformats.org/officeDocument/2006/relationships" xmlns:p="http://schemas.openxmlformats.org/presentationml/2006/main">
-  <p:cSld>
-    <p:spTree>
-      <p:nvGrpSpPr>
-        <p:cNvPr id="1" name=""/>
-        <p:cNvGrpSpPr/>
-        <p:nvPr/>
-      </p:nvGrpSpPr>
-      <p:grpSpPr>
-        <a:xfrm>
-          <a:off x="0" y="0"/>
-          <a:ext cx="0" cy="0"/>
-          <a:chOff x="0" y="0"/>
-          <a:chExt cx="0" cy="0"/>
-        </a:xfrm>
-      </p:grpSpPr>
-    </p:spTree>
-    <p:extLst>
-      <p:ext uri="{BB962C8B-B14F-4D97-AF65-F5344CB8AC3E}">
-        <p14:creationId xmlns:p14="http://schemas.microsoft.com/office/powerpoint/2010/main" val="1189626705"/>
       </p:ext>
     </p:extLst>
   </p:cSld>

--- a/Assessment/Study Material/Algorithmic Patterns for Coding Interviews/Algorithmic Patterns for Coding Interviews.pptx
+++ b/Assessment/Study Material/Algorithmic Patterns for Coding Interviews/Algorithmic Patterns for Coding Interviews.pptx
@@ -3489,7 +3489,7 @@
           <a:lstStyle/>
           <a:p>
             <a:r>
-              <a:rPr lang="en-IN"/>
+              <a:rPr lang="en-IN" dirty="0"/>
               <a:t>https://www.youtube.com/watch?v=g6TLB_tAaCI</a:t>
             </a:r>
           </a:p>
@@ -3870,7 +3870,7 @@
         <p:spPr>
           <a:xfrm>
             <a:off x="367645" y="282804"/>
-            <a:ext cx="11481848" cy="6124754"/>
+            <a:ext cx="11481848" cy="5293757"/>
           </a:xfrm>
           <a:prstGeom prst="rect">
             <a:avLst/>
@@ -3888,19 +3888,19 @@
               <a:buChar char="•"/>
             </a:pPr>
             <a:r>
-              <a:rPr lang="en-IN" sz="2800" dirty="0">
+              <a:rPr lang="en-IN" sz="1400" dirty="0">
                 <a:hlinkClick r:id="rId2"/>
               </a:rPr>
               <a:t>https://www.youtube.com/channel/UC5UgemAz061hkjTFHOfxNpg</a:t>
             </a:r>
-            <a:endParaRPr lang="en-IN" sz="2800" dirty="0"/>
+            <a:endParaRPr lang="en-IN" sz="1400" dirty="0"/>
           </a:p>
           <a:p>
             <a:pPr marL="285750" indent="-285750">
               <a:buFont typeface="Arial" panose="020B0604020202020204" pitchFamily="34" charset="0"/>
               <a:buChar char="•"/>
             </a:pPr>
-            <a:endParaRPr lang="en-IN" sz="2800" dirty="0"/>
+            <a:endParaRPr lang="en-IN" sz="1400" dirty="0"/>
           </a:p>
           <a:p>
             <a:pPr marL="285750" indent="-285750">
@@ -3908,7 +3908,7 @@
               <a:buChar char="•"/>
             </a:pPr>
             <a:r>
-              <a:rPr lang="en-IN" sz="2800" b="0" i="0" dirty="0">
+              <a:rPr lang="en-IN" sz="1400" b="0" i="0" dirty="0">
                 <a:solidFill>
                   <a:srgbClr val="030303"/>
                 </a:solidFill>
@@ -3918,7 +3918,7 @@
               <a:t>⌨️</a:t>
             </a:r>
             <a:r>
-              <a:rPr lang="en-IN" sz="2800" b="0" i="0" dirty="0" err="1">
+              <a:rPr lang="en-IN" sz="1400" b="0" i="0" dirty="0" err="1">
                 <a:solidFill>
                   <a:srgbClr val="030303"/>
                 </a:solidFill>
@@ -3928,7 +3928,7 @@
               <a:t>leetcod</a:t>
             </a:r>
             <a:r>
-              <a:rPr lang="en-IN" sz="2800" b="0" i="0" dirty="0">
+              <a:rPr lang="en-IN" sz="1400" b="0" i="0" dirty="0">
                 <a:solidFill>
                   <a:srgbClr val="030303"/>
                 </a:solidFill>
@@ -3944,7 +3944,7 @@
               <a:buChar char="•"/>
             </a:pPr>
             <a:r>
-              <a:rPr lang="en-IN" sz="2800" b="0" i="0" dirty="0">
+              <a:rPr lang="en-IN" sz="1400" b="0" i="0" dirty="0">
                 <a:effectLst/>
                 <a:latin typeface="Roboto" panose="02000000000000000000" pitchFamily="2" charset="0"/>
                 <a:hlinkClick r:id="rId3"/>
@@ -3952,7 +3952,7 @@
               <a:t>https://github.com/</a:t>
             </a:r>
             <a:r>
-              <a:rPr lang="en-IN" sz="2800" b="0" i="0" dirty="0" err="1">
+              <a:rPr lang="en-IN" sz="1400" b="0" i="0" dirty="0" err="1">
                 <a:effectLst/>
                 <a:latin typeface="Roboto" panose="02000000000000000000" pitchFamily="2" charset="0"/>
                 <a:hlinkClick r:id="rId3"/>
@@ -3960,7 +3960,7 @@
               <a:t>seanprashad</a:t>
             </a:r>
             <a:r>
-              <a:rPr lang="en-IN" sz="2800" b="0" i="0" dirty="0">
+              <a:rPr lang="en-IN" sz="1400" b="0" i="0" dirty="0">
                 <a:effectLst/>
                 <a:latin typeface="Roboto" panose="02000000000000000000" pitchFamily="2" charset="0"/>
                 <a:hlinkClick r:id="rId3"/>
@@ -3968,7 +3968,7 @@
               <a:t>/</a:t>
             </a:r>
             <a:r>
-              <a:rPr lang="en-IN" sz="2800" b="0" i="0" dirty="0" err="1">
+              <a:rPr lang="en-IN" sz="1400" b="0" i="0" dirty="0" err="1">
                 <a:effectLst/>
                 <a:latin typeface="Roboto" panose="02000000000000000000" pitchFamily="2" charset="0"/>
                 <a:hlinkClick r:id="rId3"/>
@@ -3976,7 +3976,7 @@
               <a:t>leetco</a:t>
             </a:r>
             <a:r>
-              <a:rPr lang="en-IN" sz="2800" b="0" i="0" dirty="0">
+              <a:rPr lang="en-IN" sz="1400" b="0" i="0" dirty="0">
                 <a:effectLst/>
                 <a:latin typeface="Roboto" panose="02000000000000000000" pitchFamily="2" charset="0"/>
                 <a:hlinkClick r:id="rId3"/>
@@ -3984,7 +3984,7 @@
               <a:t>...</a:t>
             </a:r>
             <a:r>
-              <a:rPr lang="en-IN" sz="2800" b="0" i="0" dirty="0">
+              <a:rPr lang="en-IN" sz="1400" b="0" i="0" dirty="0">
                 <a:solidFill>
                   <a:srgbClr val="030303"/>
                 </a:solidFill>
@@ -4000,7 +4000,7 @@
               <a:buChar char="•"/>
             </a:pPr>
             <a:r>
-              <a:rPr lang="en-IN" sz="2800" b="0" i="0" dirty="0">
+              <a:rPr lang="en-IN" sz="1400" b="0" i="0" dirty="0">
                 <a:solidFill>
                   <a:srgbClr val="030303"/>
                 </a:solidFill>
@@ -4010,7 +4010,7 @@
               <a:t>⌨️</a:t>
             </a:r>
             <a:r>
-              <a:rPr lang="en-IN" sz="2800" b="0" i="0" dirty="0" err="1">
+              <a:rPr lang="en-IN" sz="1400" b="0" i="0" dirty="0" err="1">
                 <a:solidFill>
                   <a:srgbClr val="030303"/>
                 </a:solidFill>
@@ -4020,7 +4020,7 @@
               <a:t>leetcod</a:t>
             </a:r>
             <a:r>
-              <a:rPr lang="en-IN" sz="2800" b="0" i="0" dirty="0">
+              <a:rPr lang="en-IN" sz="1400" b="0" i="0" dirty="0">
                 <a:solidFill>
                   <a:srgbClr val="030303"/>
                 </a:solidFill>
@@ -4036,7 +4036,7 @@
               <a:buChar char="•"/>
             </a:pPr>
             <a:r>
-              <a:rPr lang="en-IN" sz="2800" b="0" i="0" dirty="0">
+              <a:rPr lang="en-IN" sz="1400" b="0" i="0" dirty="0">
                 <a:effectLst/>
                 <a:latin typeface="Roboto" panose="02000000000000000000" pitchFamily="2" charset="0"/>
                 <a:hlinkClick r:id="rId4"/>
@@ -4044,7 +4044,7 @@
               <a:t>https://seanprashad.com/</a:t>
             </a:r>
             <a:r>
-              <a:rPr lang="en-IN" sz="2800" b="0" i="0" dirty="0" err="1">
+              <a:rPr lang="en-IN" sz="1400" b="0" i="0" dirty="0" err="1">
                 <a:effectLst/>
                 <a:latin typeface="Roboto" panose="02000000000000000000" pitchFamily="2" charset="0"/>
                 <a:hlinkClick r:id="rId4"/>
@@ -4052,7 +4052,7 @@
               <a:t>leetcode-patt</a:t>
             </a:r>
             <a:r>
-              <a:rPr lang="en-IN" sz="2800" b="0" i="0" dirty="0">
+              <a:rPr lang="en-IN" sz="1400" b="0" i="0" dirty="0">
                 <a:effectLst/>
                 <a:latin typeface="Roboto" panose="02000000000000000000" pitchFamily="2" charset="0"/>
                 <a:hlinkClick r:id="rId4"/>
@@ -4060,7 +4060,7 @@
               <a:t>...</a:t>
             </a:r>
             <a:r>
-              <a:rPr lang="en-IN" sz="2800" b="0" i="0" dirty="0">
+              <a:rPr lang="en-IN" sz="1400" b="0" i="0" dirty="0">
                 <a:solidFill>
                   <a:srgbClr val="030303"/>
                 </a:solidFill>
@@ -4076,7 +4076,7 @@
               <a:buChar char="•"/>
             </a:pPr>
             <a:r>
-              <a:rPr lang="en-IN" sz="2800" b="0" i="0" dirty="0">
+              <a:rPr lang="en-IN" sz="1400" b="0" i="0" dirty="0">
                 <a:solidFill>
                   <a:srgbClr val="030303"/>
                 </a:solidFill>
@@ -4092,7 +4092,7 @@
               <a:buChar char="•"/>
             </a:pPr>
             <a:r>
-              <a:rPr lang="en-IN" sz="2800" b="0" i="0" dirty="0">
+              <a:rPr lang="en-IN" sz="1400" b="0" i="0" dirty="0">
                 <a:effectLst/>
                 <a:latin typeface="Roboto" panose="02000000000000000000" pitchFamily="2" charset="0"/>
                 <a:hlinkClick r:id="rId5"/>
@@ -4100,7 +4100,7 @@
               <a:t>https://leetcode.com/problems/maximum...</a:t>
             </a:r>
             <a:r>
-              <a:rPr lang="en-IN" sz="2800" b="0" i="0" dirty="0">
+              <a:rPr lang="en-IN" sz="1400" b="0" i="0" dirty="0">
                 <a:solidFill>
                   <a:srgbClr val="030303"/>
                 </a:solidFill>
@@ -4116,7 +4116,7 @@
               <a:buChar char="•"/>
             </a:pPr>
             <a:r>
-              <a:rPr lang="en-IN" sz="2800" b="0" i="0" dirty="0">
+              <a:rPr lang="en-IN" sz="1400" b="0" i="0" dirty="0">
                 <a:solidFill>
                   <a:srgbClr val="030303"/>
                 </a:solidFill>
@@ -4126,28 +4126,28 @@
               <a:t>👨🏽‍💻Download Go: </a:t>
             </a:r>
             <a:r>
-              <a:rPr lang="en-IN" sz="2800" b="0" i="0" dirty="0">
+              <a:rPr lang="en-IN" sz="1400" b="0" i="0" dirty="0">
                 <a:effectLst/>
                 <a:latin typeface="Roboto" panose="02000000000000000000" pitchFamily="2" charset="0"/>
                 <a:hlinkClick r:id="rId6"/>
               </a:rPr>
               <a:t>https://golang.org/</a:t>
             </a:r>
-            <a:endParaRPr lang="en-IN" sz="2800" dirty="0"/>
+            <a:endParaRPr lang="en-IN" sz="1400" dirty="0"/>
           </a:p>
           <a:p>
             <a:pPr marL="285750" indent="-285750">
               <a:buFont typeface="Arial" panose="020B0604020202020204" pitchFamily="34" charset="0"/>
               <a:buChar char="•"/>
             </a:pPr>
-            <a:endParaRPr lang="en-IN" sz="2800" dirty="0"/>
+            <a:endParaRPr lang="en-IN" sz="1400" dirty="0"/>
           </a:p>
           <a:p>
             <a:pPr marL="285750" indent="-285750">
               <a:buFont typeface="Arial" panose="020B0604020202020204" pitchFamily="34" charset="0"/>
               <a:buChar char="•"/>
             </a:pPr>
-            <a:endParaRPr lang="en-IN" sz="2800" dirty="0"/>
+            <a:endParaRPr lang="en-IN" sz="1400" dirty="0"/>
           </a:p>
           <a:p>
             <a:pPr marL="285750" indent="-285750">
@@ -4155,19 +4155,177 @@
               <a:buChar char="•"/>
             </a:pPr>
             <a:r>
-              <a:rPr lang="en-IN" sz="2800" dirty="0">
+              <a:rPr lang="en-IN" sz="1400" dirty="0">
                 <a:hlinkClick r:id="rId7"/>
               </a:rPr>
               <a:t>https://hackernoon.com/14-patterns-to-ace-any-coding-interview-question-c5bb3357f6ed</a:t>
             </a:r>
-            <a:endParaRPr lang="en-IN" sz="2800" dirty="0"/>
+            <a:endParaRPr lang="en-IN" sz="1400" dirty="0"/>
+          </a:p>
+          <a:p>
+            <a:r>
+              <a:rPr lang="en-IN" sz="1050" dirty="0">
+                <a:solidFill>
+                  <a:srgbClr val="000000"/>
+                </a:solidFill>
+                <a:latin typeface="Cascadia Mono" panose="020B0609020000020004" pitchFamily="49" charset="0"/>
+              </a:rPr>
+              <a:t> https://www.techinterviewhandbook.org/best-practice-questions</a:t>
+            </a:r>
+          </a:p>
+          <a:p>
+            <a:endParaRPr lang="en-IN" sz="1050" dirty="0">
+              <a:solidFill>
+                <a:srgbClr val="000000"/>
+              </a:solidFill>
+              <a:latin typeface="Cascadia Mono" panose="020B0609020000020004" pitchFamily="49" charset="0"/>
+            </a:endParaRPr>
+          </a:p>
+          <a:p>
+            <a:r>
+              <a:rPr lang="en-IN" sz="1050" dirty="0">
+                <a:solidFill>
+                  <a:srgbClr val="000000"/>
+                </a:solidFill>
+                <a:latin typeface="Cascadia Mono" panose="020B0609020000020004" pitchFamily="49" charset="0"/>
+              </a:rPr>
+              <a:t>    https://www.techinterviewhandbook.org/grind75</a:t>
+            </a:r>
+          </a:p>
+          <a:p>
+            <a:endParaRPr lang="en-IN" sz="1050" dirty="0">
+              <a:solidFill>
+                <a:srgbClr val="000000"/>
+              </a:solidFill>
+              <a:latin typeface="Cascadia Mono" panose="020B0609020000020004" pitchFamily="49" charset="0"/>
+            </a:endParaRPr>
+          </a:p>
+          <a:p>
+            <a:r>
+              <a:rPr lang="en-US" sz="1050" dirty="0">
+                <a:solidFill>
+                  <a:srgbClr val="000000"/>
+                </a:solidFill>
+                <a:latin typeface="Cascadia Mono" panose="020B0609020000020004" pitchFamily="49" charset="0"/>
+              </a:rPr>
+              <a:t>    #Algorithmic Patterns for Coding Interviews: Intro</a:t>
+            </a:r>
+          </a:p>
+          <a:p>
+            <a:r>
+              <a:rPr lang="en-IN" sz="1050" dirty="0">
+                <a:solidFill>
+                  <a:srgbClr val="000000"/>
+                </a:solidFill>
+                <a:latin typeface="Cascadia Mono" panose="020B0609020000020004" pitchFamily="49" charset="0"/>
+              </a:rPr>
+              <a:t>    https://www.youtube.com/watch?v=cpgAULF6Vpw</a:t>
+            </a:r>
+          </a:p>
+          <a:p>
+            <a:r>
+              <a:rPr lang="en-IN" sz="1050" dirty="0">
+                <a:solidFill>
+                  <a:srgbClr val="000000"/>
+                </a:solidFill>
+                <a:latin typeface="Cascadia Mono" panose="020B0609020000020004" pitchFamily="49" charset="0"/>
+              </a:rPr>
+              <a:t>    https://seanprashad.com/leetcode-patterns/</a:t>
+            </a:r>
+          </a:p>
+          <a:p>
+            <a:r>
+              <a:rPr lang="en-IN" sz="1050" dirty="0">
+                <a:solidFill>
+                  <a:srgbClr val="000000"/>
+                </a:solidFill>
+                <a:latin typeface="Cascadia Mono" panose="020B0609020000020004" pitchFamily="49" charset="0"/>
+              </a:rPr>
+              <a:t>    https://edcode.xyz/</a:t>
+            </a:r>
+          </a:p>
+          <a:p>
+            <a:endParaRPr lang="en-IN" sz="1050" dirty="0">
+              <a:solidFill>
+                <a:srgbClr val="000000"/>
+              </a:solidFill>
+              <a:latin typeface="Cascadia Mono" panose="020B0609020000020004" pitchFamily="49" charset="0"/>
+            </a:endParaRPr>
+          </a:p>
+          <a:p>
+            <a:endParaRPr lang="en-IN" sz="1050" dirty="0">
+              <a:solidFill>
+                <a:srgbClr val="000000"/>
+              </a:solidFill>
+              <a:latin typeface="Cascadia Mono" panose="020B0609020000020004" pitchFamily="49" charset="0"/>
+            </a:endParaRPr>
+          </a:p>
+          <a:p>
+            <a:r>
+              <a:rPr lang="en-US" sz="1050" dirty="0">
+                <a:solidFill>
+                  <a:srgbClr val="000000"/>
+                </a:solidFill>
+                <a:latin typeface="Cascadia Mono" panose="020B0609020000020004" pitchFamily="49" charset="0"/>
+              </a:rPr>
+              <a:t>    </a:t>
+            </a:r>
+            <a:r>
+              <a:rPr lang="en-US" sz="1050" dirty="0" err="1">
+                <a:solidFill>
+                  <a:srgbClr val="000000"/>
+                </a:solidFill>
+                <a:latin typeface="Cascadia Mono" panose="020B0609020000020004" pitchFamily="49" charset="0"/>
+              </a:rPr>
+              <a:t>Leetcode</a:t>
+            </a:r>
+            <a:r>
+              <a:rPr lang="en-US" sz="1050" dirty="0">
+                <a:solidFill>
+                  <a:srgbClr val="000000"/>
+                </a:solidFill>
+                <a:latin typeface="Cascadia Mono" panose="020B0609020000020004" pitchFamily="49" charset="0"/>
+              </a:rPr>
+              <a:t> 101: The 14 Patterns Introduction | Workshop (Winter 2022)</a:t>
+            </a:r>
+          </a:p>
+          <a:p>
+            <a:r>
+              <a:rPr lang="en-IN" sz="1050" dirty="0">
+                <a:solidFill>
+                  <a:srgbClr val="000000"/>
+                </a:solidFill>
+                <a:latin typeface="Cascadia Mono" panose="020B0609020000020004" pitchFamily="49" charset="0"/>
+              </a:rPr>
+              <a:t>    https://www.youtube.com/watch?v=g6TLB_tAaCI</a:t>
+            </a:r>
+          </a:p>
+          <a:p>
+            <a:endParaRPr lang="en-IN" sz="1050" dirty="0">
+              <a:solidFill>
+                <a:srgbClr val="000000"/>
+              </a:solidFill>
+              <a:latin typeface="Cascadia Mono" panose="020B0609020000020004" pitchFamily="49" charset="0"/>
+            </a:endParaRPr>
+          </a:p>
+          <a:p>
+            <a:r>
+              <a:rPr lang="en-IN" sz="1050" dirty="0">
+                <a:solidFill>
+                  <a:srgbClr val="000000"/>
+                </a:solidFill>
+                <a:latin typeface="Cascadia Mono" panose="020B0609020000020004" pitchFamily="49" charset="0"/>
+              </a:rPr>
+              <a:t>    https://www.techinterviewhandbook.org/best-practice-questions</a:t>
+            </a:r>
+            <a:endParaRPr lang="en-IN" sz="1400" dirty="0"/>
           </a:p>
           <a:p>
             <a:pPr marL="285750" indent="-285750">
               <a:buFont typeface="Arial" panose="020B0604020202020204" pitchFamily="34" charset="0"/>
               <a:buChar char="•"/>
             </a:pPr>
-            <a:endParaRPr lang="en-IN" sz="2800" dirty="0"/>
+            <a:endParaRPr lang="en-IN" sz="1400" dirty="0"/>
           </a:p>
         </p:txBody>
       </p:sp>
